--- a/Powerlift Powerpoint.pptx
+++ b/Powerlift Powerpoint.pptx
@@ -198,7 +198,7 @@
           <a:p>
             <a:fld id="{E04F55B4-3D82-41BD-BAF2-7F77C4CCB1BA}" type="datetimeFigureOut">
               <a:rPr lang="nl-NL" smtClean="0"/>
-              <a:t>24-5-2020</a:t>
+              <a:t>25-5-2020</a:t>
             </a:fld>
             <a:endParaRPr lang="nl-NL"/>
           </a:p>
@@ -833,7 +833,7 @@
           <a:p>
             <a:fld id="{045A98CA-CFA4-4C5C-9D89-EEDC72AFD99E}" type="datetimeFigureOut">
               <a:rPr lang="nl-NL" smtClean="0"/>
-              <a:t>24-5-2020</a:t>
+              <a:t>25-5-2020</a:t>
             </a:fld>
             <a:endParaRPr lang="nl-NL"/>
           </a:p>
@@ -1003,7 +1003,7 @@
           <a:p>
             <a:fld id="{045A98CA-CFA4-4C5C-9D89-EEDC72AFD99E}" type="datetimeFigureOut">
               <a:rPr lang="nl-NL" smtClean="0"/>
-              <a:t>24-5-2020</a:t>
+              <a:t>25-5-2020</a:t>
             </a:fld>
             <a:endParaRPr lang="nl-NL"/>
           </a:p>
@@ -1183,7 +1183,7 @@
           <a:p>
             <a:fld id="{045A98CA-CFA4-4C5C-9D89-EEDC72AFD99E}" type="datetimeFigureOut">
               <a:rPr lang="nl-NL" smtClean="0"/>
-              <a:t>24-5-2020</a:t>
+              <a:t>25-5-2020</a:t>
             </a:fld>
             <a:endParaRPr lang="nl-NL"/>
           </a:p>
@@ -1353,7 +1353,7 @@
           <a:p>
             <a:fld id="{045A98CA-CFA4-4C5C-9D89-EEDC72AFD99E}" type="datetimeFigureOut">
               <a:rPr lang="nl-NL" smtClean="0"/>
-              <a:t>24-5-2020</a:t>
+              <a:t>25-5-2020</a:t>
             </a:fld>
             <a:endParaRPr lang="nl-NL"/>
           </a:p>
@@ -1599,7 +1599,7 @@
           <a:p>
             <a:fld id="{045A98CA-CFA4-4C5C-9D89-EEDC72AFD99E}" type="datetimeFigureOut">
               <a:rPr lang="nl-NL" smtClean="0"/>
-              <a:t>24-5-2020</a:t>
+              <a:t>25-5-2020</a:t>
             </a:fld>
             <a:endParaRPr lang="nl-NL"/>
           </a:p>
@@ -1887,7 +1887,7 @@
           <a:p>
             <a:fld id="{045A98CA-CFA4-4C5C-9D89-EEDC72AFD99E}" type="datetimeFigureOut">
               <a:rPr lang="nl-NL" smtClean="0"/>
-              <a:t>24-5-2020</a:t>
+              <a:t>25-5-2020</a:t>
             </a:fld>
             <a:endParaRPr lang="nl-NL"/>
           </a:p>
@@ -2309,7 +2309,7 @@
           <a:p>
             <a:fld id="{045A98CA-CFA4-4C5C-9D89-EEDC72AFD99E}" type="datetimeFigureOut">
               <a:rPr lang="nl-NL" smtClean="0"/>
-              <a:t>24-5-2020</a:t>
+              <a:t>25-5-2020</a:t>
             </a:fld>
             <a:endParaRPr lang="nl-NL"/>
           </a:p>
@@ -2427,7 +2427,7 @@
           <a:p>
             <a:fld id="{045A98CA-CFA4-4C5C-9D89-EEDC72AFD99E}" type="datetimeFigureOut">
               <a:rPr lang="nl-NL" smtClean="0"/>
-              <a:t>24-5-2020</a:t>
+              <a:t>25-5-2020</a:t>
             </a:fld>
             <a:endParaRPr lang="nl-NL"/>
           </a:p>
@@ -2522,7 +2522,7 @@
           <a:p>
             <a:fld id="{045A98CA-CFA4-4C5C-9D89-EEDC72AFD99E}" type="datetimeFigureOut">
               <a:rPr lang="nl-NL" smtClean="0"/>
-              <a:t>24-5-2020</a:t>
+              <a:t>25-5-2020</a:t>
             </a:fld>
             <a:endParaRPr lang="nl-NL"/>
           </a:p>
@@ -2799,7 +2799,7 @@
           <a:p>
             <a:fld id="{045A98CA-CFA4-4C5C-9D89-EEDC72AFD99E}" type="datetimeFigureOut">
               <a:rPr lang="nl-NL" smtClean="0"/>
-              <a:t>24-5-2020</a:t>
+              <a:t>25-5-2020</a:t>
             </a:fld>
             <a:endParaRPr lang="nl-NL"/>
           </a:p>
@@ -3052,7 +3052,7 @@
           <a:p>
             <a:fld id="{045A98CA-CFA4-4C5C-9D89-EEDC72AFD99E}" type="datetimeFigureOut">
               <a:rPr lang="nl-NL" smtClean="0"/>
-              <a:t>24-5-2020</a:t>
+              <a:t>25-5-2020</a:t>
             </a:fld>
             <a:endParaRPr lang="nl-NL"/>
           </a:p>
@@ -3268,7 +3268,7 @@
           <a:p>
             <a:fld id="{045A98CA-CFA4-4C5C-9D89-EEDC72AFD99E}" type="datetimeFigureOut">
               <a:rPr lang="nl-NL" smtClean="0"/>
-              <a:t>24-5-2020</a:t>
+              <a:t>25-5-2020</a:t>
             </a:fld>
             <a:endParaRPr lang="nl-NL"/>
           </a:p>
@@ -3754,7 +3754,7 @@
           </p:cNvPicPr>
           <p:nvPr/>
         </p:nvPicPr>
-        <p:blipFill>
+        <p:blipFill rotWithShape="1">
           <a:blip r:embed="rId2" cstate="print">
             <a:extLst>
               <a:ext uri="{28A0092B-C50C-407E-A947-70E740481C1C}">
@@ -3762,15 +3762,13 @@
               </a:ext>
             </a:extLst>
           </a:blip>
-          <a:srcRect/>
-          <a:stretch>
-            <a:fillRect/>
-          </a:stretch>
+          <a:srcRect t="3614"/>
+          <a:stretch/>
         </p:blipFill>
         <p:spPr bwMode="auto">
           <a:xfrm>
-            <a:off x="755576" y="2422682"/>
-            <a:ext cx="2016224" cy="2016224"/>
+            <a:off x="899592" y="2510286"/>
+            <a:ext cx="2016224" cy="1943353"/>
           </a:xfrm>
           <a:prstGeom prst="rect">
             <a:avLst/>
@@ -3862,7 +3860,7 @@
         </p:blipFill>
         <p:spPr bwMode="auto">
           <a:xfrm>
-            <a:off x="3923928" y="1831543"/>
+            <a:off x="3995936" y="1834172"/>
             <a:ext cx="1800200" cy="1800200"/>
           </a:xfrm>
           <a:prstGeom prst="rect">
@@ -3909,13 +3907,13 @@
               </a:ext>
             </a:extLst>
           </a:blip>
-          <a:srcRect l="11944" t="14363" r="14260" b="12800"/>
+          <a:srcRect l="15711" t="15304" r="14260" b="12799"/>
           <a:stretch/>
         </p:blipFill>
         <p:spPr bwMode="auto">
           <a:xfrm>
-            <a:off x="6748863" y="2662084"/>
-            <a:ext cx="1800200" cy="1776822"/>
+            <a:off x="6840747" y="2734271"/>
+            <a:ext cx="1708316" cy="1753873"/>
           </a:xfrm>
           <a:prstGeom prst="rect">
             <a:avLst/>

--- a/Powerlift Powerpoint.pptx
+++ b/Powerlift Powerpoint.pptx
@@ -5,7 +5,7 @@
     <p:sldMasterId id="2147483648" r:id="rId1"/>
   </p:sldMasterIdLst>
   <p:notesMasterIdLst>
-    <p:notesMasterId r:id="rId9"/>
+    <p:notesMasterId r:id="rId8"/>
   </p:notesMasterIdLst>
   <p:sldIdLst>
     <p:sldId id="256" r:id="rId2"/>
@@ -13,8 +13,7 @@
     <p:sldId id="261" r:id="rId4"/>
     <p:sldId id="257" r:id="rId5"/>
     <p:sldId id="264" r:id="rId6"/>
-    <p:sldId id="259" r:id="rId7"/>
-    <p:sldId id="262" r:id="rId8"/>
+    <p:sldId id="269" r:id="rId7"/>
   </p:sldIdLst>
   <p:sldSz cx="9144000" cy="6858000" type="screen4x3"/>
   <p:notesSz cx="6858000" cy="9144000"/>
@@ -198,7 +197,7 @@
           <a:p>
             <a:fld id="{E04F55B4-3D82-41BD-BAF2-7F77C4CCB1BA}" type="datetimeFigureOut">
               <a:rPr lang="nl-NL" smtClean="0"/>
-              <a:t>25-5-2020</a:t>
+              <a:t>27-5-2020</a:t>
             </a:fld>
             <a:endParaRPr lang="nl-NL"/>
           </a:p>
@@ -562,96 +561,6 @@
 </p:notes>
 </file>
 
-<file path=ppt/notesSlides/notesSlide2.xml><?xml version="1.0" encoding="utf-8"?>
-<p:notes xmlns:a="http://schemas.openxmlformats.org/drawingml/2006/main" xmlns:r="http://schemas.openxmlformats.org/officeDocument/2006/relationships" xmlns:p="http://schemas.openxmlformats.org/presentationml/2006/main">
-  <p:cSld>
-    <p:spTree>
-      <p:nvGrpSpPr>
-        <p:cNvPr id="1" name=""/>
-        <p:cNvGrpSpPr/>
-        <p:nvPr/>
-      </p:nvGrpSpPr>
-      <p:grpSpPr>
-        <a:xfrm>
-          <a:off x="0" y="0"/>
-          <a:ext cx="0" cy="0"/>
-          <a:chOff x="0" y="0"/>
-          <a:chExt cx="0" cy="0"/>
-        </a:xfrm>
-      </p:grpSpPr>
-      <p:sp>
-        <p:nvSpPr>
-          <p:cNvPr id="2" name="Tijdelijke aanduiding voor dia-afbeelding 1"/>
-          <p:cNvSpPr>
-            <a:spLocks noGrp="1" noRot="1" noChangeAspect="1"/>
-          </p:cNvSpPr>
-          <p:nvPr>
-            <p:ph type="sldImg"/>
-          </p:nvPr>
-        </p:nvSpPr>
-        <p:spPr/>
-      </p:sp>
-      <p:sp>
-        <p:nvSpPr>
-          <p:cNvPr id="3" name="Tijdelijke aanduiding voor notities 2"/>
-          <p:cNvSpPr>
-            <a:spLocks noGrp="1"/>
-          </p:cNvSpPr>
-          <p:nvPr>
-            <p:ph type="body" idx="1"/>
-          </p:nvPr>
-        </p:nvSpPr>
-        <p:spPr/>
-        <p:txBody>
-          <a:bodyPr/>
-          <a:lstStyle/>
-          <a:p>
-            <a:r>
-              <a:rPr lang="nl-NL" dirty="0" smtClean="0"/>
-              <a:t>Dit doen we met behulp van de productbacklog</a:t>
-            </a:r>
-          </a:p>
-          <a:p>
-            <a:endParaRPr lang="nl-NL" dirty="0"/>
-          </a:p>
-        </p:txBody>
-      </p:sp>
-      <p:sp>
-        <p:nvSpPr>
-          <p:cNvPr id="4" name="Tijdelijke aanduiding voor dianummer 3"/>
-          <p:cNvSpPr>
-            <a:spLocks noGrp="1"/>
-          </p:cNvSpPr>
-          <p:nvPr>
-            <p:ph type="sldNum" sz="quarter" idx="10"/>
-          </p:nvPr>
-        </p:nvSpPr>
-        <p:spPr/>
-        <p:txBody>
-          <a:bodyPr/>
-          <a:lstStyle/>
-          <a:p>
-            <a:fld id="{8C8A1E06-408F-4365-86BE-E08AAD520065}" type="slidenum">
-              <a:rPr lang="nl-NL" smtClean="0"/>
-              <a:t>6</a:t>
-            </a:fld>
-            <a:endParaRPr lang="nl-NL"/>
-          </a:p>
-        </p:txBody>
-      </p:sp>
-    </p:spTree>
-    <p:extLst>
-      <p:ext uri="{BB962C8B-B14F-4D97-AF65-F5344CB8AC3E}">
-        <p14:creationId xmlns:p14="http://schemas.microsoft.com/office/powerpoint/2010/main" val="275443658"/>
-      </p:ext>
-    </p:extLst>
-  </p:cSld>
-  <p:clrMapOvr>
-    <a:masterClrMapping/>
-  </p:clrMapOvr>
-</p:notes>
-</file>
-
 <file path=ppt/slideLayouts/slideLayout1.xml><?xml version="1.0" encoding="utf-8"?>
 <p:sldLayout xmlns:a="http://schemas.openxmlformats.org/drawingml/2006/main" xmlns:r="http://schemas.openxmlformats.org/officeDocument/2006/relationships" xmlns:p="http://schemas.openxmlformats.org/presentationml/2006/main" type="title" preserve="1">
   <p:cSld name="Titeldia">
@@ -833,7 +742,7 @@
           <a:p>
             <a:fld id="{045A98CA-CFA4-4C5C-9D89-EEDC72AFD99E}" type="datetimeFigureOut">
               <a:rPr lang="nl-NL" smtClean="0"/>
-              <a:t>25-5-2020</a:t>
+              <a:t>27-5-2020</a:t>
             </a:fld>
             <a:endParaRPr lang="nl-NL"/>
           </a:p>
@@ -1003,7 +912,7 @@
           <a:p>
             <a:fld id="{045A98CA-CFA4-4C5C-9D89-EEDC72AFD99E}" type="datetimeFigureOut">
               <a:rPr lang="nl-NL" smtClean="0"/>
-              <a:t>25-5-2020</a:t>
+              <a:t>27-5-2020</a:t>
             </a:fld>
             <a:endParaRPr lang="nl-NL"/>
           </a:p>
@@ -1183,7 +1092,7 @@
           <a:p>
             <a:fld id="{045A98CA-CFA4-4C5C-9D89-EEDC72AFD99E}" type="datetimeFigureOut">
               <a:rPr lang="nl-NL" smtClean="0"/>
-              <a:t>25-5-2020</a:t>
+              <a:t>27-5-2020</a:t>
             </a:fld>
             <a:endParaRPr lang="nl-NL"/>
           </a:p>
@@ -1353,7 +1262,7 @@
           <a:p>
             <a:fld id="{045A98CA-CFA4-4C5C-9D89-EEDC72AFD99E}" type="datetimeFigureOut">
               <a:rPr lang="nl-NL" smtClean="0"/>
-              <a:t>25-5-2020</a:t>
+              <a:t>27-5-2020</a:t>
             </a:fld>
             <a:endParaRPr lang="nl-NL"/>
           </a:p>
@@ -1599,7 +1508,7 @@
           <a:p>
             <a:fld id="{045A98CA-CFA4-4C5C-9D89-EEDC72AFD99E}" type="datetimeFigureOut">
               <a:rPr lang="nl-NL" smtClean="0"/>
-              <a:t>25-5-2020</a:t>
+              <a:t>27-5-2020</a:t>
             </a:fld>
             <a:endParaRPr lang="nl-NL"/>
           </a:p>
@@ -1887,7 +1796,7 @@
           <a:p>
             <a:fld id="{045A98CA-CFA4-4C5C-9D89-EEDC72AFD99E}" type="datetimeFigureOut">
               <a:rPr lang="nl-NL" smtClean="0"/>
-              <a:t>25-5-2020</a:t>
+              <a:t>27-5-2020</a:t>
             </a:fld>
             <a:endParaRPr lang="nl-NL"/>
           </a:p>
@@ -2309,7 +2218,7 @@
           <a:p>
             <a:fld id="{045A98CA-CFA4-4C5C-9D89-EEDC72AFD99E}" type="datetimeFigureOut">
               <a:rPr lang="nl-NL" smtClean="0"/>
-              <a:t>25-5-2020</a:t>
+              <a:t>27-5-2020</a:t>
             </a:fld>
             <a:endParaRPr lang="nl-NL"/>
           </a:p>
@@ -2427,7 +2336,7 @@
           <a:p>
             <a:fld id="{045A98CA-CFA4-4C5C-9D89-EEDC72AFD99E}" type="datetimeFigureOut">
               <a:rPr lang="nl-NL" smtClean="0"/>
-              <a:t>25-5-2020</a:t>
+              <a:t>27-5-2020</a:t>
             </a:fld>
             <a:endParaRPr lang="nl-NL"/>
           </a:p>
@@ -2522,7 +2431,7 @@
           <a:p>
             <a:fld id="{045A98CA-CFA4-4C5C-9D89-EEDC72AFD99E}" type="datetimeFigureOut">
               <a:rPr lang="nl-NL" smtClean="0"/>
-              <a:t>25-5-2020</a:t>
+              <a:t>27-5-2020</a:t>
             </a:fld>
             <a:endParaRPr lang="nl-NL"/>
           </a:p>
@@ -2799,7 +2708,7 @@
           <a:p>
             <a:fld id="{045A98CA-CFA4-4C5C-9D89-EEDC72AFD99E}" type="datetimeFigureOut">
               <a:rPr lang="nl-NL" smtClean="0"/>
-              <a:t>25-5-2020</a:t>
+              <a:t>27-5-2020</a:t>
             </a:fld>
             <a:endParaRPr lang="nl-NL"/>
           </a:p>
@@ -3052,7 +2961,7 @@
           <a:p>
             <a:fld id="{045A98CA-CFA4-4C5C-9D89-EEDC72AFD99E}" type="datetimeFigureOut">
               <a:rPr lang="nl-NL" smtClean="0"/>
-              <a:t>25-5-2020</a:t>
+              <a:t>27-5-2020</a:t>
             </a:fld>
             <a:endParaRPr lang="nl-NL"/>
           </a:p>
@@ -3268,7 +3177,7 @@
           <a:p>
             <a:fld id="{045A98CA-CFA4-4C5C-9D89-EEDC72AFD99E}" type="datetimeFigureOut">
               <a:rPr lang="nl-NL" smtClean="0"/>
-              <a:t>25-5-2020</a:t>
+              <a:t>27-5-2020</a:t>
             </a:fld>
             <a:endParaRPr lang="nl-NL"/>
           </a:p>
@@ -3754,21 +3663,22 @@
           </p:cNvPicPr>
           <p:nvPr/>
         </p:nvPicPr>
-        <p:blipFill rotWithShape="1">
-          <a:blip r:embed="rId2" cstate="print">
+        <p:blipFill>
+          <a:blip r:embed="rId2">
             <a:extLst>
               <a:ext uri="{28A0092B-C50C-407E-A947-70E740481C1C}">
                 <a14:useLocalDpi xmlns:a14="http://schemas.microsoft.com/office/drawing/2010/main" val="0"/>
               </a:ext>
             </a:extLst>
           </a:blip>
-          <a:srcRect t="3614"/>
-          <a:stretch/>
+          <a:stretch>
+            <a:fillRect/>
+          </a:stretch>
         </p:blipFill>
         <p:spPr bwMode="auto">
           <a:xfrm>
-            <a:off x="899592" y="2510286"/>
-            <a:ext cx="2016224" cy="1943353"/>
+            <a:off x="902521" y="2510286"/>
+            <a:ext cx="2010365" cy="1943353"/>
           </a:xfrm>
           <a:prstGeom prst="rect">
             <a:avLst/>
@@ -3953,6 +3863,21 @@
   <p:clrMapOvr>
     <a:masterClrMapping/>
   </p:clrMapOvr>
+  <mc:AlternateContent xmlns:mc="http://schemas.openxmlformats.org/markup-compatibility/2006" xmlns:p14="http://schemas.microsoft.com/office/powerpoint/2010/main">
+    <mc:Choice Requires="p14">
+      <p:transition spd="slow" p14:dur="2000" advClick="0"/>
+    </mc:Choice>
+    <mc:Fallback xmlns="">
+      <p:transition spd="slow" advClick="0"/>
+    </mc:Fallback>
+  </mc:AlternateContent>
+  <p:timing>
+    <p:tnLst>
+      <p:par>
+        <p:cTn id="1" dur="indefinite" restart="never" nodeType="tmRoot"/>
+      </p:par>
+    </p:tnLst>
+  </p:timing>
 </p:sld>
 </file>
 
@@ -4076,6 +4001,21 @@
   <p:clrMapOvr>
     <a:masterClrMapping/>
   </p:clrMapOvr>
+  <mc:AlternateContent xmlns:mc="http://schemas.openxmlformats.org/markup-compatibility/2006" xmlns:p14="http://schemas.microsoft.com/office/powerpoint/2010/main">
+    <mc:Choice Requires="p14">
+      <p:transition spd="slow" p14:dur="2000" advClick="0"/>
+    </mc:Choice>
+    <mc:Fallback xmlns="">
+      <p:transition spd="slow" advClick="0"/>
+    </mc:Fallback>
+  </mc:AlternateContent>
+  <p:timing>
+    <p:tnLst>
+      <p:par>
+        <p:cTn id="1" dur="indefinite" restart="never" nodeType="tmRoot"/>
+      </p:par>
+    </p:tnLst>
+  </p:timing>
 </p:sld>
 </file>
 
@@ -4108,8 +4048,8 @@
         </p:nvSpPr>
         <p:spPr>
           <a:xfrm>
-            <a:off x="1115616" y="2780928"/>
-            <a:ext cx="8229600" cy="1036712"/>
+            <a:off x="1835696" y="2780928"/>
+            <a:ext cx="5904656" cy="1036712"/>
           </a:xfrm>
         </p:spPr>
         <p:txBody>
@@ -4121,7 +4061,7 @@
             </a:pPr>
             <a:r>
               <a:rPr lang="nl-NL" dirty="0" smtClean="0"/>
-              <a:t>Wat hebben we de vorige sprint gedaan?</a:t>
+              <a:t>Wat hebben we allemaal gedaan?</a:t>
             </a:r>
             <a:endParaRPr lang="nl-NL" dirty="0"/>
           </a:p>
@@ -4137,6 +4077,21 @@
   <p:clrMapOvr>
     <a:masterClrMapping/>
   </p:clrMapOvr>
+  <mc:AlternateContent xmlns:mc="http://schemas.openxmlformats.org/markup-compatibility/2006" xmlns:p14="http://schemas.microsoft.com/office/powerpoint/2010/main">
+    <mc:Choice Requires="p14">
+      <p:transition spd="slow" p14:dur="2000" advClick="0"/>
+    </mc:Choice>
+    <mc:Fallback xmlns="">
+      <p:transition spd="slow" advClick="0"/>
+    </mc:Fallback>
+  </mc:AlternateContent>
+  <p:timing>
+    <p:tnLst>
+      <p:par>
+        <p:cTn id="1" dur="indefinite" restart="never" nodeType="tmRoot"/>
+      </p:par>
+    </p:tnLst>
+  </p:timing>
 </p:sld>
 </file>
 
@@ -4202,6 +4157,21 @@
   <p:clrMapOvr>
     <a:masterClrMapping/>
   </p:clrMapOvr>
+  <mc:AlternateContent xmlns:mc="http://schemas.openxmlformats.org/markup-compatibility/2006" xmlns:p14="http://schemas.microsoft.com/office/powerpoint/2010/main">
+    <mc:Choice Requires="p14">
+      <p:transition spd="slow" p14:dur="2000" advClick="0"/>
+    </mc:Choice>
+    <mc:Fallback xmlns="">
+      <p:transition spd="slow" advClick="0"/>
+    </mc:Fallback>
+  </mc:AlternateContent>
+  <p:timing>
+    <p:tnLst>
+      <p:par>
+        <p:cTn id="1" dur="indefinite" restart="never" nodeType="tmRoot"/>
+      </p:par>
+    </p:tnLst>
+  </p:timing>
 </p:sld>
 </file>
 
@@ -4224,6 +4194,34 @@
       </p:grpSpPr>
       <p:sp>
         <p:nvSpPr>
+          <p:cNvPr id="2" name="Titel 1"/>
+          <p:cNvSpPr>
+            <a:spLocks noGrp="1"/>
+          </p:cNvSpPr>
+          <p:nvPr>
+            <p:ph type="title"/>
+          </p:nvPr>
+        </p:nvSpPr>
+        <p:spPr/>
+        <p:txBody>
+          <a:bodyPr>
+            <a:normAutofit fontScale="90000"/>
+          </a:bodyPr>
+          <a:lstStyle/>
+          <a:p>
+            <a:r>
+              <a:rPr lang="nl-NL" smtClean="0"/>
+              <a:t>User story analyse</a:t>
+            </a:r>
+            <a:br>
+              <a:rPr lang="nl-NL" smtClean="0"/>
+            </a:br>
+            <a:endParaRPr lang="nl-NL" dirty="0"/>
+          </a:p>
+        </p:txBody>
+      </p:sp>
+      <p:sp>
+        <p:nvSpPr>
           <p:cNvPr id="4" name="Tijdelijke aanduiding voor inhoud 2"/>
           <p:cNvSpPr>
             <a:spLocks noGrp="1"/>
@@ -4234,22 +4232,405 @@
         </p:nvSpPr>
         <p:spPr>
           <a:xfrm>
-            <a:off x="1907704" y="2852936"/>
-            <a:ext cx="5544616" cy="1036712"/>
+            <a:off x="457200" y="1600200"/>
+            <a:ext cx="4402832" cy="4525963"/>
           </a:xfrm>
         </p:spPr>
         <p:txBody>
-          <a:bodyPr/>
-          <a:lstStyle/>
-          <a:p>
-            <a:pPr marL="0" indent="0" algn="ctr">
-              <a:buNone/>
-            </a:pPr>
+          <a:bodyPr>
+            <a:normAutofit fontScale="62500" lnSpcReduction="20000"/>
+          </a:bodyPr>
+          <a:lstStyle/>
+          <a:p>
             <a:r>
               <a:rPr lang="nl-NL" dirty="0" smtClean="0"/>
-              <a:t>User story analyse</a:t>
-            </a:r>
-            <a:endParaRPr lang="nl-NL" dirty="0"/>
+              <a:t>Inloggen</a:t>
+            </a:r>
+          </a:p>
+          <a:p>
+            <a:r>
+              <a:rPr lang="nl-NL" dirty="0" smtClean="0"/>
+              <a:t>Sporteropties toevoegen</a:t>
+            </a:r>
+          </a:p>
+          <a:p>
+            <a:pPr lvl="1"/>
+            <a:r>
+              <a:rPr lang="nl-NL" dirty="0" smtClean="0"/>
+              <a:t>Oefening inlezen</a:t>
+            </a:r>
+          </a:p>
+          <a:p>
+            <a:pPr lvl="1"/>
+            <a:r>
+              <a:rPr lang="nl-NL" dirty="0" smtClean="0"/>
+              <a:t>Planning bekijken/aanvragen</a:t>
+            </a:r>
+          </a:p>
+          <a:p>
+            <a:pPr lvl="2"/>
+            <a:r>
+              <a:rPr lang="nl-NL" dirty="0" smtClean="0"/>
+              <a:t>Mail versturen</a:t>
+            </a:r>
+          </a:p>
+          <a:p>
+            <a:pPr lvl="1"/>
+            <a:r>
+              <a:rPr lang="nl-NL" dirty="0" smtClean="0"/>
+              <a:t>Oefening registreren</a:t>
+            </a:r>
+          </a:p>
+          <a:p>
+            <a:pPr lvl="2"/>
+            <a:r>
+              <a:rPr lang="nl-NL" dirty="0" smtClean="0"/>
+              <a:t>Vragenlijst na </a:t>
+            </a:r>
+            <a:r>
+              <a:rPr lang="nl-NL" dirty="0" smtClean="0"/>
+              <a:t>training</a:t>
+            </a:r>
+          </a:p>
+          <a:p>
+            <a:pPr lvl="2"/>
+            <a:endParaRPr lang="nl-NL" dirty="0" smtClean="0"/>
+          </a:p>
+          <a:p>
+            <a:r>
+              <a:rPr lang="nl-NL" dirty="0" smtClean="0"/>
+              <a:t>Coachopties toevoegen (</a:t>
+            </a:r>
+            <a:r>
+              <a:rPr lang="nl-NL" dirty="0" err="1" smtClean="0"/>
+              <a:t>Angular</a:t>
+            </a:r>
+            <a:r>
+              <a:rPr lang="nl-NL" dirty="0" smtClean="0"/>
+              <a:t>)</a:t>
+            </a:r>
+          </a:p>
+          <a:p>
+            <a:pPr lvl="1"/>
+            <a:r>
+              <a:rPr lang="nl-NL" dirty="0" smtClean="0"/>
+              <a:t>Oefening maken</a:t>
+            </a:r>
+          </a:p>
+          <a:p>
+            <a:pPr lvl="2"/>
+            <a:r>
+              <a:rPr lang="nl-NL" dirty="0" smtClean="0"/>
+              <a:t>Foto uploaden</a:t>
+            </a:r>
+          </a:p>
+          <a:p>
+            <a:pPr lvl="1"/>
+            <a:r>
+              <a:rPr lang="nl-NL" dirty="0" smtClean="0"/>
+              <a:t>Planning maken</a:t>
+            </a:r>
+          </a:p>
+          <a:p>
+            <a:pPr lvl="1"/>
+            <a:r>
+              <a:rPr lang="nl-NL" dirty="0" smtClean="0"/>
+              <a:t>Voortgangen bekijken</a:t>
+            </a:r>
+          </a:p>
+          <a:p>
+            <a:pPr lvl="2"/>
+            <a:r>
+              <a:rPr lang="nl-NL" dirty="0" smtClean="0"/>
+              <a:t>Feedback geven</a:t>
+            </a:r>
+          </a:p>
+          <a:p>
+            <a:endParaRPr lang="nl-NL" dirty="0" smtClean="0"/>
+          </a:p>
+          <a:p>
+            <a:r>
+              <a:rPr lang="nl-NL" dirty="0" smtClean="0"/>
+              <a:t>Mooi maken van de app (Bootstrap)</a:t>
+            </a:r>
+          </a:p>
+          <a:p>
+            <a:endParaRPr lang="nl-NL" dirty="0" smtClean="0"/>
+          </a:p>
+          <a:p>
+            <a:pPr lvl="1"/>
+            <a:endParaRPr lang="nl-NL" dirty="0" smtClean="0"/>
+          </a:p>
+          <a:p>
+            <a:endParaRPr lang="nl-NL" dirty="0" smtClean="0"/>
+          </a:p>
+        </p:txBody>
+      </p:sp>
+      <p:sp>
+        <p:nvSpPr>
+          <p:cNvPr id="10" name="PIJL-RECHTS 9"/>
+          <p:cNvSpPr/>
+          <p:nvPr/>
+        </p:nvSpPr>
+        <p:spPr>
+          <a:xfrm>
+            <a:off x="4211960" y="1628800"/>
+            <a:ext cx="2612086" cy="216024"/>
+          </a:xfrm>
+          <a:prstGeom prst="rightArrow">
+            <a:avLst>
+              <a:gd name="adj1" fmla="val 50000"/>
+              <a:gd name="adj2" fmla="val 261643"/>
+            </a:avLst>
+          </a:prstGeom>
+        </p:spPr>
+        <p:style>
+          <a:lnRef idx="2">
+            <a:schemeClr val="accent1">
+              <a:shade val="50000"/>
+            </a:schemeClr>
+          </a:lnRef>
+          <a:fillRef idx="1">
+            <a:schemeClr val="accent1"/>
+          </a:fillRef>
+          <a:effectRef idx="0">
+            <a:schemeClr val="accent1"/>
+          </a:effectRef>
+          <a:fontRef idx="minor">
+            <a:schemeClr val="lt1"/>
+          </a:fontRef>
+        </p:style>
+        <p:txBody>
+          <a:bodyPr rtlCol="0" anchor="ctr"/>
+          <a:lstStyle/>
+          <a:p>
+            <a:pPr algn="ctr"/>
+            <a:endParaRPr lang="nl-NL"/>
+          </a:p>
+        </p:txBody>
+      </p:sp>
+      <p:sp>
+        <p:nvSpPr>
+          <p:cNvPr id="11" name="PIJL-RECHTS 10"/>
+          <p:cNvSpPr/>
+          <p:nvPr/>
+        </p:nvSpPr>
+        <p:spPr>
+          <a:xfrm>
+            <a:off x="4221859" y="2348880"/>
+            <a:ext cx="2592288" cy="1080120"/>
+          </a:xfrm>
+          <a:prstGeom prst="rightArrow">
+            <a:avLst/>
+          </a:prstGeom>
+        </p:spPr>
+        <p:style>
+          <a:lnRef idx="2">
+            <a:schemeClr val="accent1">
+              <a:shade val="50000"/>
+            </a:schemeClr>
+          </a:lnRef>
+          <a:fillRef idx="1">
+            <a:schemeClr val="accent1"/>
+          </a:fillRef>
+          <a:effectRef idx="0">
+            <a:schemeClr val="accent1"/>
+          </a:effectRef>
+          <a:fontRef idx="minor">
+            <a:schemeClr val="lt1"/>
+          </a:fontRef>
+        </p:style>
+        <p:txBody>
+          <a:bodyPr rtlCol="0" anchor="ctr"/>
+          <a:lstStyle/>
+          <a:p>
+            <a:pPr algn="ctr"/>
+            <a:endParaRPr lang="nl-NL"/>
+          </a:p>
+        </p:txBody>
+      </p:sp>
+      <p:sp>
+        <p:nvSpPr>
+          <p:cNvPr id="12" name="PIJL-RECHTS 11"/>
+          <p:cNvSpPr/>
+          <p:nvPr/>
+        </p:nvSpPr>
+        <p:spPr>
+          <a:xfrm>
+            <a:off x="4211960" y="4041068"/>
+            <a:ext cx="2592288" cy="1080120"/>
+          </a:xfrm>
+          <a:prstGeom prst="rightArrow">
+            <a:avLst/>
+          </a:prstGeom>
+        </p:spPr>
+        <p:style>
+          <a:lnRef idx="2">
+            <a:schemeClr val="accent1">
+              <a:shade val="50000"/>
+            </a:schemeClr>
+          </a:lnRef>
+          <a:fillRef idx="1">
+            <a:schemeClr val="accent1"/>
+          </a:fillRef>
+          <a:effectRef idx="0">
+            <a:schemeClr val="accent1"/>
+          </a:effectRef>
+          <a:fontRef idx="minor">
+            <a:schemeClr val="lt1"/>
+          </a:fontRef>
+        </p:style>
+        <p:txBody>
+          <a:bodyPr rtlCol="0" anchor="ctr"/>
+          <a:lstStyle/>
+          <a:p>
+            <a:pPr algn="ctr"/>
+            <a:endParaRPr lang="nl-NL"/>
+          </a:p>
+        </p:txBody>
+      </p:sp>
+      <p:sp>
+        <p:nvSpPr>
+          <p:cNvPr id="7" name="Ovaal 6">
+            <a:hlinkClick r:id="rId2"/>
+          </p:cNvPr>
+          <p:cNvSpPr/>
+          <p:nvPr/>
+        </p:nvSpPr>
+        <p:spPr>
+          <a:xfrm>
+            <a:off x="7363247" y="1304764"/>
+            <a:ext cx="1152128" cy="864096"/>
+          </a:xfrm>
+          <a:prstGeom prst="ellipse">
+            <a:avLst/>
+          </a:prstGeom>
+        </p:spPr>
+        <p:style>
+          <a:lnRef idx="2">
+            <a:schemeClr val="accent1">
+              <a:shade val="50000"/>
+            </a:schemeClr>
+          </a:lnRef>
+          <a:fillRef idx="1">
+            <a:schemeClr val="accent1"/>
+          </a:fillRef>
+          <a:effectRef idx="0">
+            <a:schemeClr val="accent1"/>
+          </a:effectRef>
+          <a:fontRef idx="minor">
+            <a:schemeClr val="lt1"/>
+          </a:fontRef>
+        </p:style>
+        <p:txBody>
+          <a:bodyPr rtlCol="0" anchor="ctr"/>
+          <a:lstStyle/>
+          <a:p>
+            <a:pPr algn="ctr"/>
+            <a:r>
+              <a:rPr lang="nl-NL" sz="1000" dirty="0" smtClean="0"/>
+              <a:t>Startscherm</a:t>
+            </a:r>
+            <a:endParaRPr lang="en-GB" sz="1000" dirty="0"/>
+          </a:p>
+        </p:txBody>
+      </p:sp>
+      <p:sp>
+        <p:nvSpPr>
+          <p:cNvPr id="13" name="Ovaal 12">
+            <a:hlinkClick r:id="rId3"/>
+          </p:cNvPr>
+          <p:cNvSpPr/>
+          <p:nvPr/>
+        </p:nvSpPr>
+        <p:spPr>
+          <a:xfrm>
+            <a:off x="7363247" y="2456892"/>
+            <a:ext cx="1152128" cy="864096"/>
+          </a:xfrm>
+          <a:prstGeom prst="ellipse">
+            <a:avLst/>
+          </a:prstGeom>
+        </p:spPr>
+        <p:style>
+          <a:lnRef idx="2">
+            <a:schemeClr val="accent1">
+              <a:shade val="50000"/>
+            </a:schemeClr>
+          </a:lnRef>
+          <a:fillRef idx="1">
+            <a:schemeClr val="accent1"/>
+          </a:fillRef>
+          <a:effectRef idx="0">
+            <a:schemeClr val="accent1"/>
+          </a:effectRef>
+          <a:fontRef idx="minor">
+            <a:schemeClr val="lt1"/>
+          </a:fontRef>
+        </p:style>
+        <p:txBody>
+          <a:bodyPr rtlCol="0" anchor="ctr"/>
+          <a:lstStyle/>
+          <a:p>
+            <a:pPr algn="ctr"/>
+            <a:r>
+              <a:rPr lang="nl-NL" sz="1000" dirty="0" smtClean="0"/>
+              <a:t>Startscherm</a:t>
+            </a:r>
+          </a:p>
+          <a:p>
+            <a:pPr algn="ctr"/>
+            <a:r>
+              <a:rPr lang="nl-NL" sz="1000" dirty="0" smtClean="0"/>
+              <a:t>Sporter</a:t>
+            </a:r>
+            <a:endParaRPr lang="en-GB" sz="1000" dirty="0"/>
+          </a:p>
+        </p:txBody>
+      </p:sp>
+      <p:sp>
+        <p:nvSpPr>
+          <p:cNvPr id="14" name="Ovaal 13">
+            <a:hlinkClick r:id="rId2"/>
+          </p:cNvPr>
+          <p:cNvSpPr/>
+          <p:nvPr/>
+        </p:nvSpPr>
+        <p:spPr>
+          <a:xfrm>
+            <a:off x="7308304" y="4041068"/>
+            <a:ext cx="1296143" cy="864096"/>
+          </a:xfrm>
+          <a:prstGeom prst="ellipse">
+            <a:avLst/>
+          </a:prstGeom>
+        </p:spPr>
+        <p:style>
+          <a:lnRef idx="2">
+            <a:schemeClr val="accent1">
+              <a:shade val="50000"/>
+            </a:schemeClr>
+          </a:lnRef>
+          <a:fillRef idx="1">
+            <a:schemeClr val="accent1"/>
+          </a:fillRef>
+          <a:effectRef idx="0">
+            <a:schemeClr val="accent1"/>
+          </a:effectRef>
+          <a:fontRef idx="minor">
+            <a:schemeClr val="lt1"/>
+          </a:fontRef>
+        </p:style>
+        <p:txBody>
+          <a:bodyPr rtlCol="0" anchor="ctr"/>
+          <a:lstStyle/>
+          <a:p>
+            <a:pPr algn="ctr"/>
+            <a:r>
+              <a:rPr lang="nl-NL" sz="1000" dirty="0" smtClean="0"/>
+              <a:t>Coachscherm</a:t>
+            </a:r>
+            <a:endParaRPr lang="en-GB" sz="1000" dirty="0"/>
           </a:p>
         </p:txBody>
       </p:sp>
@@ -4263,6 +4644,21 @@
   <p:clrMapOvr>
     <a:masterClrMapping/>
   </p:clrMapOvr>
+  <mc:AlternateContent xmlns:mc="http://schemas.openxmlformats.org/markup-compatibility/2006" xmlns:p14="http://schemas.microsoft.com/office/powerpoint/2010/main">
+    <mc:Choice Requires="p14">
+      <p:transition spd="slow" p14:dur="2000"/>
+    </mc:Choice>
+    <mc:Fallback xmlns="">
+      <p:transition spd="slow"/>
+    </mc:Fallback>
+  </mc:AlternateContent>
+  <p:timing>
+    <p:tnLst>
+      <p:par>
+        <p:cTn id="1" dur="indefinite" restart="never" nodeType="tmRoot"/>
+      </p:par>
+    </p:tnLst>
+  </p:timing>
 </p:sld>
 </file>
 
@@ -4283,6 +4679,93 @@
           <a:chExt cx="0" cy="0"/>
         </a:xfrm>
       </p:grpSpPr>
+      <p:pic>
+        <p:nvPicPr>
+          <p:cNvPr id="3074" name="Picture 2"/>
+          <p:cNvPicPr>
+            <a:picLocks noChangeAspect="1" noChangeArrowheads="1"/>
+          </p:cNvPicPr>
+          <p:nvPr/>
+        </p:nvPicPr>
+        <p:blipFill>
+          <a:blip r:embed="rId2">
+            <a:extLst>
+              <a:ext uri="{28A0092B-C50C-407E-A947-70E740481C1C}">
+                <a14:useLocalDpi xmlns:a14="http://schemas.microsoft.com/office/drawing/2010/main" val="0"/>
+              </a:ext>
+            </a:extLst>
+          </a:blip>
+          <a:srcRect/>
+          <a:stretch>
+            <a:fillRect/>
+          </a:stretch>
+        </p:blipFill>
+        <p:spPr bwMode="auto">
+          <a:xfrm>
+            <a:off x="2286000" y="1714500"/>
+            <a:ext cx="4572000" cy="3429000"/>
+          </a:xfrm>
+          <a:prstGeom prst="rect">
+            <a:avLst/>
+          </a:prstGeom>
+          <a:noFill/>
+          <a:ln>
+            <a:noFill/>
+          </a:ln>
+          <a:effectLst/>
+          <a:extLst>
+            <a:ext uri="{909E8E84-426E-40DD-AFC4-6F175D3DCCD1}">
+              <a14:hiddenFill xmlns:a14="http://schemas.microsoft.com/office/drawing/2010/main">
+                <a:solidFill>
+                  <a:schemeClr val="accent1"/>
+                </a:solidFill>
+              </a14:hiddenFill>
+            </a:ext>
+            <a:ext uri="{91240B29-F687-4F45-9708-019B960494DF}">
+              <a14:hiddenLine xmlns:a14="http://schemas.microsoft.com/office/drawing/2010/main" w="9525">
+                <a:solidFill>
+                  <a:schemeClr val="tx1"/>
+                </a:solidFill>
+                <a:miter lim="800000"/>
+                <a:headEnd/>
+                <a:tailEnd/>
+              </a14:hiddenLine>
+            </a:ext>
+            <a:ext uri="{AF507438-7753-43E0-B8FC-AC1667EBCBE1}">
+              <a14:hiddenEffects xmlns:a14="http://schemas.microsoft.com/office/drawing/2010/main">
+                <a:effectLst>
+                  <a:outerShdw dist="35921" dir="2700000" algn="ctr" rotWithShape="0">
+                    <a:schemeClr val="bg2"/>
+                  </a:outerShdw>
+                </a:effectLst>
+              </a14:hiddenEffects>
+            </a:ext>
+          </a:extLst>
+        </p:spPr>
+      </p:pic>
+      <p:sp>
+        <p:nvSpPr>
+          <p:cNvPr id="2" name="Titel 1"/>
+          <p:cNvSpPr>
+            <a:spLocks noGrp="1"/>
+          </p:cNvSpPr>
+          <p:nvPr>
+            <p:ph type="title"/>
+          </p:nvPr>
+        </p:nvSpPr>
+        <p:spPr/>
+        <p:txBody>
+          <a:bodyPr/>
+          <a:lstStyle/>
+          <a:p>
+            <a:r>
+              <a:rPr lang="nl-NL" dirty="0" smtClean="0"/>
+              <a:t>Leerdoelen buiten de applicatie</a:t>
+            </a:r>
+            <a:endParaRPr lang="en-GB" dirty="0"/>
+          </a:p>
+        </p:txBody>
+      </p:sp>
       <p:sp>
         <p:nvSpPr>
           <p:cNvPr id="3" name="Tijdelijke aanduiding voor inhoud 2"/>
@@ -4293,140 +4776,81 @@
             <p:ph idx="1"/>
           </p:nvPr>
         </p:nvSpPr>
-        <p:spPr>
-          <a:xfrm>
-            <a:off x="1907704" y="2924944"/>
-            <a:ext cx="8229600" cy="820688"/>
-          </a:xfrm>
-        </p:spPr>
-        <p:txBody>
-          <a:bodyPr/>
-          <a:lstStyle/>
-          <a:p>
-            <a:pPr marL="0" indent="0">
-              <a:buNone/>
-            </a:pPr>
+        <p:spPr/>
+        <p:txBody>
+          <a:bodyPr/>
+          <a:lstStyle/>
+          <a:p>
             <a:r>
               <a:rPr lang="nl-NL" dirty="0" smtClean="0"/>
-              <a:t>Verbeteringen t.o.v. vorige sprint</a:t>
-            </a:r>
+              <a:t>Swagger</a:t>
+            </a:r>
+          </a:p>
+          <a:p>
             <a:endParaRPr lang="nl-NL" dirty="0"/>
+          </a:p>
+          <a:p>
+            <a:r>
+              <a:rPr lang="nl-NL" dirty="0" err="1" smtClean="0"/>
+              <a:t>Deploy</a:t>
+            </a:r>
+            <a:endParaRPr lang="nl-NL" dirty="0" smtClean="0"/>
+          </a:p>
+          <a:p>
+            <a:endParaRPr lang="nl-NL" dirty="0"/>
+          </a:p>
+          <a:p>
+            <a:r>
+              <a:rPr lang="nl-NL" dirty="0" err="1" smtClean="0"/>
+              <a:t>Junit</a:t>
+            </a:r>
+            <a:r>
+              <a:rPr lang="nl-NL" dirty="0" smtClean="0"/>
+              <a:t> </a:t>
+            </a:r>
+            <a:r>
+              <a:rPr lang="nl-NL" dirty="0" err="1" smtClean="0"/>
+              <a:t>testing</a:t>
+            </a:r>
+            <a:endParaRPr lang="nl-NL" dirty="0" smtClean="0"/>
+          </a:p>
+          <a:p>
+            <a:endParaRPr lang="nl-NL" dirty="0"/>
+          </a:p>
+          <a:p>
+            <a:r>
+              <a:rPr lang="nl-NL" dirty="0" smtClean="0"/>
+              <a:t>Mail versturen</a:t>
+            </a:r>
+            <a:endParaRPr lang="en-GB" dirty="0"/>
           </a:p>
         </p:txBody>
       </p:sp>
     </p:spTree>
     <p:extLst>
       <p:ext uri="{BB962C8B-B14F-4D97-AF65-F5344CB8AC3E}">
-        <p14:creationId xmlns:p14="http://schemas.microsoft.com/office/powerpoint/2010/main" val="3318964628"/>
+        <p14:creationId xmlns:p14="http://schemas.microsoft.com/office/powerpoint/2010/main" val="4255137884"/>
       </p:ext>
     </p:extLst>
   </p:cSld>
   <p:clrMapOvr>
     <a:masterClrMapping/>
   </p:clrMapOvr>
-</p:sld>
-</file>
-
-<file path=ppt/slides/slide7.xml><?xml version="1.0" encoding="utf-8"?>
-<p:sld xmlns:a="http://schemas.openxmlformats.org/drawingml/2006/main" xmlns:r="http://schemas.openxmlformats.org/officeDocument/2006/relationships" xmlns:p="http://schemas.openxmlformats.org/presentationml/2006/main">
-  <p:cSld>
-    <p:spTree>
-      <p:nvGrpSpPr>
-        <p:cNvPr id="1" name=""/>
-        <p:cNvGrpSpPr/>
-        <p:nvPr/>
-      </p:nvGrpSpPr>
-      <p:grpSpPr>
-        <a:xfrm>
-          <a:off x="0" y="0"/>
-          <a:ext cx="0" cy="0"/>
-          <a:chOff x="0" y="0"/>
-          <a:chExt cx="0" cy="0"/>
-        </a:xfrm>
-      </p:grpSpPr>
-      <p:sp>
-        <p:nvSpPr>
-          <p:cNvPr id="2" name="Titel 1"/>
-          <p:cNvSpPr>
-            <a:spLocks noGrp="1"/>
-          </p:cNvSpPr>
-          <p:nvPr>
-            <p:ph type="title"/>
-          </p:nvPr>
-        </p:nvSpPr>
-        <p:spPr/>
-        <p:txBody>
-          <a:bodyPr/>
-          <a:lstStyle/>
-          <a:p>
-            <a:r>
-              <a:rPr lang="nl-NL" dirty="0" smtClean="0"/>
-              <a:t>Volgende (korte) laatste sprint</a:t>
-            </a:r>
-            <a:endParaRPr lang="nl-NL" dirty="0"/>
-          </a:p>
-        </p:txBody>
-      </p:sp>
-      <p:sp>
-        <p:nvSpPr>
-          <p:cNvPr id="3" name="Tijdelijke aanduiding voor inhoud 2"/>
-          <p:cNvSpPr>
-            <a:spLocks noGrp="1"/>
-          </p:cNvSpPr>
-          <p:nvPr>
-            <p:ph idx="1"/>
-          </p:nvPr>
-        </p:nvSpPr>
-        <p:spPr/>
-        <p:txBody>
-          <a:bodyPr/>
-          <a:lstStyle/>
-          <a:p>
-            <a:r>
-              <a:rPr lang="nl-NL" dirty="0" err="1" smtClean="0"/>
-              <a:t>Bugfixing</a:t>
-            </a:r>
-            <a:endParaRPr lang="nl-NL" dirty="0" smtClean="0"/>
-          </a:p>
-          <a:p>
-            <a:endParaRPr lang="nl-NL" dirty="0"/>
-          </a:p>
-          <a:p>
-            <a:r>
-              <a:rPr lang="nl-NL" dirty="0" smtClean="0"/>
-              <a:t>Het online zetten van de applicatie (</a:t>
-            </a:r>
-            <a:r>
-              <a:rPr lang="nl-NL" dirty="0" err="1" smtClean="0"/>
-              <a:t>deployen</a:t>
-            </a:r>
-            <a:r>
-              <a:rPr lang="nl-NL" dirty="0" smtClean="0"/>
-              <a:t>)</a:t>
-            </a:r>
-          </a:p>
-          <a:p>
-            <a:endParaRPr lang="nl-NL" dirty="0"/>
-          </a:p>
-          <a:p>
-            <a:r>
-              <a:rPr lang="nl-NL" dirty="0" smtClean="0"/>
-              <a:t>Voorbereiding eindpresentatie</a:t>
-            </a:r>
-            <a:endParaRPr lang="nl-NL" dirty="0"/>
-          </a:p>
-        </p:txBody>
-      </p:sp>
-    </p:spTree>
-    <p:extLst>
-      <p:ext uri="{BB962C8B-B14F-4D97-AF65-F5344CB8AC3E}">
-        <p14:creationId xmlns:p14="http://schemas.microsoft.com/office/powerpoint/2010/main" val="3842564880"/>
-      </p:ext>
-    </p:extLst>
-  </p:cSld>
-  <p:clrMapOvr>
-    <a:masterClrMapping/>
-  </p:clrMapOvr>
+  <mc:AlternateContent xmlns:mc="http://schemas.openxmlformats.org/markup-compatibility/2006" xmlns:p14="http://schemas.microsoft.com/office/powerpoint/2010/main">
+    <mc:Choice Requires="p14">
+      <p:transition spd="slow" p14:dur="2000" advClick="0"/>
+    </mc:Choice>
+    <mc:Fallback xmlns="">
+      <p:transition spd="slow" advClick="0"/>
+    </mc:Fallback>
+  </mc:AlternateContent>
+  <p:timing>
+    <p:tnLst>
+      <p:par>
+        <p:cTn id="1" dur="indefinite" restart="never" nodeType="tmRoot"/>
+      </p:par>
+    </p:tnLst>
+  </p:timing>
 </p:sld>
 </file>
 

--- a/Powerlift Powerpoint.pptx
+++ b/Powerlift Powerpoint.pptx
@@ -5,15 +5,19 @@
     <p:sldMasterId id="2147483648" r:id="rId1"/>
   </p:sldMasterIdLst>
   <p:notesMasterIdLst>
-    <p:notesMasterId r:id="rId8"/>
+    <p:notesMasterId r:id="rId12"/>
   </p:notesMasterIdLst>
   <p:sldIdLst>
     <p:sldId id="256" r:id="rId2"/>
     <p:sldId id="260" r:id="rId3"/>
     <p:sldId id="261" r:id="rId4"/>
-    <p:sldId id="257" r:id="rId5"/>
-    <p:sldId id="264" r:id="rId6"/>
-    <p:sldId id="269" r:id="rId7"/>
+    <p:sldId id="264" r:id="rId5"/>
+    <p:sldId id="274" r:id="rId6"/>
+    <p:sldId id="276" r:id="rId7"/>
+    <p:sldId id="278" r:id="rId8"/>
+    <p:sldId id="269" r:id="rId9"/>
+    <p:sldId id="270" r:id="rId10"/>
+    <p:sldId id="272" r:id="rId11"/>
   </p:sldIdLst>
   <p:sldSz cx="9144000" cy="6858000" type="screen4x3"/>
   <p:notesSz cx="6858000" cy="9144000"/>
@@ -197,7 +201,7 @@
           <a:p>
             <a:fld id="{E04F55B4-3D82-41BD-BAF2-7F77C4CCB1BA}" type="datetimeFigureOut">
               <a:rPr lang="nl-NL" smtClean="0"/>
-              <a:t>27-5-2020</a:t>
+              <a:t>28-5-2020</a:t>
             </a:fld>
             <a:endParaRPr lang="nl-NL"/>
           </a:p>
@@ -742,7 +746,7 @@
           <a:p>
             <a:fld id="{045A98CA-CFA4-4C5C-9D89-EEDC72AFD99E}" type="datetimeFigureOut">
               <a:rPr lang="nl-NL" smtClean="0"/>
-              <a:t>27-5-2020</a:t>
+              <a:t>28-5-2020</a:t>
             </a:fld>
             <a:endParaRPr lang="nl-NL"/>
           </a:p>
@@ -912,7 +916,7 @@
           <a:p>
             <a:fld id="{045A98CA-CFA4-4C5C-9D89-EEDC72AFD99E}" type="datetimeFigureOut">
               <a:rPr lang="nl-NL" smtClean="0"/>
-              <a:t>27-5-2020</a:t>
+              <a:t>28-5-2020</a:t>
             </a:fld>
             <a:endParaRPr lang="nl-NL"/>
           </a:p>
@@ -1092,7 +1096,7 @@
           <a:p>
             <a:fld id="{045A98CA-CFA4-4C5C-9D89-EEDC72AFD99E}" type="datetimeFigureOut">
               <a:rPr lang="nl-NL" smtClean="0"/>
-              <a:t>27-5-2020</a:t>
+              <a:t>28-5-2020</a:t>
             </a:fld>
             <a:endParaRPr lang="nl-NL"/>
           </a:p>
@@ -1262,7 +1266,7 @@
           <a:p>
             <a:fld id="{045A98CA-CFA4-4C5C-9D89-EEDC72AFD99E}" type="datetimeFigureOut">
               <a:rPr lang="nl-NL" smtClean="0"/>
-              <a:t>27-5-2020</a:t>
+              <a:t>28-5-2020</a:t>
             </a:fld>
             <a:endParaRPr lang="nl-NL"/>
           </a:p>
@@ -1508,7 +1512,7 @@
           <a:p>
             <a:fld id="{045A98CA-CFA4-4C5C-9D89-EEDC72AFD99E}" type="datetimeFigureOut">
               <a:rPr lang="nl-NL" smtClean="0"/>
-              <a:t>27-5-2020</a:t>
+              <a:t>28-5-2020</a:t>
             </a:fld>
             <a:endParaRPr lang="nl-NL"/>
           </a:p>
@@ -1796,7 +1800,7 @@
           <a:p>
             <a:fld id="{045A98CA-CFA4-4C5C-9D89-EEDC72AFD99E}" type="datetimeFigureOut">
               <a:rPr lang="nl-NL" smtClean="0"/>
-              <a:t>27-5-2020</a:t>
+              <a:t>28-5-2020</a:t>
             </a:fld>
             <a:endParaRPr lang="nl-NL"/>
           </a:p>
@@ -2218,7 +2222,7 @@
           <a:p>
             <a:fld id="{045A98CA-CFA4-4C5C-9D89-EEDC72AFD99E}" type="datetimeFigureOut">
               <a:rPr lang="nl-NL" smtClean="0"/>
-              <a:t>27-5-2020</a:t>
+              <a:t>28-5-2020</a:t>
             </a:fld>
             <a:endParaRPr lang="nl-NL"/>
           </a:p>
@@ -2336,7 +2340,7 @@
           <a:p>
             <a:fld id="{045A98CA-CFA4-4C5C-9D89-EEDC72AFD99E}" type="datetimeFigureOut">
               <a:rPr lang="nl-NL" smtClean="0"/>
-              <a:t>27-5-2020</a:t>
+              <a:t>28-5-2020</a:t>
             </a:fld>
             <a:endParaRPr lang="nl-NL"/>
           </a:p>
@@ -2431,7 +2435,7 @@
           <a:p>
             <a:fld id="{045A98CA-CFA4-4C5C-9D89-EEDC72AFD99E}" type="datetimeFigureOut">
               <a:rPr lang="nl-NL" smtClean="0"/>
-              <a:t>27-5-2020</a:t>
+              <a:t>28-5-2020</a:t>
             </a:fld>
             <a:endParaRPr lang="nl-NL"/>
           </a:p>
@@ -2708,7 +2712,7 @@
           <a:p>
             <a:fld id="{045A98CA-CFA4-4C5C-9D89-EEDC72AFD99E}" type="datetimeFigureOut">
               <a:rPr lang="nl-NL" smtClean="0"/>
-              <a:t>27-5-2020</a:t>
+              <a:t>28-5-2020</a:t>
             </a:fld>
             <a:endParaRPr lang="nl-NL"/>
           </a:p>
@@ -2961,7 +2965,7 @@
           <a:p>
             <a:fld id="{045A98CA-CFA4-4C5C-9D89-EEDC72AFD99E}" type="datetimeFigureOut">
               <a:rPr lang="nl-NL" smtClean="0"/>
-              <a:t>27-5-2020</a:t>
+              <a:t>28-5-2020</a:t>
             </a:fld>
             <a:endParaRPr lang="nl-NL"/>
           </a:p>
@@ -3177,7 +3181,7 @@
           <a:p>
             <a:fld id="{045A98CA-CFA4-4C5C-9D89-EEDC72AFD99E}" type="datetimeFigureOut">
               <a:rPr lang="nl-NL" smtClean="0"/>
-              <a:t>27-5-2020</a:t>
+              <a:t>28-5-2020</a:t>
             </a:fld>
             <a:endParaRPr lang="nl-NL"/>
           </a:p>
@@ -3655,59 +3659,6 @@
           </a:p>
         </p:txBody>
       </p:sp>
-      <p:pic>
-        <p:nvPicPr>
-          <p:cNvPr id="1027" name="Picture 3"/>
-          <p:cNvPicPr>
-            <a:picLocks noChangeAspect="1" noChangeArrowheads="1"/>
-          </p:cNvPicPr>
-          <p:nvPr/>
-        </p:nvPicPr>
-        <p:blipFill>
-          <a:blip r:embed="rId2">
-            <a:extLst>
-              <a:ext uri="{28A0092B-C50C-407E-A947-70E740481C1C}">
-                <a14:useLocalDpi xmlns:a14="http://schemas.microsoft.com/office/drawing/2010/main" val="0"/>
-              </a:ext>
-            </a:extLst>
-          </a:blip>
-          <a:stretch>
-            <a:fillRect/>
-          </a:stretch>
-        </p:blipFill>
-        <p:spPr bwMode="auto">
-          <a:xfrm>
-            <a:off x="902521" y="2510286"/>
-            <a:ext cx="2010365" cy="1943353"/>
-          </a:xfrm>
-          <a:prstGeom prst="rect">
-            <a:avLst/>
-          </a:prstGeom>
-          <a:noFill/>
-          <a:ln>
-            <a:noFill/>
-          </a:ln>
-          <a:extLst>
-            <a:ext uri="{909E8E84-426E-40DD-AFC4-6F175D3DCCD1}">
-              <a14:hiddenFill xmlns:a14="http://schemas.microsoft.com/office/drawing/2010/main">
-                <a:solidFill>
-                  <a:schemeClr val="accent1"/>
-                </a:solidFill>
-              </a14:hiddenFill>
-            </a:ext>
-            <a:ext uri="{91240B29-F687-4F45-9708-019B960494DF}">
-              <a14:hiddenLine xmlns:a14="http://schemas.microsoft.com/office/drawing/2010/main" w="9525">
-                <a:solidFill>
-                  <a:schemeClr val="tx1"/>
-                </a:solidFill>
-                <a:miter lim="800000"/>
-                <a:headEnd/>
-                <a:tailEnd/>
-              </a14:hiddenLine>
-            </a:ext>
-          </a:extLst>
-        </p:spPr>
-      </p:pic>
       <p:sp>
         <p:nvSpPr>
           <p:cNvPr id="5" name="AutoShape 5" descr="https://web.whatsapp.com/pp?e=https%3A%2F%2Fpps.whatsapp.net%2Fv%2Ft61.24694-24%2F71169439_2871767393042871_6574768919836063135_n.jpg%3Foe%3D5ECEAE72%26oh%3Dfc8ac39969c06fbe19a8601bc241ccd0&amp;t=l&amp;u=31622147988%40c.us&amp;i=1586265244&amp;n=QoyCtpWrziAf%2B7oTPGqh1HTKhFIvEL0j0tieuRE2DS0%3D"/>
@@ -3756,7 +3707,7 @@
           <p:nvPr/>
         </p:nvPicPr>
         <p:blipFill>
-          <a:blip r:embed="rId3" cstate="print">
+          <a:blip r:embed="rId2" cstate="print">
             <a:extLst>
               <a:ext uri="{28A0092B-C50C-407E-A947-70E740481C1C}">
                 <a14:useLocalDpi xmlns:a14="http://schemas.microsoft.com/office/drawing/2010/main" val="0"/>
@@ -3810,7 +3761,7 @@
           <p:nvPr/>
         </p:nvPicPr>
         <p:blipFill rotWithShape="1">
-          <a:blip r:embed="rId4" cstate="print">
+          <a:blip r:embed="rId3" cstate="print">
             <a:extLst>
               <a:ext uri="{28A0092B-C50C-407E-A947-70E740481C1C}">
                 <a14:useLocalDpi xmlns:a14="http://schemas.microsoft.com/office/drawing/2010/main" val="0"/>
@@ -3853,6 +3804,36 @@
           </a:extLst>
         </p:spPr>
       </p:pic>
+      <p:pic>
+        <p:nvPicPr>
+          <p:cNvPr id="6" name="Afbeelding 5"/>
+          <p:cNvPicPr>
+            <a:picLocks noChangeAspect="1"/>
+          </p:cNvPicPr>
+          <p:nvPr/>
+        </p:nvPicPr>
+        <p:blipFill>
+          <a:blip r:embed="rId4">
+            <a:extLst>
+              <a:ext uri="{28A0092B-C50C-407E-A947-70E740481C1C}">
+                <a14:useLocalDpi xmlns:a14="http://schemas.microsoft.com/office/drawing/2010/main" val="0"/>
+              </a:ext>
+            </a:extLst>
+          </a:blip>
+          <a:stretch>
+            <a:fillRect/>
+          </a:stretch>
+        </p:blipFill>
+        <p:spPr>
+          <a:xfrm>
+            <a:off x="971600" y="2458812"/>
+            <a:ext cx="2011514" cy="1944463"/>
+          </a:xfrm>
+          <a:prstGeom prst="rect">
+            <a:avLst/>
+          </a:prstGeom>
+        </p:spPr>
+      </p:pic>
     </p:spTree>
     <p:extLst>
       <p:ext uri="{BB962C8B-B14F-4D97-AF65-F5344CB8AC3E}">
@@ -3871,6 +3852,93 @@
       <p:transition spd="slow" advClick="0"/>
     </mc:Fallback>
   </mc:AlternateContent>
+  <p:timing>
+    <p:tnLst>
+      <p:par>
+        <p:cTn id="1" dur="indefinite" restart="never" nodeType="tmRoot"/>
+      </p:par>
+    </p:tnLst>
+  </p:timing>
+</p:sld>
+</file>
+
+<file path=ppt/slides/slide10.xml><?xml version="1.0" encoding="utf-8"?>
+<p:sld xmlns:a="http://schemas.openxmlformats.org/drawingml/2006/main" xmlns:r="http://schemas.openxmlformats.org/officeDocument/2006/relationships" xmlns:p="http://schemas.openxmlformats.org/presentationml/2006/main">
+  <p:cSld>
+    <p:spTree>
+      <p:nvGrpSpPr>
+        <p:cNvPr id="1" name=""/>
+        <p:cNvGrpSpPr/>
+        <p:nvPr/>
+      </p:nvGrpSpPr>
+      <p:grpSpPr>
+        <a:xfrm>
+          <a:off x="0" y="0"/>
+          <a:ext cx="0" cy="0"/>
+          <a:chOff x="0" y="0"/>
+          <a:chExt cx="0" cy="0"/>
+        </a:xfrm>
+      </p:grpSpPr>
+      <p:sp>
+        <p:nvSpPr>
+          <p:cNvPr id="2" name="Titel 1"/>
+          <p:cNvSpPr>
+            <a:spLocks noGrp="1"/>
+          </p:cNvSpPr>
+          <p:nvPr>
+            <p:ph type="ctrTitle"/>
+          </p:nvPr>
+        </p:nvSpPr>
+        <p:spPr/>
+        <p:txBody>
+          <a:bodyPr/>
+          <a:lstStyle/>
+          <a:p>
+            <a:r>
+              <a:rPr lang="nl-NL" dirty="0" smtClean="0"/>
+              <a:t>Bedankt voor jullie aandacht</a:t>
+            </a:r>
+            <a:endParaRPr lang="en-GB" dirty="0"/>
+          </a:p>
+        </p:txBody>
+      </p:sp>
+      <p:sp>
+        <p:nvSpPr>
+          <p:cNvPr id="3" name="Ondertitel 2"/>
+          <p:cNvSpPr>
+            <a:spLocks noGrp="1"/>
+          </p:cNvSpPr>
+          <p:nvPr>
+            <p:ph type="subTitle" idx="1"/>
+          </p:nvPr>
+        </p:nvSpPr>
+        <p:spPr/>
+        <p:txBody>
+          <a:bodyPr/>
+          <a:lstStyle/>
+          <a:p>
+            <a:r>
+              <a:rPr lang="nl-NL" dirty="0"/>
+              <a:t> </a:t>
+            </a:r>
+            <a:r>
+              <a:rPr lang="nl-NL" dirty="0" smtClean="0"/>
+              <a:t>team Powerlift</a:t>
+            </a:r>
+            <a:endParaRPr lang="en-GB" dirty="0"/>
+          </a:p>
+        </p:txBody>
+      </p:sp>
+    </p:spTree>
+    <p:extLst>
+      <p:ext uri="{BB962C8B-B14F-4D97-AF65-F5344CB8AC3E}">
+        <p14:creationId xmlns:p14="http://schemas.microsoft.com/office/powerpoint/2010/main" val="4000132996"/>
+      </p:ext>
+    </p:extLst>
+  </p:cSld>
+  <p:clrMapOvr>
+    <a:masterClrMapping/>
+  </p:clrMapOvr>
   <p:timing>
     <p:tnLst>
       <p:par>
@@ -4038,6 +4106,35 @@
       </p:grpSpPr>
       <p:sp>
         <p:nvSpPr>
+          <p:cNvPr id="2" name="Titel 1"/>
+          <p:cNvSpPr>
+            <a:spLocks noGrp="1"/>
+          </p:cNvSpPr>
+          <p:nvPr>
+            <p:ph type="title"/>
+          </p:nvPr>
+        </p:nvSpPr>
+        <p:spPr/>
+        <p:txBody>
+          <a:bodyPr>
+            <a:normAutofit/>
+          </a:bodyPr>
+          <a:lstStyle/>
+          <a:p>
+            <a:r>
+              <a:rPr lang="nl-NL" dirty="0"/>
+              <a:t>Hoe hebben we het </a:t>
+            </a:r>
+            <a:r>
+              <a:rPr lang="nl-NL" dirty="0" smtClean="0"/>
+              <a:t>aangepakt</a:t>
+            </a:r>
+            <a:endParaRPr lang="en-GB" dirty="0"/>
+          </a:p>
+        </p:txBody>
+      </p:sp>
+      <p:sp>
+        <p:nvSpPr>
           <p:cNvPr id="3" name="Tijdelijke aanduiding voor inhoud 2"/>
           <p:cNvSpPr>
             <a:spLocks noGrp="1"/>
@@ -4046,24 +4143,65 @@
             <p:ph idx="1"/>
           </p:nvPr>
         </p:nvSpPr>
-        <p:spPr>
-          <a:xfrm>
-            <a:off x="1835696" y="2780928"/>
-            <a:ext cx="5904656" cy="1036712"/>
-          </a:xfrm>
-        </p:spPr>
+        <p:spPr/>
         <p:txBody>
           <a:bodyPr/>
           <a:lstStyle/>
           <a:p>
-            <a:pPr marL="0" indent="0">
-              <a:buNone/>
-            </a:pPr>
             <a:r>
               <a:rPr lang="nl-NL" dirty="0" smtClean="0"/>
-              <a:t>Wat hebben we allemaal gedaan?</a:t>
+              <a:t>Scrum</a:t>
+            </a:r>
+          </a:p>
+          <a:p>
+            <a:pPr lvl="1"/>
+            <a:r>
+              <a:rPr lang="nl-NL" dirty="0" smtClean="0"/>
+              <a:t>Sprints</a:t>
+            </a:r>
+          </a:p>
+          <a:p>
+            <a:pPr lvl="1"/>
+            <a:r>
+              <a:rPr lang="nl-NL" dirty="0" smtClean="0"/>
+              <a:t>User </a:t>
+            </a:r>
+            <a:r>
+              <a:rPr lang="nl-NL" dirty="0" err="1" smtClean="0"/>
+              <a:t>stories</a:t>
             </a:r>
             <a:endParaRPr lang="nl-NL" dirty="0"/>
+          </a:p>
+          <a:p>
+            <a:pPr lvl="1"/>
+            <a:r>
+              <a:rPr lang="nl-NL" dirty="0"/>
+              <a:t>Product </a:t>
+            </a:r>
+            <a:r>
+              <a:rPr lang="nl-NL" dirty="0" err="1" smtClean="0"/>
+              <a:t>Backlog</a:t>
+            </a:r>
+            <a:endParaRPr lang="nl-NL" dirty="0" smtClean="0"/>
+          </a:p>
+          <a:p>
+            <a:endParaRPr lang="nl-NL" dirty="0" smtClean="0"/>
+          </a:p>
+          <a:p>
+            <a:r>
+              <a:rPr lang="nl-NL" dirty="0" err="1" smtClean="0"/>
+              <a:t>Wireframe</a:t>
+            </a:r>
+            <a:endParaRPr lang="nl-NL" dirty="0" smtClean="0"/>
+          </a:p>
+          <a:p>
+            <a:endParaRPr lang="nl-NL" dirty="0"/>
+          </a:p>
+          <a:p>
+            <a:r>
+              <a:rPr lang="nl-NL" dirty="0" smtClean="0"/>
+              <a:t>Klassen diagram</a:t>
+            </a:r>
           </a:p>
         </p:txBody>
       </p:sp>
@@ -4114,6 +4252,35 @@
       </p:grpSpPr>
       <p:sp>
         <p:nvSpPr>
+          <p:cNvPr id="2" name="Titel 1"/>
+          <p:cNvSpPr>
+            <a:spLocks noGrp="1"/>
+          </p:cNvSpPr>
+          <p:nvPr>
+            <p:ph type="title"/>
+          </p:nvPr>
+        </p:nvSpPr>
+        <p:spPr/>
+        <p:txBody>
+          <a:bodyPr>
+            <a:normAutofit/>
+          </a:bodyPr>
+          <a:lstStyle/>
+          <a:p>
+            <a:r>
+              <a:rPr lang="nl-NL" dirty="0" smtClean="0"/>
+              <a:t>User story </a:t>
+            </a:r>
+            <a:r>
+              <a:rPr lang="nl-NL" dirty="0" smtClean="0"/>
+              <a:t>analyse</a:t>
+            </a:r>
+            <a:endParaRPr lang="nl-NL" dirty="0"/>
+          </a:p>
+        </p:txBody>
+      </p:sp>
+      <p:sp>
+        <p:nvSpPr>
           <p:cNvPr id="4" name="Tijdelijke aanduiding voor inhoud 2"/>
           <p:cNvSpPr>
             <a:spLocks noGrp="1"/>
@@ -4124,33 +4291,432 @@
         </p:nvSpPr>
         <p:spPr>
           <a:xfrm>
-            <a:off x="1907704" y="2852936"/>
-            <a:ext cx="5544616" cy="1036712"/>
+            <a:off x="457200" y="1600200"/>
+            <a:ext cx="4402832" cy="4525963"/>
           </a:xfrm>
         </p:spPr>
         <p:txBody>
-          <a:bodyPr/>
-          <a:lstStyle/>
+          <a:bodyPr>
+            <a:normAutofit/>
+          </a:bodyPr>
+          <a:lstStyle/>
+          <a:p>
+            <a:r>
+              <a:rPr lang="nl-NL" sz="2400" dirty="0" smtClean="0"/>
+              <a:t>Inloggen</a:t>
+            </a:r>
+          </a:p>
+          <a:p>
+            <a:endParaRPr lang="nl-NL" sz="2400" dirty="0" smtClean="0"/>
+          </a:p>
+          <a:p>
+            <a:r>
+              <a:rPr lang="nl-NL" sz="2400" dirty="0" smtClean="0"/>
+              <a:t>Sporteropties toevoegen</a:t>
+            </a:r>
+            <a:endParaRPr lang="nl-NL" sz="2400" dirty="0" smtClean="0"/>
+          </a:p>
           <a:p>
             <a:pPr marL="0" indent="0">
               <a:buNone/>
             </a:pPr>
-            <a:r>
-              <a:rPr lang="nl-NL" dirty="0" err="1" smtClean="0"/>
-              <a:t>Wireframe</a:t>
-            </a:r>
-            <a:r>
-              <a:rPr lang="nl-NL" dirty="0" smtClean="0"/>
-              <a:t> + klasse diagram</a:t>
-            </a:r>
-            <a:endParaRPr lang="nl-NL" dirty="0"/>
+            <a:endParaRPr lang="nl-NL" sz="2400" dirty="0" smtClean="0"/>
+          </a:p>
+          <a:p>
+            <a:r>
+              <a:rPr lang="nl-NL" sz="2400" dirty="0" smtClean="0"/>
+              <a:t>Coachopties </a:t>
+            </a:r>
+            <a:r>
+              <a:rPr lang="nl-NL" sz="2400" dirty="0" smtClean="0"/>
+              <a:t>toevoegen (</a:t>
+            </a:r>
+            <a:r>
+              <a:rPr lang="nl-NL" sz="2400" dirty="0" err="1" smtClean="0"/>
+              <a:t>Angular</a:t>
+            </a:r>
+            <a:r>
+              <a:rPr lang="nl-NL" sz="2400" dirty="0" smtClean="0"/>
+              <a:t>)</a:t>
+            </a:r>
+          </a:p>
+          <a:p>
+            <a:pPr marL="0" indent="0">
+              <a:buNone/>
+            </a:pPr>
+            <a:endParaRPr lang="nl-NL" sz="2400" dirty="0" smtClean="0"/>
+          </a:p>
+          <a:p>
+            <a:r>
+              <a:rPr lang="nl-NL" sz="2400" dirty="0" smtClean="0"/>
+              <a:t>Mooi maken van de app (Bootstrap)</a:t>
+            </a:r>
+          </a:p>
+          <a:p>
+            <a:endParaRPr lang="nl-NL" dirty="0" smtClean="0"/>
+          </a:p>
+          <a:p>
+            <a:pPr lvl="1"/>
+            <a:endParaRPr lang="nl-NL" dirty="0" smtClean="0"/>
+          </a:p>
+          <a:p>
+            <a:endParaRPr lang="nl-NL" dirty="0" smtClean="0"/>
+          </a:p>
+        </p:txBody>
+      </p:sp>
+      <p:cxnSp>
+        <p:nvCxnSpPr>
+          <p:cNvPr id="33" name="Rechte verbindingslijn met pijl 32"/>
+          <p:cNvCxnSpPr/>
+          <p:nvPr/>
+        </p:nvCxnSpPr>
+        <p:spPr>
+          <a:xfrm>
+            <a:off x="4211960" y="1772816"/>
+            <a:ext cx="2160240" cy="0"/>
+          </a:xfrm>
+          <a:prstGeom prst="straightConnector1">
+            <a:avLst/>
+          </a:prstGeom>
+          <a:ln>
+            <a:tailEnd type="arrow"/>
+          </a:ln>
+        </p:spPr>
+        <p:style>
+          <a:lnRef idx="1">
+            <a:schemeClr val="accent1"/>
+          </a:lnRef>
+          <a:fillRef idx="0">
+            <a:schemeClr val="accent1"/>
+          </a:fillRef>
+          <a:effectRef idx="0">
+            <a:schemeClr val="accent1"/>
+          </a:effectRef>
+          <a:fontRef idx="minor">
+            <a:schemeClr val="tx1"/>
+          </a:fontRef>
+        </p:style>
+      </p:cxnSp>
+      <p:cxnSp>
+        <p:nvCxnSpPr>
+          <p:cNvPr id="35" name="Rechte verbindingslijn met pijl 34"/>
+          <p:cNvCxnSpPr/>
+          <p:nvPr/>
+        </p:nvCxnSpPr>
+        <p:spPr>
+          <a:xfrm>
+            <a:off x="4139952" y="2708920"/>
+            <a:ext cx="2232248" cy="0"/>
+          </a:xfrm>
+          <a:prstGeom prst="straightConnector1">
+            <a:avLst/>
+          </a:prstGeom>
+          <a:ln>
+            <a:tailEnd type="arrow"/>
+          </a:ln>
+        </p:spPr>
+        <p:style>
+          <a:lnRef idx="1">
+            <a:schemeClr val="accent1"/>
+          </a:lnRef>
+          <a:fillRef idx="0">
+            <a:schemeClr val="accent1"/>
+          </a:fillRef>
+          <a:effectRef idx="0">
+            <a:schemeClr val="accent1"/>
+          </a:effectRef>
+          <a:fontRef idx="minor">
+            <a:schemeClr val="tx1"/>
+          </a:fontRef>
+        </p:style>
+      </p:cxnSp>
+      <p:cxnSp>
+        <p:nvCxnSpPr>
+          <p:cNvPr id="37" name="Rechte verbindingslijn met pijl 36"/>
+          <p:cNvCxnSpPr/>
+          <p:nvPr/>
+        </p:nvCxnSpPr>
+        <p:spPr>
+          <a:xfrm>
+            <a:off x="4139952" y="3861048"/>
+            <a:ext cx="2232248" cy="0"/>
+          </a:xfrm>
+          <a:prstGeom prst="straightConnector1">
+            <a:avLst/>
+          </a:prstGeom>
+          <a:ln>
+            <a:tailEnd type="arrow"/>
+          </a:ln>
+        </p:spPr>
+        <p:style>
+          <a:lnRef idx="1">
+            <a:schemeClr val="accent1"/>
+          </a:lnRef>
+          <a:fillRef idx="0">
+            <a:schemeClr val="accent1"/>
+          </a:fillRef>
+          <a:effectRef idx="0">
+            <a:schemeClr val="accent1"/>
+          </a:effectRef>
+          <a:fontRef idx="minor">
+            <a:schemeClr val="tx1"/>
+          </a:fontRef>
+        </p:style>
+      </p:cxnSp>
+      <p:cxnSp>
+        <p:nvCxnSpPr>
+          <p:cNvPr id="39" name="Gebogen verbindingslijn 38"/>
+          <p:cNvCxnSpPr/>
+          <p:nvPr/>
+        </p:nvCxnSpPr>
+        <p:spPr>
+          <a:xfrm flipV="1">
+            <a:off x="4139952" y="3861048"/>
+            <a:ext cx="2232248" cy="1008112"/>
+          </a:xfrm>
+          <a:prstGeom prst="bentConnector3">
+            <a:avLst>
+              <a:gd name="adj1" fmla="val 46135"/>
+            </a:avLst>
+          </a:prstGeom>
+          <a:ln>
+            <a:tailEnd type="arrow"/>
+          </a:ln>
+        </p:spPr>
+        <p:style>
+          <a:lnRef idx="1">
+            <a:schemeClr val="accent1"/>
+          </a:lnRef>
+          <a:fillRef idx="0">
+            <a:schemeClr val="accent1"/>
+          </a:fillRef>
+          <a:effectRef idx="0">
+            <a:schemeClr val="accent1"/>
+          </a:effectRef>
+          <a:fontRef idx="minor">
+            <a:schemeClr val="tx1"/>
+          </a:fontRef>
+        </p:style>
+      </p:cxnSp>
+      <p:cxnSp>
+        <p:nvCxnSpPr>
+          <p:cNvPr id="41" name="Gebogen verbindingslijn 40"/>
+          <p:cNvCxnSpPr/>
+          <p:nvPr/>
+        </p:nvCxnSpPr>
+        <p:spPr>
+          <a:xfrm flipV="1">
+            <a:off x="5184068" y="2708920"/>
+            <a:ext cx="1188132" cy="1152128"/>
+          </a:xfrm>
+          <a:prstGeom prst="bentConnector3">
+            <a:avLst>
+              <a:gd name="adj1" fmla="val -823"/>
+            </a:avLst>
+          </a:prstGeom>
+          <a:ln>
+            <a:tailEnd type="arrow"/>
+          </a:ln>
+        </p:spPr>
+        <p:style>
+          <a:lnRef idx="1">
+            <a:schemeClr val="accent1"/>
+          </a:lnRef>
+          <a:fillRef idx="0">
+            <a:schemeClr val="accent1"/>
+          </a:fillRef>
+          <a:effectRef idx="0">
+            <a:schemeClr val="accent1"/>
+          </a:effectRef>
+          <a:fontRef idx="minor">
+            <a:schemeClr val="tx1"/>
+          </a:fontRef>
+        </p:style>
+      </p:cxnSp>
+      <p:cxnSp>
+        <p:nvCxnSpPr>
+          <p:cNvPr id="46" name="Gebogen verbindingslijn 45"/>
+          <p:cNvCxnSpPr/>
+          <p:nvPr/>
+        </p:nvCxnSpPr>
+        <p:spPr>
+          <a:xfrm flipV="1">
+            <a:off x="5184068" y="1772816"/>
+            <a:ext cx="1188132" cy="936104"/>
+          </a:xfrm>
+          <a:prstGeom prst="bentConnector3">
+            <a:avLst>
+              <a:gd name="adj1" fmla="val -823"/>
+            </a:avLst>
+          </a:prstGeom>
+          <a:ln>
+            <a:tailEnd type="arrow"/>
+          </a:ln>
+        </p:spPr>
+        <p:style>
+          <a:lnRef idx="1">
+            <a:schemeClr val="accent1"/>
+          </a:lnRef>
+          <a:fillRef idx="0">
+            <a:schemeClr val="accent1"/>
+          </a:fillRef>
+          <a:effectRef idx="0">
+            <a:schemeClr val="accent1"/>
+          </a:effectRef>
+          <a:fontRef idx="minor">
+            <a:schemeClr val="tx1"/>
+          </a:fontRef>
+        </p:style>
+      </p:cxnSp>
+      <p:sp>
+        <p:nvSpPr>
+          <p:cNvPr id="54" name="Ovaal 53">
+            <a:hlinkClick r:id="rId2"/>
+          </p:cNvPr>
+          <p:cNvSpPr/>
+          <p:nvPr/>
+        </p:nvSpPr>
+        <p:spPr>
+          <a:xfrm>
+            <a:off x="6838050" y="1232756"/>
+            <a:ext cx="1733833" cy="1080120"/>
+          </a:xfrm>
+          <a:prstGeom prst="ellipse">
+            <a:avLst/>
+          </a:prstGeom>
+        </p:spPr>
+        <p:style>
+          <a:lnRef idx="2">
+            <a:schemeClr val="accent1">
+              <a:shade val="50000"/>
+            </a:schemeClr>
+          </a:lnRef>
+          <a:fillRef idx="1">
+            <a:schemeClr val="accent1"/>
+          </a:fillRef>
+          <a:effectRef idx="0">
+            <a:schemeClr val="accent1"/>
+          </a:effectRef>
+          <a:fontRef idx="minor">
+            <a:schemeClr val="lt1"/>
+          </a:fontRef>
+        </p:style>
+        <p:txBody>
+          <a:bodyPr rtlCol="0" anchor="ctr"/>
+          <a:lstStyle/>
+          <a:p>
+            <a:pPr algn="ctr"/>
+            <a:r>
+              <a:rPr lang="nl-NL" sz="1400" dirty="0" smtClean="0"/>
+              <a:t>Startscherm</a:t>
+            </a:r>
+            <a:endParaRPr lang="en-GB" sz="1400" dirty="0"/>
+          </a:p>
+        </p:txBody>
+      </p:sp>
+      <p:sp>
+        <p:nvSpPr>
+          <p:cNvPr id="55" name="Ovaal 54">
+            <a:hlinkClick r:id="rId2"/>
+          </p:cNvPr>
+          <p:cNvSpPr/>
+          <p:nvPr/>
+        </p:nvSpPr>
+        <p:spPr>
+          <a:xfrm>
+            <a:off x="6764798" y="2312876"/>
+            <a:ext cx="1733833" cy="1080120"/>
+          </a:xfrm>
+          <a:prstGeom prst="ellipse">
+            <a:avLst/>
+          </a:prstGeom>
+        </p:spPr>
+        <p:style>
+          <a:lnRef idx="2">
+            <a:schemeClr val="accent1">
+              <a:shade val="50000"/>
+            </a:schemeClr>
+          </a:lnRef>
+          <a:fillRef idx="1">
+            <a:schemeClr val="accent1"/>
+          </a:fillRef>
+          <a:effectRef idx="0">
+            <a:schemeClr val="accent1"/>
+          </a:effectRef>
+          <a:fontRef idx="minor">
+            <a:schemeClr val="lt1"/>
+          </a:fontRef>
+        </p:style>
+        <p:txBody>
+          <a:bodyPr rtlCol="0" anchor="ctr"/>
+          <a:lstStyle/>
+          <a:p>
+            <a:pPr algn="ctr"/>
+            <a:r>
+              <a:rPr lang="nl-NL" sz="1400" dirty="0" smtClean="0"/>
+              <a:t>Startscherm</a:t>
+            </a:r>
+          </a:p>
+          <a:p>
+            <a:pPr algn="ctr"/>
+            <a:r>
+              <a:rPr lang="nl-NL" sz="1400" dirty="0" smtClean="0"/>
+              <a:t>Sporter</a:t>
+            </a:r>
+            <a:endParaRPr lang="en-GB" sz="1400" dirty="0"/>
+          </a:p>
+        </p:txBody>
+      </p:sp>
+      <p:sp>
+        <p:nvSpPr>
+          <p:cNvPr id="56" name="Ovaal 55">
+            <a:hlinkClick r:id="rId2"/>
+          </p:cNvPr>
+          <p:cNvSpPr/>
+          <p:nvPr/>
+        </p:nvSpPr>
+        <p:spPr>
+          <a:xfrm>
+            <a:off x="6838049" y="3392996"/>
+            <a:ext cx="1733833" cy="1080120"/>
+          </a:xfrm>
+          <a:prstGeom prst="ellipse">
+            <a:avLst/>
+          </a:prstGeom>
+        </p:spPr>
+        <p:style>
+          <a:lnRef idx="2">
+            <a:schemeClr val="accent1">
+              <a:shade val="50000"/>
+            </a:schemeClr>
+          </a:lnRef>
+          <a:fillRef idx="1">
+            <a:schemeClr val="accent1"/>
+          </a:fillRef>
+          <a:effectRef idx="0">
+            <a:schemeClr val="accent1"/>
+          </a:effectRef>
+          <a:fontRef idx="minor">
+            <a:schemeClr val="lt1"/>
+          </a:fontRef>
+        </p:style>
+        <p:txBody>
+          <a:bodyPr rtlCol="0" anchor="ctr"/>
+          <a:lstStyle/>
+          <a:p>
+            <a:pPr algn="ctr"/>
+            <a:r>
+              <a:rPr lang="nl-NL" sz="1400" dirty="0" smtClean="0"/>
+              <a:t>Coachscherm</a:t>
+            </a:r>
+            <a:endParaRPr lang="en-GB" sz="1400" dirty="0"/>
           </a:p>
         </p:txBody>
       </p:sp>
     </p:spTree>
     <p:extLst>
       <p:ext uri="{BB962C8B-B14F-4D97-AF65-F5344CB8AC3E}">
-        <p14:creationId xmlns:p14="http://schemas.microsoft.com/office/powerpoint/2010/main" val="3456273971"/>
+        <p14:creationId xmlns:p14="http://schemas.microsoft.com/office/powerpoint/2010/main" val="3318139711"/>
       </p:ext>
     </p:extLst>
   </p:cSld>
@@ -4159,10 +4725,10 @@
   </p:clrMapOvr>
   <mc:AlternateContent xmlns:mc="http://schemas.openxmlformats.org/markup-compatibility/2006" xmlns:p14="http://schemas.microsoft.com/office/powerpoint/2010/main">
     <mc:Choice Requires="p14">
-      <p:transition spd="slow" p14:dur="2000" advClick="0"/>
+      <p:transition spd="slow" p14:dur="2000"/>
     </mc:Choice>
     <mc:Fallback xmlns="">
-      <p:transition spd="slow" advClick="0"/>
+      <p:transition spd="slow"/>
     </mc:Fallback>
   </mc:AlternateContent>
   <p:timing>
@@ -4205,17 +4771,18 @@
         <p:spPr/>
         <p:txBody>
           <a:bodyPr>
-            <a:normAutofit fontScale="90000"/>
+            <a:normAutofit/>
           </a:bodyPr>
           <a:lstStyle/>
           <a:p>
             <a:r>
-              <a:rPr lang="nl-NL" smtClean="0"/>
-              <a:t>User story analyse</a:t>
-            </a:r>
-            <a:br>
-              <a:rPr lang="nl-NL" smtClean="0"/>
-            </a:br>
+              <a:rPr lang="nl-NL" dirty="0" smtClean="0"/>
+              <a:t>User story </a:t>
+            </a:r>
+            <a:r>
+              <a:rPr lang="nl-NL" dirty="0" smtClean="0"/>
+              <a:t>analyse</a:t>
+            </a:r>
             <a:endParaRPr lang="nl-NL" dirty="0"/>
           </a:p>
         </p:txBody>
@@ -4238,7 +4805,7 @@
         </p:spPr>
         <p:txBody>
           <a:bodyPr>
-            <a:normAutofit fontScale="62500" lnSpcReduction="20000"/>
+            <a:normAutofit/>
           </a:bodyPr>
           <a:lstStyle/>
           <a:p>
@@ -4246,113 +4813,7 @@
               <a:rPr lang="nl-NL" dirty="0" smtClean="0"/>
               <a:t>Inloggen</a:t>
             </a:r>
-          </a:p>
-          <a:p>
-            <a:r>
-              <a:rPr lang="nl-NL" dirty="0" smtClean="0"/>
-              <a:t>Sporteropties toevoegen</a:t>
-            </a:r>
-          </a:p>
-          <a:p>
-            <a:pPr lvl="1"/>
-            <a:r>
-              <a:rPr lang="nl-NL" dirty="0" smtClean="0"/>
-              <a:t>Oefening inlezen</a:t>
-            </a:r>
-          </a:p>
-          <a:p>
-            <a:pPr lvl="1"/>
-            <a:r>
-              <a:rPr lang="nl-NL" dirty="0" smtClean="0"/>
-              <a:t>Planning bekijken/aanvragen</a:t>
-            </a:r>
-          </a:p>
-          <a:p>
-            <a:pPr lvl="2"/>
-            <a:r>
-              <a:rPr lang="nl-NL" dirty="0" smtClean="0"/>
-              <a:t>Mail versturen</a:t>
-            </a:r>
-          </a:p>
-          <a:p>
-            <a:pPr lvl="1"/>
-            <a:r>
-              <a:rPr lang="nl-NL" dirty="0" smtClean="0"/>
-              <a:t>Oefening registreren</a:t>
-            </a:r>
-          </a:p>
-          <a:p>
-            <a:pPr lvl="2"/>
-            <a:r>
-              <a:rPr lang="nl-NL" dirty="0" smtClean="0"/>
-              <a:t>Vragenlijst na </a:t>
-            </a:r>
-            <a:r>
-              <a:rPr lang="nl-NL" dirty="0" smtClean="0"/>
-              <a:t>training</a:t>
-            </a:r>
-          </a:p>
-          <a:p>
-            <a:pPr lvl="2"/>
             <a:endParaRPr lang="nl-NL" dirty="0" smtClean="0"/>
-          </a:p>
-          <a:p>
-            <a:r>
-              <a:rPr lang="nl-NL" dirty="0" smtClean="0"/>
-              <a:t>Coachopties toevoegen (</a:t>
-            </a:r>
-            <a:r>
-              <a:rPr lang="nl-NL" dirty="0" err="1" smtClean="0"/>
-              <a:t>Angular</a:t>
-            </a:r>
-            <a:r>
-              <a:rPr lang="nl-NL" dirty="0" smtClean="0"/>
-              <a:t>)</a:t>
-            </a:r>
-          </a:p>
-          <a:p>
-            <a:pPr lvl="1"/>
-            <a:r>
-              <a:rPr lang="nl-NL" dirty="0" smtClean="0"/>
-              <a:t>Oefening maken</a:t>
-            </a:r>
-          </a:p>
-          <a:p>
-            <a:pPr lvl="2"/>
-            <a:r>
-              <a:rPr lang="nl-NL" dirty="0" smtClean="0"/>
-              <a:t>Foto uploaden</a:t>
-            </a:r>
-          </a:p>
-          <a:p>
-            <a:pPr lvl="1"/>
-            <a:r>
-              <a:rPr lang="nl-NL" dirty="0" smtClean="0"/>
-              <a:t>Planning maken</a:t>
-            </a:r>
-          </a:p>
-          <a:p>
-            <a:pPr lvl="1"/>
-            <a:r>
-              <a:rPr lang="nl-NL" dirty="0" smtClean="0"/>
-              <a:t>Voortgangen bekijken</a:t>
-            </a:r>
-          </a:p>
-          <a:p>
-            <a:pPr lvl="2"/>
-            <a:r>
-              <a:rPr lang="nl-NL" dirty="0" smtClean="0"/>
-              <a:t>Feedback geven</a:t>
-            </a:r>
-          </a:p>
-          <a:p>
-            <a:endParaRPr lang="nl-NL" dirty="0" smtClean="0"/>
-          </a:p>
-          <a:p>
-            <a:r>
-              <a:rPr lang="nl-NL" dirty="0" smtClean="0"/>
-              <a:t>Mooi maken van de app (Bootstrap)</a:t>
-            </a:r>
           </a:p>
           <a:p>
             <a:endParaRPr lang="nl-NL" dirty="0" smtClean="0"/>
@@ -4363,281 +4824,13 @@
           </a:p>
           <a:p>
             <a:endParaRPr lang="nl-NL" dirty="0" smtClean="0"/>
-          </a:p>
-        </p:txBody>
-      </p:sp>
-      <p:sp>
-        <p:nvSpPr>
-          <p:cNvPr id="10" name="PIJL-RECHTS 9"/>
-          <p:cNvSpPr/>
-          <p:nvPr/>
-        </p:nvSpPr>
-        <p:spPr>
-          <a:xfrm>
-            <a:off x="4211960" y="1628800"/>
-            <a:ext cx="2612086" cy="216024"/>
-          </a:xfrm>
-          <a:prstGeom prst="rightArrow">
-            <a:avLst>
-              <a:gd name="adj1" fmla="val 50000"/>
-              <a:gd name="adj2" fmla="val 261643"/>
-            </a:avLst>
-          </a:prstGeom>
-        </p:spPr>
-        <p:style>
-          <a:lnRef idx="2">
-            <a:schemeClr val="accent1">
-              <a:shade val="50000"/>
-            </a:schemeClr>
-          </a:lnRef>
-          <a:fillRef idx="1">
-            <a:schemeClr val="accent1"/>
-          </a:fillRef>
-          <a:effectRef idx="0">
-            <a:schemeClr val="accent1"/>
-          </a:effectRef>
-          <a:fontRef idx="minor">
-            <a:schemeClr val="lt1"/>
-          </a:fontRef>
-        </p:style>
-        <p:txBody>
-          <a:bodyPr rtlCol="0" anchor="ctr"/>
-          <a:lstStyle/>
-          <a:p>
-            <a:pPr algn="ctr"/>
-            <a:endParaRPr lang="nl-NL"/>
-          </a:p>
-        </p:txBody>
-      </p:sp>
-      <p:sp>
-        <p:nvSpPr>
-          <p:cNvPr id="11" name="PIJL-RECHTS 10"/>
-          <p:cNvSpPr/>
-          <p:nvPr/>
-        </p:nvSpPr>
-        <p:spPr>
-          <a:xfrm>
-            <a:off x="4221859" y="2348880"/>
-            <a:ext cx="2592288" cy="1080120"/>
-          </a:xfrm>
-          <a:prstGeom prst="rightArrow">
-            <a:avLst/>
-          </a:prstGeom>
-        </p:spPr>
-        <p:style>
-          <a:lnRef idx="2">
-            <a:schemeClr val="accent1">
-              <a:shade val="50000"/>
-            </a:schemeClr>
-          </a:lnRef>
-          <a:fillRef idx="1">
-            <a:schemeClr val="accent1"/>
-          </a:fillRef>
-          <a:effectRef idx="0">
-            <a:schemeClr val="accent1"/>
-          </a:effectRef>
-          <a:fontRef idx="minor">
-            <a:schemeClr val="lt1"/>
-          </a:fontRef>
-        </p:style>
-        <p:txBody>
-          <a:bodyPr rtlCol="0" anchor="ctr"/>
-          <a:lstStyle/>
-          <a:p>
-            <a:pPr algn="ctr"/>
-            <a:endParaRPr lang="nl-NL"/>
-          </a:p>
-        </p:txBody>
-      </p:sp>
-      <p:sp>
-        <p:nvSpPr>
-          <p:cNvPr id="12" name="PIJL-RECHTS 11"/>
-          <p:cNvSpPr/>
-          <p:nvPr/>
-        </p:nvSpPr>
-        <p:spPr>
-          <a:xfrm>
-            <a:off x="4211960" y="4041068"/>
-            <a:ext cx="2592288" cy="1080120"/>
-          </a:xfrm>
-          <a:prstGeom prst="rightArrow">
-            <a:avLst/>
-          </a:prstGeom>
-        </p:spPr>
-        <p:style>
-          <a:lnRef idx="2">
-            <a:schemeClr val="accent1">
-              <a:shade val="50000"/>
-            </a:schemeClr>
-          </a:lnRef>
-          <a:fillRef idx="1">
-            <a:schemeClr val="accent1"/>
-          </a:fillRef>
-          <a:effectRef idx="0">
-            <a:schemeClr val="accent1"/>
-          </a:effectRef>
-          <a:fontRef idx="minor">
-            <a:schemeClr val="lt1"/>
-          </a:fontRef>
-        </p:style>
-        <p:txBody>
-          <a:bodyPr rtlCol="0" anchor="ctr"/>
-          <a:lstStyle/>
-          <a:p>
-            <a:pPr algn="ctr"/>
-            <a:endParaRPr lang="nl-NL"/>
-          </a:p>
-        </p:txBody>
-      </p:sp>
-      <p:sp>
-        <p:nvSpPr>
-          <p:cNvPr id="7" name="Ovaal 6">
-            <a:hlinkClick r:id="rId2"/>
-          </p:cNvPr>
-          <p:cNvSpPr/>
-          <p:nvPr/>
-        </p:nvSpPr>
-        <p:spPr>
-          <a:xfrm>
-            <a:off x="7363247" y="1304764"/>
-            <a:ext cx="1152128" cy="864096"/>
-          </a:xfrm>
-          <a:prstGeom prst="ellipse">
-            <a:avLst/>
-          </a:prstGeom>
-        </p:spPr>
-        <p:style>
-          <a:lnRef idx="2">
-            <a:schemeClr val="accent1">
-              <a:shade val="50000"/>
-            </a:schemeClr>
-          </a:lnRef>
-          <a:fillRef idx="1">
-            <a:schemeClr val="accent1"/>
-          </a:fillRef>
-          <a:effectRef idx="0">
-            <a:schemeClr val="accent1"/>
-          </a:effectRef>
-          <a:fontRef idx="minor">
-            <a:schemeClr val="lt1"/>
-          </a:fontRef>
-        </p:style>
-        <p:txBody>
-          <a:bodyPr rtlCol="0" anchor="ctr"/>
-          <a:lstStyle/>
-          <a:p>
-            <a:pPr algn="ctr"/>
-            <a:r>
-              <a:rPr lang="nl-NL" sz="1000" dirty="0" smtClean="0"/>
-              <a:t>Startscherm</a:t>
-            </a:r>
-            <a:endParaRPr lang="en-GB" sz="1000" dirty="0"/>
-          </a:p>
-        </p:txBody>
-      </p:sp>
-      <p:sp>
-        <p:nvSpPr>
-          <p:cNvPr id="13" name="Ovaal 12">
-            <a:hlinkClick r:id="rId3"/>
-          </p:cNvPr>
-          <p:cNvSpPr/>
-          <p:nvPr/>
-        </p:nvSpPr>
-        <p:spPr>
-          <a:xfrm>
-            <a:off x="7363247" y="2456892"/>
-            <a:ext cx="1152128" cy="864096"/>
-          </a:xfrm>
-          <a:prstGeom prst="ellipse">
-            <a:avLst/>
-          </a:prstGeom>
-        </p:spPr>
-        <p:style>
-          <a:lnRef idx="2">
-            <a:schemeClr val="accent1">
-              <a:shade val="50000"/>
-            </a:schemeClr>
-          </a:lnRef>
-          <a:fillRef idx="1">
-            <a:schemeClr val="accent1"/>
-          </a:fillRef>
-          <a:effectRef idx="0">
-            <a:schemeClr val="accent1"/>
-          </a:effectRef>
-          <a:fontRef idx="minor">
-            <a:schemeClr val="lt1"/>
-          </a:fontRef>
-        </p:style>
-        <p:txBody>
-          <a:bodyPr rtlCol="0" anchor="ctr"/>
-          <a:lstStyle/>
-          <a:p>
-            <a:pPr algn="ctr"/>
-            <a:r>
-              <a:rPr lang="nl-NL" sz="1000" dirty="0" smtClean="0"/>
-              <a:t>Startscherm</a:t>
-            </a:r>
-          </a:p>
-          <a:p>
-            <a:pPr algn="ctr"/>
-            <a:r>
-              <a:rPr lang="nl-NL" sz="1000" dirty="0" smtClean="0"/>
-              <a:t>Sporter</a:t>
-            </a:r>
-            <a:endParaRPr lang="en-GB" sz="1000" dirty="0"/>
-          </a:p>
-        </p:txBody>
-      </p:sp>
-      <p:sp>
-        <p:nvSpPr>
-          <p:cNvPr id="14" name="Ovaal 13">
-            <a:hlinkClick r:id="rId2"/>
-          </p:cNvPr>
-          <p:cNvSpPr/>
-          <p:nvPr/>
-        </p:nvSpPr>
-        <p:spPr>
-          <a:xfrm>
-            <a:off x="7308304" y="4041068"/>
-            <a:ext cx="1296143" cy="864096"/>
-          </a:xfrm>
-          <a:prstGeom prst="ellipse">
-            <a:avLst/>
-          </a:prstGeom>
-        </p:spPr>
-        <p:style>
-          <a:lnRef idx="2">
-            <a:schemeClr val="accent1">
-              <a:shade val="50000"/>
-            </a:schemeClr>
-          </a:lnRef>
-          <a:fillRef idx="1">
-            <a:schemeClr val="accent1"/>
-          </a:fillRef>
-          <a:effectRef idx="0">
-            <a:schemeClr val="accent1"/>
-          </a:effectRef>
-          <a:fontRef idx="minor">
-            <a:schemeClr val="lt1"/>
-          </a:fontRef>
-        </p:style>
-        <p:txBody>
-          <a:bodyPr rtlCol="0" anchor="ctr"/>
-          <a:lstStyle/>
-          <a:p>
-            <a:pPr algn="ctr"/>
-            <a:r>
-              <a:rPr lang="nl-NL" sz="1000" dirty="0" smtClean="0"/>
-              <a:t>Coachscherm</a:t>
-            </a:r>
-            <a:endParaRPr lang="en-GB" sz="1000" dirty="0"/>
           </a:p>
         </p:txBody>
       </p:sp>
     </p:spTree>
     <p:extLst>
       <p:ext uri="{BB962C8B-B14F-4D97-AF65-F5344CB8AC3E}">
-        <p14:creationId xmlns:p14="http://schemas.microsoft.com/office/powerpoint/2010/main" val="3318139711"/>
+        <p14:creationId xmlns:p14="http://schemas.microsoft.com/office/powerpoint/2010/main" val="4133752792"/>
       </p:ext>
     </p:extLst>
   </p:cSld>
@@ -4663,6 +4856,298 @@
 </file>
 
 <file path=ppt/slides/slide6.xml><?xml version="1.0" encoding="utf-8"?>
+<p:sld xmlns:a="http://schemas.openxmlformats.org/drawingml/2006/main" xmlns:r="http://schemas.openxmlformats.org/officeDocument/2006/relationships" xmlns:p="http://schemas.openxmlformats.org/presentationml/2006/main">
+  <p:cSld>
+    <p:spTree>
+      <p:nvGrpSpPr>
+        <p:cNvPr id="1" name=""/>
+        <p:cNvGrpSpPr/>
+        <p:nvPr/>
+      </p:nvGrpSpPr>
+      <p:grpSpPr>
+        <a:xfrm>
+          <a:off x="0" y="0"/>
+          <a:ext cx="0" cy="0"/>
+          <a:chOff x="0" y="0"/>
+          <a:chExt cx="0" cy="0"/>
+        </a:xfrm>
+      </p:grpSpPr>
+      <p:sp>
+        <p:nvSpPr>
+          <p:cNvPr id="2" name="Titel 1"/>
+          <p:cNvSpPr>
+            <a:spLocks noGrp="1"/>
+          </p:cNvSpPr>
+          <p:nvPr>
+            <p:ph type="title"/>
+          </p:nvPr>
+        </p:nvSpPr>
+        <p:spPr/>
+        <p:txBody>
+          <a:bodyPr>
+            <a:normAutofit/>
+          </a:bodyPr>
+          <a:lstStyle/>
+          <a:p>
+            <a:r>
+              <a:rPr lang="nl-NL" dirty="0" smtClean="0"/>
+              <a:t>User story </a:t>
+            </a:r>
+            <a:r>
+              <a:rPr lang="nl-NL" dirty="0" smtClean="0"/>
+              <a:t>analyse</a:t>
+            </a:r>
+            <a:endParaRPr lang="nl-NL" dirty="0"/>
+          </a:p>
+        </p:txBody>
+      </p:sp>
+      <p:sp>
+        <p:nvSpPr>
+          <p:cNvPr id="4" name="Tijdelijke aanduiding voor inhoud 2"/>
+          <p:cNvSpPr>
+            <a:spLocks noGrp="1"/>
+          </p:cNvSpPr>
+          <p:nvPr>
+            <p:ph idx="1"/>
+          </p:nvPr>
+        </p:nvSpPr>
+        <p:spPr>
+          <a:xfrm>
+            <a:off x="457200" y="1600200"/>
+            <a:ext cx="4618856" cy="4525963"/>
+          </a:xfrm>
+        </p:spPr>
+        <p:txBody>
+          <a:bodyPr>
+            <a:normAutofit/>
+          </a:bodyPr>
+          <a:lstStyle/>
+          <a:p>
+            <a:r>
+              <a:rPr lang="nl-NL" dirty="0" smtClean="0"/>
+              <a:t>Sporteropties toevoegen</a:t>
+            </a:r>
+            <a:endParaRPr lang="nl-NL" dirty="0" smtClean="0"/>
+          </a:p>
+          <a:p>
+            <a:pPr lvl="1"/>
+            <a:r>
+              <a:rPr lang="nl-NL" dirty="0" smtClean="0"/>
+              <a:t>Oefening inlezen</a:t>
+            </a:r>
+          </a:p>
+          <a:p>
+            <a:pPr lvl="1"/>
+            <a:r>
+              <a:rPr lang="nl-NL" dirty="0" smtClean="0"/>
+              <a:t>Planning bekijken/aanvragen</a:t>
+            </a:r>
+          </a:p>
+          <a:p>
+            <a:pPr lvl="1"/>
+            <a:r>
+              <a:rPr lang="nl-NL" dirty="0" smtClean="0"/>
+              <a:t>Oefening registreren</a:t>
+            </a:r>
+          </a:p>
+          <a:p>
+            <a:pPr lvl="1"/>
+            <a:endParaRPr lang="nl-NL" dirty="0" smtClean="0"/>
+          </a:p>
+          <a:p>
+            <a:endParaRPr lang="nl-NL" dirty="0" smtClean="0"/>
+          </a:p>
+          <a:p>
+            <a:pPr lvl="1"/>
+            <a:endParaRPr lang="nl-NL" dirty="0" smtClean="0"/>
+          </a:p>
+          <a:p>
+            <a:endParaRPr lang="nl-NL" dirty="0" smtClean="0"/>
+          </a:p>
+        </p:txBody>
+      </p:sp>
+    </p:spTree>
+    <p:extLst>
+      <p:ext uri="{BB962C8B-B14F-4D97-AF65-F5344CB8AC3E}">
+        <p14:creationId xmlns:p14="http://schemas.microsoft.com/office/powerpoint/2010/main" val="4133752792"/>
+      </p:ext>
+    </p:extLst>
+  </p:cSld>
+  <p:clrMapOvr>
+    <a:masterClrMapping/>
+  </p:clrMapOvr>
+  <mc:AlternateContent xmlns:mc="http://schemas.openxmlformats.org/markup-compatibility/2006" xmlns:p14="http://schemas.microsoft.com/office/powerpoint/2010/main">
+    <mc:Choice Requires="p14">
+      <p:transition spd="slow" p14:dur="2000"/>
+    </mc:Choice>
+    <mc:Fallback xmlns="">
+      <p:transition spd="slow"/>
+    </mc:Fallback>
+  </mc:AlternateContent>
+  <p:timing>
+    <p:tnLst>
+      <p:par>
+        <p:cTn id="1" dur="indefinite" restart="never" nodeType="tmRoot"/>
+      </p:par>
+    </p:tnLst>
+  </p:timing>
+</p:sld>
+</file>
+
+<file path=ppt/slides/slide7.xml><?xml version="1.0" encoding="utf-8"?>
+<p:sld xmlns:a="http://schemas.openxmlformats.org/drawingml/2006/main" xmlns:r="http://schemas.openxmlformats.org/officeDocument/2006/relationships" xmlns:p="http://schemas.openxmlformats.org/presentationml/2006/main">
+  <p:cSld>
+    <p:spTree>
+      <p:nvGrpSpPr>
+        <p:cNvPr id="1" name=""/>
+        <p:cNvGrpSpPr/>
+        <p:nvPr/>
+      </p:nvGrpSpPr>
+      <p:grpSpPr>
+        <a:xfrm>
+          <a:off x="0" y="0"/>
+          <a:ext cx="0" cy="0"/>
+          <a:chOff x="0" y="0"/>
+          <a:chExt cx="0" cy="0"/>
+        </a:xfrm>
+      </p:grpSpPr>
+      <p:sp>
+        <p:nvSpPr>
+          <p:cNvPr id="2" name="Titel 1"/>
+          <p:cNvSpPr>
+            <a:spLocks noGrp="1"/>
+          </p:cNvSpPr>
+          <p:nvPr>
+            <p:ph type="title"/>
+          </p:nvPr>
+        </p:nvSpPr>
+        <p:spPr/>
+        <p:txBody>
+          <a:bodyPr>
+            <a:normAutofit/>
+          </a:bodyPr>
+          <a:lstStyle/>
+          <a:p>
+            <a:r>
+              <a:rPr lang="nl-NL" dirty="0" smtClean="0"/>
+              <a:t>User story </a:t>
+            </a:r>
+            <a:r>
+              <a:rPr lang="nl-NL" dirty="0" smtClean="0"/>
+              <a:t>analyse</a:t>
+            </a:r>
+            <a:endParaRPr lang="nl-NL" dirty="0"/>
+          </a:p>
+        </p:txBody>
+      </p:sp>
+      <p:sp>
+        <p:nvSpPr>
+          <p:cNvPr id="4" name="Tijdelijke aanduiding voor inhoud 2"/>
+          <p:cNvSpPr>
+            <a:spLocks noGrp="1"/>
+          </p:cNvSpPr>
+          <p:nvPr>
+            <p:ph idx="1"/>
+          </p:nvPr>
+        </p:nvSpPr>
+        <p:spPr>
+          <a:xfrm>
+            <a:off x="457200" y="1600200"/>
+            <a:ext cx="4402832" cy="4525963"/>
+          </a:xfrm>
+        </p:spPr>
+        <p:txBody>
+          <a:bodyPr>
+            <a:normAutofit/>
+          </a:bodyPr>
+          <a:lstStyle/>
+          <a:p>
+            <a:r>
+              <a:rPr lang="nl-NL" dirty="0" smtClean="0"/>
+              <a:t>Coachopties </a:t>
+            </a:r>
+            <a:r>
+              <a:rPr lang="nl-NL" dirty="0" smtClean="0"/>
+              <a:t>toevoegen (</a:t>
+            </a:r>
+            <a:r>
+              <a:rPr lang="nl-NL" dirty="0" err="1" smtClean="0"/>
+              <a:t>Angular</a:t>
+            </a:r>
+            <a:r>
+              <a:rPr lang="nl-NL" dirty="0" smtClean="0"/>
+              <a:t>)</a:t>
+            </a:r>
+          </a:p>
+          <a:p>
+            <a:pPr lvl="1"/>
+            <a:r>
+              <a:rPr lang="nl-NL" dirty="0" smtClean="0"/>
+              <a:t>Oefening maken</a:t>
+            </a:r>
+          </a:p>
+          <a:p>
+            <a:pPr lvl="1"/>
+            <a:r>
+              <a:rPr lang="nl-NL" dirty="0" smtClean="0"/>
+              <a:t>Planning </a:t>
+            </a:r>
+            <a:r>
+              <a:rPr lang="nl-NL" dirty="0" smtClean="0"/>
+              <a:t>maken</a:t>
+            </a:r>
+          </a:p>
+          <a:p>
+            <a:pPr lvl="1"/>
+            <a:r>
+              <a:rPr lang="nl-NL" dirty="0" smtClean="0"/>
+              <a:t>Voortgangen bekijken</a:t>
+            </a:r>
+          </a:p>
+          <a:p>
+            <a:endParaRPr lang="nl-NL" dirty="0" smtClean="0"/>
+          </a:p>
+          <a:p>
+            <a:endParaRPr lang="nl-NL" dirty="0" smtClean="0"/>
+          </a:p>
+          <a:p>
+            <a:pPr lvl="1"/>
+            <a:endParaRPr lang="nl-NL" dirty="0" smtClean="0"/>
+          </a:p>
+          <a:p>
+            <a:endParaRPr lang="nl-NL" dirty="0" smtClean="0"/>
+          </a:p>
+        </p:txBody>
+      </p:sp>
+    </p:spTree>
+    <p:extLst>
+      <p:ext uri="{BB962C8B-B14F-4D97-AF65-F5344CB8AC3E}">
+        <p14:creationId xmlns:p14="http://schemas.microsoft.com/office/powerpoint/2010/main" val="4133752792"/>
+      </p:ext>
+    </p:extLst>
+  </p:cSld>
+  <p:clrMapOvr>
+    <a:masterClrMapping/>
+  </p:clrMapOvr>
+  <mc:AlternateContent xmlns:mc="http://schemas.openxmlformats.org/markup-compatibility/2006" xmlns:p14="http://schemas.microsoft.com/office/powerpoint/2010/main">
+    <mc:Choice Requires="p14">
+      <p:transition spd="slow" p14:dur="2000"/>
+    </mc:Choice>
+    <mc:Fallback xmlns="">
+      <p:transition spd="slow"/>
+    </mc:Fallback>
+  </mc:AlternateContent>
+  <p:timing>
+    <p:tnLst>
+      <p:par>
+        <p:cTn id="1" dur="indefinite" restart="never" nodeType="tmRoot"/>
+      </p:par>
+    </p:tnLst>
+  </p:timing>
+</p:sld>
+</file>
+
+<file path=ppt/slides/slide8.xml><?xml version="1.0" encoding="utf-8"?>
 <p:sld xmlns:a="http://schemas.openxmlformats.org/drawingml/2006/main" xmlns:r="http://schemas.openxmlformats.org/officeDocument/2006/relationships" xmlns:p="http://schemas.openxmlformats.org/presentationml/2006/main">
   <p:cSld>
     <p:spTree>
@@ -4778,26 +5263,29 @@
         </p:nvSpPr>
         <p:spPr/>
         <p:txBody>
-          <a:bodyPr/>
+          <a:bodyPr>
+            <a:normAutofit fontScale="92500" lnSpcReduction="20000"/>
+          </a:bodyPr>
           <a:lstStyle/>
           <a:p>
             <a:r>
               <a:rPr lang="nl-NL" dirty="0" smtClean="0"/>
               <a:t>Swagger</a:t>
             </a:r>
-          </a:p>
-          <a:p>
             <a:endParaRPr lang="nl-NL" dirty="0"/>
+          </a:p>
+          <a:p>
+            <a:endParaRPr lang="nl-NL" dirty="0" smtClean="0"/>
           </a:p>
           <a:p>
             <a:r>
               <a:rPr lang="nl-NL" dirty="0" err="1" smtClean="0"/>
               <a:t>Deploy</a:t>
             </a:r>
+            <a:endParaRPr lang="nl-NL" dirty="0"/>
+          </a:p>
+          <a:p>
             <a:endParaRPr lang="nl-NL" dirty="0" smtClean="0"/>
-          </a:p>
-          <a:p>
-            <a:endParaRPr lang="nl-NL" dirty="0"/>
           </a:p>
           <a:p>
             <a:r>
@@ -4812,16 +5300,30 @@
               <a:rPr lang="nl-NL" dirty="0" err="1" smtClean="0"/>
               <a:t>testing</a:t>
             </a:r>
+            <a:endParaRPr lang="nl-NL" dirty="0"/>
+          </a:p>
+          <a:p>
             <a:endParaRPr lang="nl-NL" dirty="0" smtClean="0"/>
-          </a:p>
-          <a:p>
-            <a:endParaRPr lang="nl-NL" dirty="0"/>
           </a:p>
           <a:p>
             <a:r>
               <a:rPr lang="nl-NL" dirty="0" smtClean="0"/>
               <a:t>Mail versturen</a:t>
             </a:r>
+          </a:p>
+          <a:p>
+            <a:endParaRPr lang="nl-NL" dirty="0" smtClean="0"/>
+          </a:p>
+          <a:p>
+            <a:r>
+              <a:rPr lang="nl-NL" dirty="0" smtClean="0"/>
+              <a:t>Security</a:t>
+            </a:r>
+          </a:p>
+          <a:p>
+            <a:endParaRPr lang="nl-NL" dirty="0"/>
+          </a:p>
+          <a:p>
             <a:endParaRPr lang="en-GB" dirty="0"/>
           </a:p>
         </p:txBody>
@@ -4844,6 +5346,116 @@
       <p:transition spd="slow" advClick="0"/>
     </mc:Fallback>
   </mc:AlternateContent>
+  <p:timing>
+    <p:tnLst>
+      <p:par>
+        <p:cTn id="1" dur="indefinite" restart="never" nodeType="tmRoot"/>
+      </p:par>
+    </p:tnLst>
+  </p:timing>
+</p:sld>
+</file>
+
+<file path=ppt/slides/slide9.xml><?xml version="1.0" encoding="utf-8"?>
+<p:sld xmlns:a="http://schemas.openxmlformats.org/drawingml/2006/main" xmlns:r="http://schemas.openxmlformats.org/officeDocument/2006/relationships" xmlns:p="http://schemas.openxmlformats.org/presentationml/2006/main">
+  <p:cSld>
+    <p:spTree>
+      <p:nvGrpSpPr>
+        <p:cNvPr id="1" name=""/>
+        <p:cNvGrpSpPr/>
+        <p:nvPr/>
+      </p:nvGrpSpPr>
+      <p:grpSpPr>
+        <a:xfrm>
+          <a:off x="0" y="0"/>
+          <a:ext cx="0" cy="0"/>
+          <a:chOff x="0" y="0"/>
+          <a:chExt cx="0" cy="0"/>
+        </a:xfrm>
+      </p:grpSpPr>
+      <p:sp>
+        <p:nvSpPr>
+          <p:cNvPr id="2" name="Titel 1"/>
+          <p:cNvSpPr>
+            <a:spLocks noGrp="1"/>
+          </p:cNvSpPr>
+          <p:nvPr>
+            <p:ph type="title"/>
+          </p:nvPr>
+        </p:nvSpPr>
+        <p:spPr/>
+        <p:txBody>
+          <a:bodyPr/>
+          <a:lstStyle/>
+          <a:p>
+            <a:r>
+              <a:rPr lang="nl-NL" dirty="0" smtClean="0"/>
+              <a:t>Reflectie</a:t>
+            </a:r>
+            <a:endParaRPr lang="en-GB" dirty="0"/>
+          </a:p>
+        </p:txBody>
+      </p:sp>
+      <p:sp>
+        <p:nvSpPr>
+          <p:cNvPr id="3" name="Tijdelijke aanduiding voor inhoud 2"/>
+          <p:cNvSpPr>
+            <a:spLocks noGrp="1"/>
+          </p:cNvSpPr>
+          <p:nvPr>
+            <p:ph idx="1"/>
+          </p:nvPr>
+        </p:nvSpPr>
+        <p:spPr/>
+        <p:txBody>
+          <a:bodyPr/>
+          <a:lstStyle/>
+          <a:p>
+            <a:r>
+              <a:rPr lang="nl-NL" dirty="0" smtClean="0"/>
+              <a:t>Bootcamp</a:t>
+            </a:r>
+          </a:p>
+          <a:p>
+            <a:endParaRPr lang="nl-NL" dirty="0"/>
+          </a:p>
+          <a:p>
+            <a:r>
+              <a:rPr lang="nl-NL" dirty="0" smtClean="0"/>
+              <a:t>Project</a:t>
+            </a:r>
+          </a:p>
+          <a:p>
+            <a:endParaRPr lang="nl-NL" dirty="0"/>
+          </a:p>
+          <a:p>
+            <a:r>
+              <a:rPr lang="nl-NL" dirty="0" smtClean="0"/>
+              <a:t>Groep</a:t>
+            </a:r>
+          </a:p>
+          <a:p>
+            <a:endParaRPr lang="nl-NL" dirty="0"/>
+          </a:p>
+          <a:p>
+            <a:r>
+              <a:rPr lang="nl-NL" dirty="0" smtClean="0"/>
+              <a:t>Individueel</a:t>
+            </a:r>
+            <a:endParaRPr lang="en-GB" dirty="0"/>
+          </a:p>
+        </p:txBody>
+      </p:sp>
+    </p:spTree>
+    <p:extLst>
+      <p:ext uri="{BB962C8B-B14F-4D97-AF65-F5344CB8AC3E}">
+        <p14:creationId xmlns:p14="http://schemas.microsoft.com/office/powerpoint/2010/main" val="3519503041"/>
+      </p:ext>
+    </p:extLst>
+  </p:cSld>
+  <p:clrMapOvr>
+    <a:masterClrMapping/>
+  </p:clrMapOvr>
   <p:timing>
     <p:tnLst>
       <p:par>

--- a/Powerlift Powerpoint.pptx
+++ b/Powerlift Powerpoint.pptx
@@ -5,19 +5,20 @@
     <p:sldMasterId id="2147483648" r:id="rId1"/>
   </p:sldMasterIdLst>
   <p:notesMasterIdLst>
-    <p:notesMasterId r:id="rId12"/>
+    <p:notesMasterId r:id="rId13"/>
   </p:notesMasterIdLst>
   <p:sldIdLst>
     <p:sldId id="256" r:id="rId2"/>
     <p:sldId id="260" r:id="rId3"/>
     <p:sldId id="261" r:id="rId4"/>
-    <p:sldId id="264" r:id="rId5"/>
-    <p:sldId id="274" r:id="rId6"/>
-    <p:sldId id="276" r:id="rId7"/>
-    <p:sldId id="278" r:id="rId8"/>
-    <p:sldId id="269" r:id="rId9"/>
-    <p:sldId id="270" r:id="rId10"/>
-    <p:sldId id="272" r:id="rId11"/>
+    <p:sldId id="274" r:id="rId5"/>
+    <p:sldId id="264" r:id="rId6"/>
+    <p:sldId id="279" r:id="rId7"/>
+    <p:sldId id="276" r:id="rId8"/>
+    <p:sldId id="278" r:id="rId9"/>
+    <p:sldId id="269" r:id="rId10"/>
+    <p:sldId id="270" r:id="rId11"/>
+    <p:sldId id="272" r:id="rId12"/>
   </p:sldIdLst>
   <p:sldSz cx="9144000" cy="6858000" type="screen4x3"/>
   <p:notesSz cx="6858000" cy="9144000"/>
@@ -360,7 +361,7 @@
           <a:p>
             <a:fld id="{8C8A1E06-408F-4365-86BE-E08AAD520065}" type="slidenum">
               <a:rPr lang="nl-NL" smtClean="0"/>
-              <a:t>‹nr.›</a:t>
+              <a:t>‹#›</a:t>
             </a:fld>
             <a:endParaRPr lang="nl-NL"/>
           </a:p>
@@ -488,6 +489,102 @@
       </p:grpSpPr>
       <p:sp>
         <p:nvSpPr>
+          <p:cNvPr id="2" name="Slide Image Placeholder 1"/>
+          <p:cNvSpPr>
+            <a:spLocks noGrp="1" noRot="1" noChangeAspect="1"/>
+          </p:cNvSpPr>
+          <p:nvPr>
+            <p:ph type="sldImg"/>
+          </p:nvPr>
+        </p:nvSpPr>
+        <p:spPr/>
+      </p:sp>
+      <p:sp>
+        <p:nvSpPr>
+          <p:cNvPr id="3" name="Notes Placeholder 2"/>
+          <p:cNvSpPr>
+            <a:spLocks noGrp="1"/>
+          </p:cNvSpPr>
+          <p:nvPr>
+            <p:ph type="body" idx="1"/>
+          </p:nvPr>
+        </p:nvSpPr>
+        <p:spPr/>
+        <p:txBody>
+          <a:bodyPr/>
+          <a:lstStyle/>
+          <a:p>
+            <a:r>
+              <a:rPr lang="nl-NL" sz="1200" b="0" i="0" u="none" strike="noStrike" kern="1200" dirty="0" smtClean="0">
+                <a:solidFill>
+                  <a:schemeClr val="tx1"/>
+                </a:solidFill>
+                <a:effectLst/>
+                <a:latin typeface="+mn-lt"/>
+                <a:ea typeface="+mn-ea"/>
+                <a:cs typeface="+mn-cs"/>
+              </a:rPr>
+              <a:t>Het doel van dit project is om een applicatie te maken waarbij de klant zijn of haar powerlift oefeningen en planning kan inzien, en daarbij ook zijn/haar sport activiteit kan registreren en dus de voortgang kan bijhouden.</a:t>
+            </a:r>
+            <a:endParaRPr lang="nl-NL" dirty="0"/>
+          </a:p>
+        </p:txBody>
+      </p:sp>
+      <p:sp>
+        <p:nvSpPr>
+          <p:cNvPr id="4" name="Slide Number Placeholder 3"/>
+          <p:cNvSpPr>
+            <a:spLocks noGrp="1"/>
+          </p:cNvSpPr>
+          <p:nvPr>
+            <p:ph type="sldNum" sz="quarter" idx="10"/>
+          </p:nvPr>
+        </p:nvSpPr>
+        <p:spPr/>
+        <p:txBody>
+          <a:bodyPr/>
+          <a:lstStyle/>
+          <a:p>
+            <a:fld id="{8C8A1E06-408F-4365-86BE-E08AAD520065}" type="slidenum">
+              <a:rPr lang="nl-NL" smtClean="0"/>
+              <a:t>2</a:t>
+            </a:fld>
+            <a:endParaRPr lang="nl-NL"/>
+          </a:p>
+        </p:txBody>
+      </p:sp>
+    </p:spTree>
+    <p:extLst>
+      <p:ext uri="{BB962C8B-B14F-4D97-AF65-F5344CB8AC3E}">
+        <p14:creationId xmlns:p14="http://schemas.microsoft.com/office/powerpoint/2010/main" val="3461641782"/>
+      </p:ext>
+    </p:extLst>
+  </p:cSld>
+  <p:clrMapOvr>
+    <a:masterClrMapping/>
+  </p:clrMapOvr>
+</p:notes>
+</file>
+
+<file path=ppt/notesSlides/notesSlide2.xml><?xml version="1.0" encoding="utf-8"?>
+<p:notes xmlns:a="http://schemas.openxmlformats.org/drawingml/2006/main" xmlns:r="http://schemas.openxmlformats.org/officeDocument/2006/relationships" xmlns:p="http://schemas.openxmlformats.org/presentationml/2006/main">
+  <p:cSld>
+    <p:spTree>
+      <p:nvGrpSpPr>
+        <p:cNvPr id="1" name=""/>
+        <p:cNvGrpSpPr/>
+        <p:nvPr/>
+      </p:nvGrpSpPr>
+      <p:grpSpPr>
+        <a:xfrm>
+          <a:off x="0" y="0"/>
+          <a:ext cx="0" cy="0"/>
+          <a:chOff x="0" y="0"/>
+          <a:chExt cx="0" cy="0"/>
+        </a:xfrm>
+      </p:grpSpPr>
+      <p:sp>
+        <p:nvSpPr>
           <p:cNvPr id="2" name="Tijdelijke aanduiding voor dia-afbeelding 1"/>
           <p:cNvSpPr>
             <a:spLocks noGrp="1" noRot="1" noChangeAspect="1"/>
@@ -556,6 +653,90 @@
     <p:extLst>
       <p:ext uri="{BB962C8B-B14F-4D97-AF65-F5344CB8AC3E}">
         <p14:creationId xmlns:p14="http://schemas.microsoft.com/office/powerpoint/2010/main" val="2082731541"/>
+      </p:ext>
+    </p:extLst>
+  </p:cSld>
+  <p:clrMapOvr>
+    <a:masterClrMapping/>
+  </p:clrMapOvr>
+</p:notes>
+</file>
+
+<file path=ppt/notesSlides/notesSlide3.xml><?xml version="1.0" encoding="utf-8"?>
+<p:notes xmlns:a="http://schemas.openxmlformats.org/drawingml/2006/main" xmlns:r="http://schemas.openxmlformats.org/officeDocument/2006/relationships" xmlns:p="http://schemas.openxmlformats.org/presentationml/2006/main">
+  <p:cSld>
+    <p:spTree>
+      <p:nvGrpSpPr>
+        <p:cNvPr id="1" name=""/>
+        <p:cNvGrpSpPr/>
+        <p:nvPr/>
+      </p:nvGrpSpPr>
+      <p:grpSpPr>
+        <a:xfrm>
+          <a:off x="0" y="0"/>
+          <a:ext cx="0" cy="0"/>
+          <a:chOff x="0" y="0"/>
+          <a:chExt cx="0" cy="0"/>
+        </a:xfrm>
+      </p:grpSpPr>
+      <p:sp>
+        <p:nvSpPr>
+          <p:cNvPr id="2" name="Slide Image Placeholder 1"/>
+          <p:cNvSpPr>
+            <a:spLocks noGrp="1" noRot="1" noChangeAspect="1"/>
+          </p:cNvSpPr>
+          <p:nvPr>
+            <p:ph type="sldImg"/>
+          </p:nvPr>
+        </p:nvSpPr>
+        <p:spPr/>
+      </p:sp>
+      <p:sp>
+        <p:nvSpPr>
+          <p:cNvPr id="3" name="Notes Placeholder 2"/>
+          <p:cNvSpPr>
+            <a:spLocks noGrp="1"/>
+          </p:cNvSpPr>
+          <p:nvPr>
+            <p:ph type="body" idx="1"/>
+          </p:nvPr>
+        </p:nvSpPr>
+        <p:spPr/>
+        <p:txBody>
+          <a:bodyPr/>
+          <a:lstStyle/>
+          <a:p>
+            <a:endParaRPr lang="nl-NL" dirty="0"/>
+          </a:p>
+        </p:txBody>
+      </p:sp>
+      <p:sp>
+        <p:nvSpPr>
+          <p:cNvPr id="4" name="Slide Number Placeholder 3"/>
+          <p:cNvSpPr>
+            <a:spLocks noGrp="1"/>
+          </p:cNvSpPr>
+          <p:nvPr>
+            <p:ph type="sldNum" sz="quarter" idx="10"/>
+          </p:nvPr>
+        </p:nvSpPr>
+        <p:spPr/>
+        <p:txBody>
+          <a:bodyPr/>
+          <a:lstStyle/>
+          <a:p>
+            <a:fld id="{8C8A1E06-408F-4365-86BE-E08AAD520065}" type="slidenum">
+              <a:rPr lang="nl-NL" smtClean="0"/>
+              <a:t>10</a:t>
+            </a:fld>
+            <a:endParaRPr lang="nl-NL"/>
+          </a:p>
+        </p:txBody>
+      </p:sp>
+    </p:spTree>
+    <p:extLst>
+      <p:ext uri="{BB962C8B-B14F-4D97-AF65-F5344CB8AC3E}">
+        <p14:creationId xmlns:p14="http://schemas.microsoft.com/office/powerpoint/2010/main" val="356695090"/>
       </p:ext>
     </p:extLst>
   </p:cSld>
@@ -788,7 +969,7 @@
           <a:p>
             <a:fld id="{82DEBB7A-F9CE-4894-AA7B-C90053E2D6D4}" type="slidenum">
               <a:rPr lang="nl-NL" smtClean="0"/>
-              <a:t>‹nr.›</a:t>
+              <a:t>‹#›</a:t>
             </a:fld>
             <a:endParaRPr lang="nl-NL"/>
           </a:p>
@@ -958,7 +1139,7 @@
           <a:p>
             <a:fld id="{82DEBB7A-F9CE-4894-AA7B-C90053E2D6D4}" type="slidenum">
               <a:rPr lang="nl-NL" smtClean="0"/>
-              <a:t>‹nr.›</a:t>
+              <a:t>‹#›</a:t>
             </a:fld>
             <a:endParaRPr lang="nl-NL"/>
           </a:p>
@@ -1138,7 +1319,7 @@
           <a:p>
             <a:fld id="{82DEBB7A-F9CE-4894-AA7B-C90053E2D6D4}" type="slidenum">
               <a:rPr lang="nl-NL" smtClean="0"/>
-              <a:t>‹nr.›</a:t>
+              <a:t>‹#›</a:t>
             </a:fld>
             <a:endParaRPr lang="nl-NL"/>
           </a:p>
@@ -1308,7 +1489,7 @@
           <a:p>
             <a:fld id="{82DEBB7A-F9CE-4894-AA7B-C90053E2D6D4}" type="slidenum">
               <a:rPr lang="nl-NL" smtClean="0"/>
-              <a:t>‹nr.›</a:t>
+              <a:t>‹#›</a:t>
             </a:fld>
             <a:endParaRPr lang="nl-NL"/>
           </a:p>
@@ -1554,7 +1735,7 @@
           <a:p>
             <a:fld id="{82DEBB7A-F9CE-4894-AA7B-C90053E2D6D4}" type="slidenum">
               <a:rPr lang="nl-NL" smtClean="0"/>
-              <a:t>‹nr.›</a:t>
+              <a:t>‹#›</a:t>
             </a:fld>
             <a:endParaRPr lang="nl-NL"/>
           </a:p>
@@ -1842,7 +2023,7 @@
           <a:p>
             <a:fld id="{82DEBB7A-F9CE-4894-AA7B-C90053E2D6D4}" type="slidenum">
               <a:rPr lang="nl-NL" smtClean="0"/>
-              <a:t>‹nr.›</a:t>
+              <a:t>‹#›</a:t>
             </a:fld>
             <a:endParaRPr lang="nl-NL"/>
           </a:p>
@@ -2264,7 +2445,7 @@
           <a:p>
             <a:fld id="{82DEBB7A-F9CE-4894-AA7B-C90053E2D6D4}" type="slidenum">
               <a:rPr lang="nl-NL" smtClean="0"/>
-              <a:t>‹nr.›</a:t>
+              <a:t>‹#›</a:t>
             </a:fld>
             <a:endParaRPr lang="nl-NL"/>
           </a:p>
@@ -2382,7 +2563,7 @@
           <a:p>
             <a:fld id="{82DEBB7A-F9CE-4894-AA7B-C90053E2D6D4}" type="slidenum">
               <a:rPr lang="nl-NL" smtClean="0"/>
-              <a:t>‹nr.›</a:t>
+              <a:t>‹#›</a:t>
             </a:fld>
             <a:endParaRPr lang="nl-NL"/>
           </a:p>
@@ -2477,7 +2658,7 @@
           <a:p>
             <a:fld id="{82DEBB7A-F9CE-4894-AA7B-C90053E2D6D4}" type="slidenum">
               <a:rPr lang="nl-NL" smtClean="0"/>
-              <a:t>‹nr.›</a:t>
+              <a:t>‹#›</a:t>
             </a:fld>
             <a:endParaRPr lang="nl-NL"/>
           </a:p>
@@ -2754,7 +2935,7 @@
           <a:p>
             <a:fld id="{82DEBB7A-F9CE-4894-AA7B-C90053E2D6D4}" type="slidenum">
               <a:rPr lang="nl-NL" smtClean="0"/>
-              <a:t>‹nr.›</a:t>
+              <a:t>‹#›</a:t>
             </a:fld>
             <a:endParaRPr lang="nl-NL"/>
           </a:p>
@@ -3007,7 +3188,7 @@
           <a:p>
             <a:fld id="{82DEBB7A-F9CE-4894-AA7B-C90053E2D6D4}" type="slidenum">
               <a:rPr lang="nl-NL" smtClean="0"/>
-              <a:t>‹nr.›</a:t>
+              <a:t>‹#›</a:t>
             </a:fld>
             <a:endParaRPr lang="nl-NL"/>
           </a:p>
@@ -3031,9 +3212,11 @@
   <p:cSld>
     <p:bg>
       <p:bgPr>
-        <a:solidFill>
-          <a:schemeClr val="accent5"/>
-        </a:solidFill>
+        <a:blipFill dpi="0" rotWithShape="1">
+          <a:blip r:embed="rId13"/>
+          <a:srcRect/>
+          <a:tile tx="0" ty="0" sx="100000" sy="100000" flip="none" algn="tl"/>
+        </a:blipFill>
         <a:effectLst/>
       </p:bgPr>
     </p:bg>
@@ -3259,7 +3442,7 @@
           <a:p>
             <a:fld id="{82DEBB7A-F9CE-4894-AA7B-C90053E2D6D4}" type="slidenum">
               <a:rPr lang="nl-NL" smtClean="0"/>
-              <a:t>‹nr.›</a:t>
+              <a:t>‹#›</a:t>
             </a:fld>
             <a:endParaRPr lang="nl-NL"/>
           </a:p>
@@ -3542,6 +3725,16 @@
 <file path=ppt/slides/slide1.xml><?xml version="1.0" encoding="utf-8"?>
 <p:sld xmlns:a="http://schemas.openxmlformats.org/drawingml/2006/main" xmlns:r="http://schemas.openxmlformats.org/officeDocument/2006/relationships" xmlns:p="http://schemas.openxmlformats.org/presentationml/2006/main">
   <p:cSld>
+    <p:bg>
+      <p:bgPr>
+        <a:blipFill dpi="0" rotWithShape="1">
+          <a:blip r:embed="rId2"/>
+          <a:srcRect/>
+          <a:tile tx="0" ty="0" sx="100000" sy="100000" flip="none" algn="tl"/>
+        </a:blipFill>
+        <a:effectLst/>
+      </p:bgPr>
+    </p:bg>
     <p:spTree>
       <p:nvGrpSpPr>
         <p:cNvPr id="1" name=""/>
@@ -3577,10 +3770,20 @@
           <a:lstStyle/>
           <a:p>
             <a:r>
-              <a:rPr lang="nl-NL" dirty="0" smtClean="0"/>
+              <a:rPr lang="nl-NL" dirty="0" smtClean="0">
+                <a:solidFill>
+                  <a:srgbClr val="0070C0"/>
+                </a:solidFill>
+                <a:latin typeface="Britannic Bold" pitchFamily="34" charset="0"/>
+              </a:rPr>
               <a:t>Powerlift App</a:t>
             </a:r>
-            <a:endParaRPr lang="nl-NL" dirty="0"/>
+            <a:endParaRPr lang="nl-NL" dirty="0">
+              <a:solidFill>
+                <a:srgbClr val="0070C0"/>
+              </a:solidFill>
+              <a:latin typeface="Britannic Bold" pitchFamily="34" charset="0"/>
+            </a:endParaRPr>
           </a:p>
         </p:txBody>
       </p:sp>
@@ -3707,7 +3910,7 @@
           <p:nvPr/>
         </p:nvPicPr>
         <p:blipFill>
-          <a:blip r:embed="rId2" cstate="print">
+          <a:blip r:embed="rId3" cstate="print">
             <a:extLst>
               <a:ext uri="{28A0092B-C50C-407E-A947-70E740481C1C}">
                 <a14:useLocalDpi xmlns:a14="http://schemas.microsoft.com/office/drawing/2010/main" val="0"/>
@@ -3721,7 +3924,7 @@
         </p:blipFill>
         <p:spPr bwMode="auto">
           <a:xfrm>
-            <a:off x="3995936" y="1834172"/>
+            <a:off x="3995936" y="1558712"/>
             <a:ext cx="1800200" cy="1800200"/>
           </a:xfrm>
           <a:prstGeom prst="rect">
@@ -3761,7 +3964,7 @@
           <p:nvPr/>
         </p:nvPicPr>
         <p:blipFill rotWithShape="1">
-          <a:blip r:embed="rId3" cstate="print">
+          <a:blip r:embed="rId4" cstate="print">
             <a:extLst>
               <a:ext uri="{28A0092B-C50C-407E-A947-70E740481C1C}">
                 <a14:useLocalDpi xmlns:a14="http://schemas.microsoft.com/office/drawing/2010/main" val="0"/>
@@ -3773,7 +3976,7 @@
         </p:blipFill>
         <p:spPr bwMode="auto">
           <a:xfrm>
-            <a:off x="6840747" y="2734271"/>
+            <a:off x="6732240" y="2334116"/>
             <a:ext cx="1708316" cy="1753873"/>
           </a:xfrm>
           <a:prstGeom prst="rect">
@@ -3813,7 +4016,7 @@
           <p:nvPr/>
         </p:nvPicPr>
         <p:blipFill>
-          <a:blip r:embed="rId4">
+          <a:blip r:embed="rId5">
             <a:extLst>
               <a:ext uri="{28A0092B-C50C-407E-A947-70E740481C1C}">
                 <a14:useLocalDpi xmlns:a14="http://schemas.microsoft.com/office/drawing/2010/main" val="0"/>
@@ -3826,7 +4029,7 @@
         </p:blipFill>
         <p:spPr>
           <a:xfrm>
-            <a:off x="971600" y="2458812"/>
+            <a:off x="1043608" y="2132856"/>
             <a:ext cx="2011514" cy="1944463"/>
           </a:xfrm>
           <a:prstGeom prst="rect">
@@ -3886,6 +4089,230 @@
             <a:spLocks noGrp="1"/>
           </p:cNvSpPr>
           <p:nvPr>
+            <p:ph type="title"/>
+          </p:nvPr>
+        </p:nvSpPr>
+        <p:spPr/>
+        <p:txBody>
+          <a:bodyPr/>
+          <a:lstStyle/>
+          <a:p>
+            <a:r>
+              <a:rPr lang="nl-NL" dirty="0" smtClean="0">
+                <a:latin typeface="Britannic Bold" pitchFamily="34" charset="0"/>
+              </a:rPr>
+              <a:t>Reflectie</a:t>
+            </a:r>
+            <a:endParaRPr lang="en-GB" dirty="0">
+              <a:latin typeface="Britannic Bold" pitchFamily="34" charset="0"/>
+            </a:endParaRPr>
+          </a:p>
+        </p:txBody>
+      </p:sp>
+      <p:sp>
+        <p:nvSpPr>
+          <p:cNvPr id="3" name="Tijdelijke aanduiding voor inhoud 2"/>
+          <p:cNvSpPr>
+            <a:spLocks noGrp="1"/>
+          </p:cNvSpPr>
+          <p:nvPr>
+            <p:ph idx="1"/>
+          </p:nvPr>
+        </p:nvSpPr>
+        <p:spPr/>
+        <p:txBody>
+          <a:bodyPr/>
+          <a:lstStyle/>
+          <a:p>
+            <a:r>
+              <a:rPr lang="nl-NL" dirty="0" smtClean="0"/>
+              <a:t>Bootcamp</a:t>
+            </a:r>
+          </a:p>
+          <a:p>
+            <a:endParaRPr lang="nl-NL" dirty="0"/>
+          </a:p>
+          <a:p>
+            <a:r>
+              <a:rPr lang="nl-NL" dirty="0" smtClean="0"/>
+              <a:t>Project</a:t>
+            </a:r>
+          </a:p>
+          <a:p>
+            <a:endParaRPr lang="nl-NL" dirty="0"/>
+          </a:p>
+          <a:p>
+            <a:r>
+              <a:rPr lang="nl-NL" dirty="0" smtClean="0"/>
+              <a:t>Groep</a:t>
+            </a:r>
+          </a:p>
+          <a:p>
+            <a:endParaRPr lang="nl-NL" dirty="0"/>
+          </a:p>
+          <a:p>
+            <a:r>
+              <a:rPr lang="nl-NL" dirty="0" smtClean="0"/>
+              <a:t>Individueel</a:t>
+            </a:r>
+            <a:endParaRPr lang="en-GB" dirty="0"/>
+          </a:p>
+        </p:txBody>
+      </p:sp>
+      <p:pic>
+        <p:nvPicPr>
+          <p:cNvPr id="4" name="Picture 2"/>
+          <p:cNvPicPr>
+            <a:picLocks noChangeAspect="1" noChangeArrowheads="1"/>
+          </p:cNvPicPr>
+          <p:nvPr/>
+        </p:nvPicPr>
+        <p:blipFill>
+          <a:blip r:embed="rId3" cstate="print">
+            <a:extLst>
+              <a:ext uri="{28A0092B-C50C-407E-A947-70E740481C1C}">
+                <a14:useLocalDpi xmlns:a14="http://schemas.microsoft.com/office/drawing/2010/main" val="0"/>
+              </a:ext>
+            </a:extLst>
+          </a:blip>
+          <a:srcRect/>
+          <a:stretch>
+            <a:fillRect/>
+          </a:stretch>
+        </p:blipFill>
+        <p:spPr bwMode="auto">
+          <a:xfrm>
+            <a:off x="7740352" y="5465524"/>
+            <a:ext cx="1080120" cy="1080120"/>
+          </a:xfrm>
+          <a:prstGeom prst="rect">
+            <a:avLst/>
+          </a:prstGeom>
+          <a:noFill/>
+          <a:ln>
+            <a:noFill/>
+          </a:ln>
+          <a:effectLst/>
+          <a:extLst>
+            <a:ext uri="{909E8E84-426E-40DD-AFC4-6F175D3DCCD1}">
+              <a14:hiddenFill xmlns:a14="http://schemas.microsoft.com/office/drawing/2010/main">
+                <a:solidFill>
+                  <a:schemeClr val="accent1"/>
+                </a:solidFill>
+              </a14:hiddenFill>
+            </a:ext>
+            <a:ext uri="{91240B29-F687-4F45-9708-019B960494DF}">
+              <a14:hiddenLine xmlns:a14="http://schemas.microsoft.com/office/drawing/2010/main" w="9525">
+                <a:solidFill>
+                  <a:schemeClr val="tx1"/>
+                </a:solidFill>
+                <a:miter lim="800000"/>
+                <a:headEnd/>
+                <a:tailEnd/>
+              </a14:hiddenLine>
+            </a:ext>
+            <a:ext uri="{AF507438-7753-43E0-B8FC-AC1667EBCBE1}">
+              <a14:hiddenEffects xmlns:a14="http://schemas.microsoft.com/office/drawing/2010/main">
+                <a:effectLst>
+                  <a:outerShdw dist="35921" dir="2700000" algn="ctr" rotWithShape="0">
+                    <a:schemeClr val="bg2"/>
+                  </a:outerShdw>
+                </a:effectLst>
+              </a14:hiddenEffects>
+            </a:ext>
+          </a:extLst>
+        </p:spPr>
+      </p:pic>
+      <p:pic>
+        <p:nvPicPr>
+          <p:cNvPr id="3074" name="Picture 2" descr="Reflectie en zelfreflectie: belangrijk onderdeel van de leerzone"/>
+          <p:cNvPicPr>
+            <a:picLocks noChangeAspect="1" noChangeArrowheads="1"/>
+          </p:cNvPicPr>
+          <p:nvPr/>
+        </p:nvPicPr>
+        <p:blipFill>
+          <a:blip r:embed="rId4">
+            <a:extLst>
+              <a:ext uri="{28A0092B-C50C-407E-A947-70E740481C1C}">
+                <a14:useLocalDpi xmlns:a14="http://schemas.microsoft.com/office/drawing/2010/main" val="0"/>
+              </a:ext>
+            </a:extLst>
+          </a:blip>
+          <a:srcRect/>
+          <a:stretch>
+            <a:fillRect/>
+          </a:stretch>
+        </p:blipFill>
+        <p:spPr bwMode="auto">
+          <a:xfrm>
+            <a:off x="5544108" y="1628800"/>
+            <a:ext cx="2952328" cy="2952328"/>
+          </a:xfrm>
+          <a:prstGeom prst="rect">
+            <a:avLst/>
+          </a:prstGeom>
+          <a:noFill/>
+          <a:ln w="38100">
+            <a:solidFill>
+              <a:srgbClr val="0070C0"/>
+            </a:solidFill>
+          </a:ln>
+          <a:extLst>
+            <a:ext uri="{909E8E84-426E-40DD-AFC4-6F175D3DCCD1}">
+              <a14:hiddenFill xmlns:a14="http://schemas.microsoft.com/office/drawing/2010/main">
+                <a:solidFill>
+                  <a:srgbClr val="FFFFFF"/>
+                </a:solidFill>
+              </a14:hiddenFill>
+            </a:ext>
+          </a:extLst>
+        </p:spPr>
+      </p:pic>
+    </p:spTree>
+    <p:extLst>
+      <p:ext uri="{BB962C8B-B14F-4D97-AF65-F5344CB8AC3E}">
+        <p14:creationId xmlns:p14="http://schemas.microsoft.com/office/powerpoint/2010/main" val="3519503041"/>
+      </p:ext>
+    </p:extLst>
+  </p:cSld>
+  <p:clrMapOvr>
+    <a:masterClrMapping/>
+  </p:clrMapOvr>
+  <p:timing>
+    <p:tnLst>
+      <p:par>
+        <p:cTn id="1" dur="indefinite" restart="never" nodeType="tmRoot"/>
+      </p:par>
+    </p:tnLst>
+  </p:timing>
+</p:sld>
+</file>
+
+<file path=ppt/slides/slide11.xml><?xml version="1.0" encoding="utf-8"?>
+<p:sld xmlns:a="http://schemas.openxmlformats.org/drawingml/2006/main" xmlns:r="http://schemas.openxmlformats.org/officeDocument/2006/relationships" xmlns:p="http://schemas.openxmlformats.org/presentationml/2006/main">
+  <p:cSld>
+    <p:spTree>
+      <p:nvGrpSpPr>
+        <p:cNvPr id="1" name=""/>
+        <p:cNvGrpSpPr/>
+        <p:nvPr/>
+      </p:nvGrpSpPr>
+      <p:grpSpPr>
+        <a:xfrm>
+          <a:off x="0" y="0"/>
+          <a:ext cx="0" cy="0"/>
+          <a:chOff x="0" y="0"/>
+          <a:chExt cx="0" cy="0"/>
+        </a:xfrm>
+      </p:grpSpPr>
+      <p:sp>
+        <p:nvSpPr>
+          <p:cNvPr id="2" name="Titel 1"/>
+          <p:cNvSpPr>
+            <a:spLocks noGrp="1"/>
+          </p:cNvSpPr>
+          <p:nvPr>
             <p:ph type="ctrTitle"/>
           </p:nvPr>
         </p:nvSpPr>
@@ -3895,10 +4322,14 @@
           <a:lstStyle/>
           <a:p>
             <a:r>
-              <a:rPr lang="nl-NL" dirty="0" smtClean="0"/>
+              <a:rPr lang="nl-NL" dirty="0" smtClean="0">
+                <a:latin typeface="Britannic Bold" pitchFamily="34" charset="0"/>
+              </a:rPr>
               <a:t>Bedankt voor jullie aandacht</a:t>
             </a:r>
-            <a:endParaRPr lang="en-GB" dirty="0"/>
+            <a:endParaRPr lang="en-GB" dirty="0">
+              <a:latin typeface="Britannic Bold" pitchFamily="34" charset="0"/>
+            </a:endParaRPr>
           </a:p>
         </p:txBody>
       </p:sp>
@@ -3922,10 +4353,46 @@
               <a:t> </a:t>
             </a:r>
             <a:r>
-              <a:rPr lang="nl-NL" dirty="0" smtClean="0"/>
-              <a:t>team Powerlift</a:t>
-            </a:r>
-            <a:endParaRPr lang="en-GB" dirty="0"/>
+              <a:rPr lang="nl-NL" dirty="0">
+                <a:solidFill>
+                  <a:schemeClr val="tx1">
+                    <a:lumMod val="65000"/>
+                    <a:lumOff val="35000"/>
+                  </a:schemeClr>
+                </a:solidFill>
+              </a:rPr>
+              <a:t>T</a:t>
+            </a:r>
+            <a:r>
+              <a:rPr lang="nl-NL" dirty="0" smtClean="0">
+                <a:solidFill>
+                  <a:schemeClr val="tx1">
+                    <a:lumMod val="65000"/>
+                    <a:lumOff val="35000"/>
+                  </a:schemeClr>
+                </a:solidFill>
+              </a:rPr>
+              <a:t>eam </a:t>
+            </a:r>
+            <a:r>
+              <a:rPr lang="nl-NL" dirty="0" smtClean="0">
+                <a:solidFill>
+                  <a:schemeClr val="tx1">
+                    <a:lumMod val="65000"/>
+                    <a:lumOff val="35000"/>
+                  </a:schemeClr>
+                </a:solidFill>
+              </a:rPr>
+              <a:t>Powerlift</a:t>
+            </a:r>
+            <a:endParaRPr lang="en-GB" dirty="0">
+              <a:solidFill>
+                <a:schemeClr val="tx1">
+                  <a:lumMod val="65000"/>
+                  <a:lumOff val="35000"/>
+                </a:schemeClr>
+              </a:solidFill>
+            </a:endParaRPr>
           </a:p>
         </p:txBody>
       </p:sp>
@@ -3982,10 +4449,14 @@
           <a:lstStyle/>
           <a:p>
             <a:r>
-              <a:rPr lang="nl-NL" dirty="0" smtClean="0"/>
+              <a:rPr lang="nl-NL" dirty="0" smtClean="0">
+                <a:latin typeface="Britannic Bold" pitchFamily="34" charset="0"/>
+              </a:rPr>
               <a:t>Wat doet de applicatie</a:t>
             </a:r>
-            <a:endParaRPr lang="nl-NL" dirty="0"/>
+            <a:endParaRPr lang="nl-NL" dirty="0">
+              <a:latin typeface="Britannic Bold" pitchFamily="34" charset="0"/>
+            </a:endParaRPr>
           </a:p>
         </p:txBody>
       </p:sp>
@@ -4059,6 +4530,109 @@
           </a:p>
         </p:txBody>
       </p:sp>
+      <p:pic>
+        <p:nvPicPr>
+          <p:cNvPr id="10244" name="Picture 4" descr="Prijzen van een personal trainer in Leerdam - Personal-trainer.nl"/>
+          <p:cNvPicPr>
+            <a:picLocks noChangeAspect="1" noChangeArrowheads="1"/>
+          </p:cNvPicPr>
+          <p:nvPr/>
+        </p:nvPicPr>
+        <p:blipFill rotWithShape="1">
+          <a:blip r:embed="rId3">
+            <a:extLst>
+              <a:ext uri="{28A0092B-C50C-407E-A947-70E740481C1C}">
+                <a14:useLocalDpi xmlns:a14="http://schemas.microsoft.com/office/drawing/2010/main" val="0"/>
+              </a:ext>
+            </a:extLst>
+          </a:blip>
+          <a:srcRect l="26099" r="13977"/>
+          <a:stretch/>
+        </p:blipFill>
+        <p:spPr bwMode="auto">
+          <a:xfrm>
+            <a:off x="5819958" y="1628800"/>
+            <a:ext cx="2686023" cy="2592288"/>
+          </a:xfrm>
+          <a:prstGeom prst="rect">
+            <a:avLst/>
+          </a:prstGeom>
+          <a:noFill/>
+          <a:extLst>
+            <a:ext uri="{909E8E84-426E-40DD-AFC4-6F175D3DCCD1}">
+              <a14:hiddenFill xmlns:a14="http://schemas.microsoft.com/office/drawing/2010/main">
+                <a:solidFill>
+                  <a:srgbClr val="FFFFFF"/>
+                </a:solidFill>
+              </a14:hiddenFill>
+            </a:ext>
+          </a:extLst>
+        </p:spPr>
+      </p:pic>
+      <p:pic>
+        <p:nvPicPr>
+          <p:cNvPr id="8" name="Picture 2"/>
+          <p:cNvPicPr>
+            <a:picLocks noChangeAspect="1" noChangeArrowheads="1"/>
+          </p:cNvPicPr>
+          <p:nvPr/>
+        </p:nvPicPr>
+        <p:blipFill>
+          <a:blip r:embed="rId4" cstate="print">
+            <a:extLst>
+              <a:ext uri="{28A0092B-C50C-407E-A947-70E740481C1C}">
+                <a14:useLocalDpi xmlns:a14="http://schemas.microsoft.com/office/drawing/2010/main" val="0"/>
+              </a:ext>
+            </a:extLst>
+          </a:blip>
+          <a:srcRect/>
+          <a:stretch>
+            <a:fillRect/>
+          </a:stretch>
+        </p:blipFill>
+        <p:spPr bwMode="auto">
+          <a:xfrm>
+            <a:off x="7740352" y="5465524"/>
+            <a:ext cx="1080120" cy="1080120"/>
+          </a:xfrm>
+          <a:prstGeom prst="rect">
+            <a:avLst/>
+          </a:prstGeom>
+          <a:noFill/>
+          <a:ln>
+            <a:noFill/>
+          </a:ln>
+          <a:effectLst/>
+          <a:extLst>
+            <a:ext uri="{909E8E84-426E-40DD-AFC4-6F175D3DCCD1}">
+              <a14:hiddenFill xmlns:a14="http://schemas.microsoft.com/office/drawing/2010/main">
+                <a:solidFill>
+                  <a:schemeClr val="accent1"/>
+                </a:solidFill>
+              </a14:hiddenFill>
+            </a:ext>
+            <a:ext uri="{91240B29-F687-4F45-9708-019B960494DF}">
+              <a14:hiddenLine xmlns:a14="http://schemas.microsoft.com/office/drawing/2010/main" w="9525">
+                <a:solidFill>
+                  <a:schemeClr val="tx1"/>
+                </a:solidFill>
+                <a:miter lim="800000"/>
+                <a:headEnd/>
+                <a:tailEnd/>
+              </a14:hiddenLine>
+            </a:ext>
+            <a:ext uri="{AF507438-7753-43E0-B8FC-AC1667EBCBE1}">
+              <a14:hiddenEffects xmlns:a14="http://schemas.microsoft.com/office/drawing/2010/main">
+                <a:effectLst>
+                  <a:outerShdw dist="35921" dir="2700000" algn="ctr" rotWithShape="0">
+                    <a:schemeClr val="bg2"/>
+                  </a:outerShdw>
+                </a:effectLst>
+              </a14:hiddenEffects>
+            </a:ext>
+          </a:extLst>
+        </p:spPr>
+      </p:pic>
     </p:spTree>
     <p:extLst>
       <p:ext uri="{BB962C8B-B14F-4D97-AF65-F5344CB8AC3E}">
@@ -4122,14 +4696,14 @@
           <a:lstStyle/>
           <a:p>
             <a:r>
-              <a:rPr lang="nl-NL" dirty="0"/>
-              <a:t>Hoe hebben we het </a:t>
-            </a:r>
-            <a:r>
-              <a:rPr lang="nl-NL" dirty="0" smtClean="0"/>
-              <a:t>aangepakt</a:t>
-            </a:r>
-            <a:endParaRPr lang="en-GB" dirty="0"/>
+              <a:rPr lang="nl-NL" dirty="0" smtClean="0">
+                <a:latin typeface="Britannic Bold" pitchFamily="34" charset="0"/>
+              </a:rPr>
+              <a:t>Aanpak van het project</a:t>
+            </a:r>
+            <a:endParaRPr lang="en-GB" dirty="0">
+              <a:latin typeface="Britannic Bold" pitchFamily="34" charset="0"/>
+            </a:endParaRPr>
           </a:p>
         </p:txBody>
       </p:sp>
@@ -4205,6 +4779,111 @@
           </a:p>
         </p:txBody>
       </p:sp>
+      <p:pic>
+        <p:nvPicPr>
+          <p:cNvPr id="9220" name="Picture 4" descr="How to use a Scrum Board to Maximize Personal and Team ..."/>
+          <p:cNvPicPr>
+            <a:picLocks noChangeAspect="1" noChangeArrowheads="1"/>
+          </p:cNvPicPr>
+          <p:nvPr/>
+        </p:nvPicPr>
+        <p:blipFill>
+          <a:blip r:embed="rId3">
+            <a:extLst>
+              <a:ext uri="{28A0092B-C50C-407E-A947-70E740481C1C}">
+                <a14:useLocalDpi xmlns:a14="http://schemas.microsoft.com/office/drawing/2010/main" val="0"/>
+              </a:ext>
+            </a:extLst>
+          </a:blip>
+          <a:srcRect/>
+          <a:stretch>
+            <a:fillRect/>
+          </a:stretch>
+        </p:blipFill>
+        <p:spPr bwMode="auto">
+          <a:xfrm>
+            <a:off x="4194619" y="1556792"/>
+            <a:ext cx="4523344" cy="2376264"/>
+          </a:xfrm>
+          <a:prstGeom prst="rect">
+            <a:avLst/>
+          </a:prstGeom>
+          <a:noFill/>
+          <a:extLst>
+            <a:ext uri="{909E8E84-426E-40DD-AFC4-6F175D3DCCD1}">
+              <a14:hiddenFill xmlns:a14="http://schemas.microsoft.com/office/drawing/2010/main">
+                <a:solidFill>
+                  <a:srgbClr val="FFFFFF"/>
+                </a:solidFill>
+              </a14:hiddenFill>
+            </a:ext>
+          </a:extLst>
+        </p:spPr>
+      </p:pic>
+      <p:pic>
+        <p:nvPicPr>
+          <p:cNvPr id="7" name="Picture 2"/>
+          <p:cNvPicPr>
+            <a:picLocks noChangeAspect="1" noChangeArrowheads="1"/>
+          </p:cNvPicPr>
+          <p:nvPr/>
+        </p:nvPicPr>
+        <p:blipFill>
+          <a:blip r:embed="rId4" cstate="print">
+            <a:extLst>
+              <a:ext uri="{28A0092B-C50C-407E-A947-70E740481C1C}">
+                <a14:useLocalDpi xmlns:a14="http://schemas.microsoft.com/office/drawing/2010/main" val="0"/>
+              </a:ext>
+            </a:extLst>
+          </a:blip>
+          <a:srcRect/>
+          <a:stretch>
+            <a:fillRect/>
+          </a:stretch>
+        </p:blipFill>
+        <p:spPr bwMode="auto">
+          <a:xfrm>
+            <a:off x="7740352" y="5465524"/>
+            <a:ext cx="1080120" cy="1080120"/>
+          </a:xfrm>
+          <a:prstGeom prst="rect">
+            <a:avLst/>
+          </a:prstGeom>
+          <a:noFill/>
+          <a:ln>
+            <a:noFill/>
+          </a:ln>
+          <a:effectLst/>
+          <a:extLst>
+            <a:ext uri="{909E8E84-426E-40DD-AFC4-6F175D3DCCD1}">
+              <a14:hiddenFill xmlns:a14="http://schemas.microsoft.com/office/drawing/2010/main">
+                <a:solidFill>
+                  <a:schemeClr val="accent1"/>
+                </a:solidFill>
+              </a14:hiddenFill>
+            </a:ext>
+            <a:ext uri="{91240B29-F687-4F45-9708-019B960494DF}">
+              <a14:hiddenLine xmlns:a14="http://schemas.microsoft.com/office/drawing/2010/main" w="9525">
+                <a:solidFill>
+                  <a:schemeClr val="tx1"/>
+                </a:solidFill>
+                <a:miter lim="800000"/>
+                <a:headEnd/>
+                <a:tailEnd/>
+              </a14:hiddenLine>
+            </a:ext>
+            <a:ext uri="{AF507438-7753-43E0-B8FC-AC1667EBCBE1}">
+              <a14:hiddenEffects xmlns:a14="http://schemas.microsoft.com/office/drawing/2010/main">
+                <a:effectLst>
+                  <a:outerShdw dist="35921" dir="2700000" algn="ctr" rotWithShape="0">
+                    <a:schemeClr val="bg2"/>
+                  </a:outerShdw>
+                </a:effectLst>
+              </a14:hiddenEffects>
+            </a:ext>
+          </a:extLst>
+        </p:spPr>
+      </p:pic>
     </p:spTree>
     <p:extLst>
       <p:ext uri="{BB962C8B-B14F-4D97-AF65-F5344CB8AC3E}">
@@ -4268,14 +4947,20 @@
           <a:lstStyle/>
           <a:p>
             <a:r>
-              <a:rPr lang="nl-NL" dirty="0" smtClean="0"/>
-              <a:t>User story </a:t>
-            </a:r>
-            <a:r>
-              <a:rPr lang="nl-NL" dirty="0" smtClean="0"/>
-              <a:t>analyse</a:t>
-            </a:r>
-            <a:endParaRPr lang="nl-NL" dirty="0"/>
+              <a:rPr lang="nl-NL" dirty="0" smtClean="0">
+                <a:latin typeface="Britannic Bold" pitchFamily="34" charset="0"/>
+              </a:rPr>
+              <a:t>User </a:t>
+            </a:r>
+            <a:r>
+              <a:rPr lang="nl-NL" dirty="0" smtClean="0">
+                <a:latin typeface="Britannic Bold" pitchFamily="34" charset="0"/>
+              </a:rPr>
+              <a:t>stories</a:t>
+            </a:r>
+            <a:endParaRPr lang="nl-NL" dirty="0">
+              <a:latin typeface="Britannic Bold" pitchFamily="34" charset="0"/>
+            </a:endParaRPr>
           </a:p>
         </p:txBody>
       </p:sp>
@@ -4301,6 +4986,427 @@
           </a:bodyPr>
           <a:lstStyle/>
           <a:p>
+            <a:endParaRPr lang="nl-NL" dirty="0" smtClean="0"/>
+          </a:p>
+          <a:p>
+            <a:pPr lvl="1"/>
+            <a:endParaRPr lang="nl-NL" dirty="0" smtClean="0"/>
+          </a:p>
+          <a:p>
+            <a:endParaRPr lang="nl-NL" dirty="0" smtClean="0"/>
+          </a:p>
+        </p:txBody>
+      </p:sp>
+      <p:pic>
+        <p:nvPicPr>
+          <p:cNvPr id="8" name="Picture 7" descr="C:\Users\Marijn\Desktop\Untitled-3.png"/>
+          <p:cNvPicPr/>
+          <p:nvPr/>
+        </p:nvPicPr>
+        <p:blipFill>
+          <a:blip r:embed="rId2">
+            <a:extLst>
+              <a:ext uri="{28A0092B-C50C-407E-A947-70E740481C1C}">
+                <a14:useLocalDpi xmlns:a14="http://schemas.microsoft.com/office/drawing/2010/main" val="0"/>
+              </a:ext>
+            </a:extLst>
+          </a:blip>
+          <a:srcRect/>
+          <a:stretch>
+            <a:fillRect/>
+          </a:stretch>
+        </p:blipFill>
+        <p:spPr bwMode="auto">
+          <a:xfrm>
+            <a:off x="-351602" y="1124744"/>
+            <a:ext cx="4392488" cy="3392691"/>
+          </a:xfrm>
+          <a:prstGeom prst="rect">
+            <a:avLst/>
+          </a:prstGeom>
+          <a:noFill/>
+          <a:ln>
+            <a:noFill/>
+          </a:ln>
+        </p:spPr>
+      </p:pic>
+      <p:pic>
+        <p:nvPicPr>
+          <p:cNvPr id="9" name="Picture 8" descr="C:\Users\Marijn\Desktop\Untitled-3.png"/>
+          <p:cNvPicPr/>
+          <p:nvPr/>
+        </p:nvPicPr>
+        <p:blipFill>
+          <a:blip r:embed="rId2">
+            <a:extLst>
+              <a:ext uri="{28A0092B-C50C-407E-A947-70E740481C1C}">
+                <a14:useLocalDpi xmlns:a14="http://schemas.microsoft.com/office/drawing/2010/main" val="0"/>
+              </a:ext>
+            </a:extLst>
+          </a:blip>
+          <a:srcRect/>
+          <a:stretch>
+            <a:fillRect/>
+          </a:stretch>
+        </p:blipFill>
+        <p:spPr bwMode="auto">
+          <a:xfrm>
+            <a:off x="5076056" y="1121842"/>
+            <a:ext cx="4464496" cy="3312368"/>
+          </a:xfrm>
+          <a:prstGeom prst="rect">
+            <a:avLst/>
+          </a:prstGeom>
+          <a:noFill/>
+          <a:ln>
+            <a:noFill/>
+          </a:ln>
+        </p:spPr>
+      </p:pic>
+      <p:sp>
+        <p:nvSpPr>
+          <p:cNvPr id="6" name="TextBox 5"/>
+          <p:cNvSpPr txBox="1"/>
+          <p:nvPr/>
+        </p:nvSpPr>
+        <p:spPr>
+          <a:xfrm>
+            <a:off x="800526" y="1700808"/>
+            <a:ext cx="2088232" cy="1600438"/>
+          </a:xfrm>
+          <a:prstGeom prst="rect">
+            <a:avLst/>
+          </a:prstGeom>
+          <a:noFill/>
+        </p:spPr>
+        <p:txBody>
+          <a:bodyPr wrap="square" rtlCol="0">
+            <a:spAutoFit/>
+          </a:bodyPr>
+          <a:lstStyle/>
+          <a:p>
+            <a:r>
+              <a:rPr lang="en-US" sz="1400" dirty="0" smtClean="0"/>
+              <a:t>PL000</a:t>
+            </a:r>
+            <a:endParaRPr lang="nl-NL" sz="1400" dirty="0" smtClean="0"/>
+          </a:p>
+          <a:p>
+            <a:r>
+              <a:rPr lang="nl-NL" sz="1400" dirty="0" smtClean="0"/>
+              <a:t>Als </a:t>
+            </a:r>
+            <a:r>
+              <a:rPr lang="nl-NL" sz="1400" dirty="0"/>
+              <a:t>ontwikkelaar wil ik dat het project wordt opgezet, zodat er een goeie basis staat waaraan verder gewerkt kan worden.</a:t>
+            </a:r>
+            <a:endParaRPr lang="nl-NL" dirty="0"/>
+          </a:p>
+        </p:txBody>
+      </p:sp>
+      <p:sp>
+        <p:nvSpPr>
+          <p:cNvPr id="10" name="TextBox 9"/>
+          <p:cNvSpPr txBox="1"/>
+          <p:nvPr/>
+        </p:nvSpPr>
+        <p:spPr>
+          <a:xfrm>
+            <a:off x="6372201" y="1700808"/>
+            <a:ext cx="1872208" cy="1938992"/>
+          </a:xfrm>
+          <a:prstGeom prst="rect">
+            <a:avLst/>
+          </a:prstGeom>
+          <a:noFill/>
+        </p:spPr>
+        <p:txBody>
+          <a:bodyPr wrap="square" rtlCol="0">
+            <a:spAutoFit/>
+          </a:bodyPr>
+          <a:lstStyle/>
+          <a:p>
+            <a:r>
+              <a:rPr lang="nl-NL" sz="1400" dirty="0"/>
+              <a:t>PL004 </a:t>
+            </a:r>
+            <a:endParaRPr lang="nl-NL" sz="1400" dirty="0"/>
+          </a:p>
+          <a:p>
+            <a:r>
+              <a:rPr lang="nl-NL" sz="1400" dirty="0" smtClean="0"/>
+              <a:t>Als </a:t>
+            </a:r>
+            <a:r>
+              <a:rPr lang="nl-NL" sz="1400" dirty="0"/>
+              <a:t>ontwikkelaar wil ik dat een object[] wordt teruggegeven zodat de klant kan inzien hoe zijn Uitvoering was</a:t>
+            </a:r>
+            <a:r>
+              <a:rPr lang="nl-NL" sz="1400" dirty="0" smtClean="0"/>
+              <a:t>.</a:t>
+            </a:r>
+            <a:r>
+              <a:rPr lang="nl-NL" sz="1400" dirty="0"/>
+              <a:t/>
+            </a:r>
+            <a:br>
+              <a:rPr lang="nl-NL" sz="1400" dirty="0"/>
+            </a:br>
+            <a:r>
+              <a:rPr lang="nl-NL" dirty="0"/>
+              <a:t/>
+            </a:r>
+            <a:br>
+              <a:rPr lang="nl-NL" dirty="0"/>
+            </a:br>
+            <a:endParaRPr lang="nl-NL" dirty="0"/>
+          </a:p>
+        </p:txBody>
+      </p:sp>
+      <p:pic>
+        <p:nvPicPr>
+          <p:cNvPr id="13" name="Picture 12" descr="C:\Users\Marijn\Desktop\Untitled-3.png"/>
+          <p:cNvPicPr/>
+          <p:nvPr/>
+        </p:nvPicPr>
+        <p:blipFill>
+          <a:blip r:embed="rId2">
+            <a:extLst>
+              <a:ext uri="{28A0092B-C50C-407E-A947-70E740481C1C}">
+                <a14:useLocalDpi xmlns:a14="http://schemas.microsoft.com/office/drawing/2010/main" val="0"/>
+              </a:ext>
+            </a:extLst>
+          </a:blip>
+          <a:srcRect/>
+          <a:stretch>
+            <a:fillRect/>
+          </a:stretch>
+        </p:blipFill>
+        <p:spPr bwMode="auto">
+          <a:xfrm>
+            <a:off x="2267744" y="3529922"/>
+            <a:ext cx="4464496" cy="3312368"/>
+          </a:xfrm>
+          <a:prstGeom prst="rect">
+            <a:avLst/>
+          </a:prstGeom>
+          <a:noFill/>
+          <a:ln>
+            <a:noFill/>
+          </a:ln>
+        </p:spPr>
+      </p:pic>
+      <p:sp>
+        <p:nvSpPr>
+          <p:cNvPr id="11" name="TextBox 10"/>
+          <p:cNvSpPr txBox="1"/>
+          <p:nvPr/>
+        </p:nvSpPr>
+        <p:spPr>
+          <a:xfrm>
+            <a:off x="3491880" y="4175829"/>
+            <a:ext cx="2016224" cy="1723549"/>
+          </a:xfrm>
+          <a:prstGeom prst="rect">
+            <a:avLst/>
+          </a:prstGeom>
+          <a:noFill/>
+        </p:spPr>
+        <p:txBody>
+          <a:bodyPr wrap="square" rtlCol="0">
+            <a:spAutoFit/>
+          </a:bodyPr>
+          <a:lstStyle/>
+          <a:p>
+            <a:r>
+              <a:rPr lang="nl-NL" sz="1400" dirty="0"/>
+              <a:t>PL002 </a:t>
+            </a:r>
+            <a:endParaRPr lang="nl-NL" sz="1400" dirty="0"/>
+          </a:p>
+          <a:p>
+            <a:r>
+              <a:rPr lang="nl-NL" sz="1400" dirty="0" smtClean="0"/>
+              <a:t>Als </a:t>
+            </a:r>
+            <a:r>
+              <a:rPr lang="nl-NL" sz="1400" dirty="0"/>
+              <a:t>nieuwe sporter wil ik kunnen registreren, zodat zijn account in het systeem staat.</a:t>
+            </a:r>
+            <a:endParaRPr lang="nl-NL" sz="1400" dirty="0"/>
+          </a:p>
+          <a:p>
+            <a:r>
+              <a:rPr lang="nl-NL" dirty="0"/>
+              <a:t/>
+            </a:r>
+            <a:br>
+              <a:rPr lang="nl-NL" dirty="0"/>
+            </a:br>
+            <a:endParaRPr lang="nl-NL" dirty="0"/>
+          </a:p>
+        </p:txBody>
+      </p:sp>
+      <p:pic>
+        <p:nvPicPr>
+          <p:cNvPr id="15" name="Picture 2"/>
+          <p:cNvPicPr>
+            <a:picLocks noChangeAspect="1" noChangeArrowheads="1"/>
+          </p:cNvPicPr>
+          <p:nvPr/>
+        </p:nvPicPr>
+        <p:blipFill>
+          <a:blip r:embed="rId3" cstate="print">
+            <a:extLst>
+              <a:ext uri="{28A0092B-C50C-407E-A947-70E740481C1C}">
+                <a14:useLocalDpi xmlns:a14="http://schemas.microsoft.com/office/drawing/2010/main" val="0"/>
+              </a:ext>
+            </a:extLst>
+          </a:blip>
+          <a:srcRect/>
+          <a:stretch>
+            <a:fillRect/>
+          </a:stretch>
+        </p:blipFill>
+        <p:spPr bwMode="auto">
+          <a:xfrm>
+            <a:off x="7740352" y="5465524"/>
+            <a:ext cx="1080120" cy="1080120"/>
+          </a:xfrm>
+          <a:prstGeom prst="rect">
+            <a:avLst/>
+          </a:prstGeom>
+          <a:noFill/>
+          <a:ln>
+            <a:noFill/>
+          </a:ln>
+          <a:effectLst/>
+          <a:extLst>
+            <a:ext uri="{909E8E84-426E-40DD-AFC4-6F175D3DCCD1}">
+              <a14:hiddenFill xmlns:a14="http://schemas.microsoft.com/office/drawing/2010/main">
+                <a:solidFill>
+                  <a:schemeClr val="accent1"/>
+                </a:solidFill>
+              </a14:hiddenFill>
+            </a:ext>
+            <a:ext uri="{91240B29-F687-4F45-9708-019B960494DF}">
+              <a14:hiddenLine xmlns:a14="http://schemas.microsoft.com/office/drawing/2010/main" w="9525">
+                <a:solidFill>
+                  <a:schemeClr val="tx1"/>
+                </a:solidFill>
+                <a:miter lim="800000"/>
+                <a:headEnd/>
+                <a:tailEnd/>
+              </a14:hiddenLine>
+            </a:ext>
+            <a:ext uri="{AF507438-7753-43E0-B8FC-AC1667EBCBE1}">
+              <a14:hiddenEffects xmlns:a14="http://schemas.microsoft.com/office/drawing/2010/main">
+                <a:effectLst>
+                  <a:outerShdw dist="35921" dir="2700000" algn="ctr" rotWithShape="0">
+                    <a:schemeClr val="bg2"/>
+                  </a:outerShdw>
+                </a:effectLst>
+              </a14:hiddenEffects>
+            </a:ext>
+          </a:extLst>
+        </p:spPr>
+      </p:pic>
+    </p:spTree>
+    <p:extLst>
+      <p:ext uri="{BB962C8B-B14F-4D97-AF65-F5344CB8AC3E}">
+        <p14:creationId xmlns:p14="http://schemas.microsoft.com/office/powerpoint/2010/main" val="4133752792"/>
+      </p:ext>
+    </p:extLst>
+  </p:cSld>
+  <p:clrMapOvr>
+    <a:masterClrMapping/>
+  </p:clrMapOvr>
+  <mc:AlternateContent xmlns:mc="http://schemas.openxmlformats.org/markup-compatibility/2006" xmlns:p14="http://schemas.microsoft.com/office/powerpoint/2010/main">
+    <mc:Choice Requires="p14">
+      <p:transition spd="slow" p14:dur="2000"/>
+    </mc:Choice>
+    <mc:Fallback xmlns="">
+      <p:transition spd="slow"/>
+    </mc:Fallback>
+  </mc:AlternateContent>
+  <p:timing>
+    <p:tnLst>
+      <p:par>
+        <p:cTn id="1" dur="indefinite" restart="never" nodeType="tmRoot"/>
+      </p:par>
+    </p:tnLst>
+  </p:timing>
+</p:sld>
+</file>
+
+<file path=ppt/slides/slide5.xml><?xml version="1.0" encoding="utf-8"?>
+<p:sld xmlns:a="http://schemas.openxmlformats.org/drawingml/2006/main" xmlns:r="http://schemas.openxmlformats.org/officeDocument/2006/relationships" xmlns:p="http://schemas.openxmlformats.org/presentationml/2006/main">
+  <p:cSld>
+    <p:spTree>
+      <p:nvGrpSpPr>
+        <p:cNvPr id="1" name=""/>
+        <p:cNvGrpSpPr/>
+        <p:nvPr/>
+      </p:nvGrpSpPr>
+      <p:grpSpPr>
+        <a:xfrm>
+          <a:off x="0" y="0"/>
+          <a:ext cx="0" cy="0"/>
+          <a:chOff x="0" y="0"/>
+          <a:chExt cx="0" cy="0"/>
+        </a:xfrm>
+      </p:grpSpPr>
+      <p:sp>
+        <p:nvSpPr>
+          <p:cNvPr id="2" name="Titel 1"/>
+          <p:cNvSpPr>
+            <a:spLocks noGrp="1"/>
+          </p:cNvSpPr>
+          <p:nvPr>
+            <p:ph type="title"/>
+          </p:nvPr>
+        </p:nvSpPr>
+        <p:spPr/>
+        <p:txBody>
+          <a:bodyPr>
+            <a:normAutofit/>
+          </a:bodyPr>
+          <a:lstStyle/>
+          <a:p>
+            <a:r>
+              <a:rPr lang="nl-NL" dirty="0" smtClean="0">
+                <a:latin typeface="Britannic Bold" pitchFamily="34" charset="0"/>
+              </a:rPr>
+              <a:t>User story analyse</a:t>
+            </a:r>
+            <a:endParaRPr lang="nl-NL" dirty="0">
+              <a:latin typeface="Britannic Bold" pitchFamily="34" charset="0"/>
+            </a:endParaRPr>
+          </a:p>
+        </p:txBody>
+      </p:sp>
+      <p:sp>
+        <p:nvSpPr>
+          <p:cNvPr id="4" name="Tijdelijke aanduiding voor inhoud 2"/>
+          <p:cNvSpPr>
+            <a:spLocks noGrp="1"/>
+          </p:cNvSpPr>
+          <p:nvPr>
+            <p:ph idx="1"/>
+          </p:nvPr>
+        </p:nvSpPr>
+        <p:spPr>
+          <a:xfrm>
+            <a:off x="457200" y="1600200"/>
+            <a:ext cx="4402832" cy="4525963"/>
+          </a:xfrm>
+        </p:spPr>
+        <p:txBody>
+          <a:bodyPr>
+            <a:normAutofit/>
+          </a:bodyPr>
+          <a:lstStyle/>
+          <a:p>
             <a:r>
               <a:rPr lang="nl-NL" sz="2400" dirty="0" smtClean="0"/>
               <a:t>Inloggen</a:t>
@@ -4314,7 +5420,6 @@
               <a:rPr lang="nl-NL" sz="2400" dirty="0" smtClean="0"/>
               <a:t>Sporteropties toevoegen</a:t>
             </a:r>
-            <a:endParaRPr lang="nl-NL" sz="2400" dirty="0" smtClean="0"/>
           </a:p>
           <a:p>
             <a:pPr marL="0" indent="0">
@@ -4325,11 +5430,7 @@
           <a:p>
             <a:r>
               <a:rPr lang="nl-NL" sz="2400" dirty="0" smtClean="0"/>
-              <a:t>Coachopties </a:t>
-            </a:r>
-            <a:r>
-              <a:rPr lang="nl-NL" sz="2400" dirty="0" smtClean="0"/>
-              <a:t>toevoegen (</a:t>
+              <a:t>Coachopties toevoegen (</a:t>
             </a:r>
             <a:r>
               <a:rPr lang="nl-NL" sz="2400" dirty="0" err="1" smtClean="0"/>
@@ -4624,7 +5725,7 @@
         </p:nvSpPr>
         <p:spPr>
           <a:xfrm>
-            <a:off x="6764798" y="2312876"/>
+            <a:off x="6838050" y="2312876"/>
             <a:ext cx="1733833" cy="1080120"/>
           </a:xfrm>
           <a:prstGeom prst="ellipse">
@@ -4713,124 +5814,74 @@
           </a:p>
         </p:txBody>
       </p:sp>
+      <p:pic>
+        <p:nvPicPr>
+          <p:cNvPr id="14" name="Picture 2"/>
+          <p:cNvPicPr>
+            <a:picLocks noChangeAspect="1" noChangeArrowheads="1"/>
+          </p:cNvPicPr>
+          <p:nvPr/>
+        </p:nvPicPr>
+        <p:blipFill>
+          <a:blip r:embed="rId3" cstate="print">
+            <a:extLst>
+              <a:ext uri="{28A0092B-C50C-407E-A947-70E740481C1C}">
+                <a14:useLocalDpi xmlns:a14="http://schemas.microsoft.com/office/drawing/2010/main" val="0"/>
+              </a:ext>
+            </a:extLst>
+          </a:blip>
+          <a:srcRect/>
+          <a:stretch>
+            <a:fillRect/>
+          </a:stretch>
+        </p:blipFill>
+        <p:spPr bwMode="auto">
+          <a:xfrm>
+            <a:off x="7740352" y="5465524"/>
+            <a:ext cx="1080120" cy="1080120"/>
+          </a:xfrm>
+          <a:prstGeom prst="rect">
+            <a:avLst/>
+          </a:prstGeom>
+          <a:noFill/>
+          <a:ln>
+            <a:noFill/>
+          </a:ln>
+          <a:effectLst/>
+          <a:extLst>
+            <a:ext uri="{909E8E84-426E-40DD-AFC4-6F175D3DCCD1}">
+              <a14:hiddenFill xmlns:a14="http://schemas.microsoft.com/office/drawing/2010/main">
+                <a:solidFill>
+                  <a:schemeClr val="accent1"/>
+                </a:solidFill>
+              </a14:hiddenFill>
+            </a:ext>
+            <a:ext uri="{91240B29-F687-4F45-9708-019B960494DF}">
+              <a14:hiddenLine xmlns:a14="http://schemas.microsoft.com/office/drawing/2010/main" w="9525">
+                <a:solidFill>
+                  <a:schemeClr val="tx1"/>
+                </a:solidFill>
+                <a:miter lim="800000"/>
+                <a:headEnd/>
+                <a:tailEnd/>
+              </a14:hiddenLine>
+            </a:ext>
+            <a:ext uri="{AF507438-7753-43E0-B8FC-AC1667EBCBE1}">
+              <a14:hiddenEffects xmlns:a14="http://schemas.microsoft.com/office/drawing/2010/main">
+                <a:effectLst>
+                  <a:outerShdw dist="35921" dir="2700000" algn="ctr" rotWithShape="0">
+                    <a:schemeClr val="bg2"/>
+                  </a:outerShdw>
+                </a:effectLst>
+              </a14:hiddenEffects>
+            </a:ext>
+          </a:extLst>
+        </p:spPr>
+      </p:pic>
     </p:spTree>
     <p:extLst>
       <p:ext uri="{BB962C8B-B14F-4D97-AF65-F5344CB8AC3E}">
         <p14:creationId xmlns:p14="http://schemas.microsoft.com/office/powerpoint/2010/main" val="3318139711"/>
-      </p:ext>
-    </p:extLst>
-  </p:cSld>
-  <p:clrMapOvr>
-    <a:masterClrMapping/>
-  </p:clrMapOvr>
-  <mc:AlternateContent xmlns:mc="http://schemas.openxmlformats.org/markup-compatibility/2006" xmlns:p14="http://schemas.microsoft.com/office/powerpoint/2010/main">
-    <mc:Choice Requires="p14">
-      <p:transition spd="slow" p14:dur="2000"/>
-    </mc:Choice>
-    <mc:Fallback xmlns="">
-      <p:transition spd="slow"/>
-    </mc:Fallback>
-  </mc:AlternateContent>
-  <p:timing>
-    <p:tnLst>
-      <p:par>
-        <p:cTn id="1" dur="indefinite" restart="never" nodeType="tmRoot"/>
-      </p:par>
-    </p:tnLst>
-  </p:timing>
-</p:sld>
-</file>
-
-<file path=ppt/slides/slide5.xml><?xml version="1.0" encoding="utf-8"?>
-<p:sld xmlns:a="http://schemas.openxmlformats.org/drawingml/2006/main" xmlns:r="http://schemas.openxmlformats.org/officeDocument/2006/relationships" xmlns:p="http://schemas.openxmlformats.org/presentationml/2006/main">
-  <p:cSld>
-    <p:spTree>
-      <p:nvGrpSpPr>
-        <p:cNvPr id="1" name=""/>
-        <p:cNvGrpSpPr/>
-        <p:nvPr/>
-      </p:nvGrpSpPr>
-      <p:grpSpPr>
-        <a:xfrm>
-          <a:off x="0" y="0"/>
-          <a:ext cx="0" cy="0"/>
-          <a:chOff x="0" y="0"/>
-          <a:chExt cx="0" cy="0"/>
-        </a:xfrm>
-      </p:grpSpPr>
-      <p:sp>
-        <p:nvSpPr>
-          <p:cNvPr id="2" name="Titel 1"/>
-          <p:cNvSpPr>
-            <a:spLocks noGrp="1"/>
-          </p:cNvSpPr>
-          <p:nvPr>
-            <p:ph type="title"/>
-          </p:nvPr>
-        </p:nvSpPr>
-        <p:spPr/>
-        <p:txBody>
-          <a:bodyPr>
-            <a:normAutofit/>
-          </a:bodyPr>
-          <a:lstStyle/>
-          <a:p>
-            <a:r>
-              <a:rPr lang="nl-NL" dirty="0" smtClean="0"/>
-              <a:t>User story </a:t>
-            </a:r>
-            <a:r>
-              <a:rPr lang="nl-NL" dirty="0" smtClean="0"/>
-              <a:t>analyse</a:t>
-            </a:r>
-            <a:endParaRPr lang="nl-NL" dirty="0"/>
-          </a:p>
-        </p:txBody>
-      </p:sp>
-      <p:sp>
-        <p:nvSpPr>
-          <p:cNvPr id="4" name="Tijdelijke aanduiding voor inhoud 2"/>
-          <p:cNvSpPr>
-            <a:spLocks noGrp="1"/>
-          </p:cNvSpPr>
-          <p:nvPr>
-            <p:ph idx="1"/>
-          </p:nvPr>
-        </p:nvSpPr>
-        <p:spPr>
-          <a:xfrm>
-            <a:off x="457200" y="1600200"/>
-            <a:ext cx="4402832" cy="4525963"/>
-          </a:xfrm>
-        </p:spPr>
-        <p:txBody>
-          <a:bodyPr>
-            <a:normAutofit/>
-          </a:bodyPr>
-          <a:lstStyle/>
-          <a:p>
-            <a:r>
-              <a:rPr lang="nl-NL" dirty="0" smtClean="0"/>
-              <a:t>Inloggen</a:t>
-            </a:r>
-            <a:endParaRPr lang="nl-NL" dirty="0" smtClean="0"/>
-          </a:p>
-          <a:p>
-            <a:endParaRPr lang="nl-NL" dirty="0" smtClean="0"/>
-          </a:p>
-          <a:p>
-            <a:pPr lvl="1"/>
-            <a:endParaRPr lang="nl-NL" dirty="0" smtClean="0"/>
-          </a:p>
-          <a:p>
-            <a:endParaRPr lang="nl-NL" dirty="0" smtClean="0"/>
-          </a:p>
-        </p:txBody>
-      </p:sp>
-    </p:spTree>
-    <p:extLst>
-      <p:ext uri="{BB962C8B-B14F-4D97-AF65-F5344CB8AC3E}">
-        <p14:creationId xmlns:p14="http://schemas.microsoft.com/office/powerpoint/2010/main" val="4133752792"/>
       </p:ext>
     </p:extLst>
   </p:cSld>
@@ -4890,14 +5941,14 @@
           <a:lstStyle/>
           <a:p>
             <a:r>
-              <a:rPr lang="nl-NL" dirty="0" smtClean="0"/>
-              <a:t>User story </a:t>
-            </a:r>
-            <a:r>
-              <a:rPr lang="nl-NL" dirty="0" smtClean="0"/>
-              <a:t>analyse</a:t>
-            </a:r>
-            <a:endParaRPr lang="nl-NL" dirty="0"/>
+              <a:rPr lang="nl-NL" dirty="0" smtClean="0">
+                <a:latin typeface="Britannic Bold" pitchFamily="34" charset="0"/>
+              </a:rPr>
+              <a:t>User story analyse</a:t>
+            </a:r>
+            <a:endParaRPr lang="nl-NL" dirty="0">
+              <a:latin typeface="Britannic Bold" pitchFamily="34" charset="0"/>
+            </a:endParaRPr>
           </a:p>
         </p:txBody>
       </p:sp>
@@ -4914,7 +5965,7 @@
         <p:spPr>
           <a:xfrm>
             <a:off x="457200" y="1600200"/>
-            <a:ext cx="4618856" cy="4525963"/>
+            <a:ext cx="4402832" cy="4525963"/>
           </a:xfrm>
         </p:spPr>
         <p:txBody>
@@ -4925,30 +5976,34 @@
           <a:p>
             <a:r>
               <a:rPr lang="nl-NL" dirty="0" smtClean="0"/>
-              <a:t>Sporteropties toevoegen</a:t>
+              <a:t>Inlogscherm</a:t>
+            </a:r>
+          </a:p>
+          <a:p>
+            <a:pPr lvl="1"/>
+            <a:r>
+              <a:rPr lang="en-US" dirty="0" err="1" smtClean="0"/>
+              <a:t>Sporter</a:t>
+            </a:r>
+            <a:endParaRPr lang="en-US" dirty="0" smtClean="0"/>
+          </a:p>
+          <a:p>
+            <a:pPr lvl="1"/>
+            <a:r>
+              <a:rPr lang="en-US" dirty="0" smtClean="0"/>
+              <a:t>Coach</a:t>
+            </a:r>
+          </a:p>
+          <a:p>
+            <a:pPr lvl="1"/>
+            <a:r>
+              <a:rPr lang="en-US" dirty="0" err="1" smtClean="0"/>
+              <a:t>Registreren</a:t>
             </a:r>
             <a:endParaRPr lang="nl-NL" dirty="0" smtClean="0"/>
           </a:p>
           <a:p>
-            <a:pPr lvl="1"/>
-            <a:r>
-              <a:rPr lang="nl-NL" dirty="0" smtClean="0"/>
-              <a:t>Oefening inlezen</a:t>
-            </a:r>
-          </a:p>
-          <a:p>
-            <a:pPr lvl="1"/>
-            <a:r>
-              <a:rPr lang="nl-NL" dirty="0" smtClean="0"/>
-              <a:t>Planning bekijken/aanvragen</a:t>
-            </a:r>
-          </a:p>
-          <a:p>
-            <a:pPr lvl="1"/>
-            <a:r>
-              <a:rPr lang="nl-NL" dirty="0" smtClean="0"/>
-              <a:t>Oefening registreren</a:t>
-            </a:r>
+            <a:endParaRPr lang="nl-NL" dirty="0" smtClean="0"/>
           </a:p>
           <a:p>
             <a:pPr lvl="1"/>
@@ -4957,19 +6012,138 @@
           <a:p>
             <a:endParaRPr lang="nl-NL" dirty="0" smtClean="0"/>
           </a:p>
-          <a:p>
-            <a:pPr lvl="1"/>
-            <a:endParaRPr lang="nl-NL" dirty="0" smtClean="0"/>
-          </a:p>
-          <a:p>
-            <a:endParaRPr lang="nl-NL" dirty="0" smtClean="0"/>
-          </a:p>
-        </p:txBody>
-      </p:sp>
+        </p:txBody>
+      </p:sp>
+      <p:pic>
+        <p:nvPicPr>
+          <p:cNvPr id="11266" name="Picture 2"/>
+          <p:cNvPicPr>
+            <a:picLocks noChangeAspect="1" noChangeArrowheads="1"/>
+          </p:cNvPicPr>
+          <p:nvPr/>
+        </p:nvPicPr>
+        <p:blipFill rotWithShape="1">
+          <a:blip r:embed="rId2">
+            <a:extLst>
+              <a:ext uri="{28A0092B-C50C-407E-A947-70E740481C1C}">
+                <a14:useLocalDpi xmlns:a14="http://schemas.microsoft.com/office/drawing/2010/main" val="0"/>
+              </a:ext>
+            </a:extLst>
+          </a:blip>
+          <a:srcRect r="2298"/>
+          <a:stretch/>
+        </p:blipFill>
+        <p:spPr bwMode="auto">
+          <a:xfrm>
+            <a:off x="4139952" y="1700808"/>
+            <a:ext cx="4010125" cy="2643861"/>
+          </a:xfrm>
+          <a:prstGeom prst="rect">
+            <a:avLst/>
+          </a:prstGeom>
+          <a:noFill/>
+          <a:ln>
+            <a:noFill/>
+          </a:ln>
+          <a:effectLst/>
+          <a:extLst>
+            <a:ext uri="{909E8E84-426E-40DD-AFC4-6F175D3DCCD1}">
+              <a14:hiddenFill xmlns:a14="http://schemas.microsoft.com/office/drawing/2010/main">
+                <a:solidFill>
+                  <a:schemeClr val="accent1"/>
+                </a:solidFill>
+              </a14:hiddenFill>
+            </a:ext>
+            <a:ext uri="{91240B29-F687-4F45-9708-019B960494DF}">
+              <a14:hiddenLine xmlns:a14="http://schemas.microsoft.com/office/drawing/2010/main" w="9525">
+                <a:solidFill>
+                  <a:schemeClr val="tx1"/>
+                </a:solidFill>
+                <a:miter lim="800000"/>
+                <a:headEnd/>
+                <a:tailEnd/>
+              </a14:hiddenLine>
+            </a:ext>
+            <a:ext uri="{AF507438-7753-43E0-B8FC-AC1667EBCBE1}">
+              <a14:hiddenEffects xmlns:a14="http://schemas.microsoft.com/office/drawing/2010/main">
+                <a:effectLst>
+                  <a:outerShdw dist="35921" dir="2700000" algn="ctr" rotWithShape="0">
+                    <a:schemeClr val="bg2"/>
+                  </a:outerShdw>
+                </a:effectLst>
+              </a14:hiddenEffects>
+            </a:ext>
+          </a:extLst>
+        </p:spPr>
+      </p:pic>
+      <p:pic>
+        <p:nvPicPr>
+          <p:cNvPr id="12" name="Picture 2"/>
+          <p:cNvPicPr>
+            <a:picLocks noChangeAspect="1" noChangeArrowheads="1"/>
+          </p:cNvPicPr>
+          <p:nvPr/>
+        </p:nvPicPr>
+        <p:blipFill>
+          <a:blip r:embed="rId3" cstate="print">
+            <a:extLst>
+              <a:ext uri="{28A0092B-C50C-407E-A947-70E740481C1C}">
+                <a14:useLocalDpi xmlns:a14="http://schemas.microsoft.com/office/drawing/2010/main" val="0"/>
+              </a:ext>
+            </a:extLst>
+          </a:blip>
+          <a:srcRect/>
+          <a:stretch>
+            <a:fillRect/>
+          </a:stretch>
+        </p:blipFill>
+        <p:spPr bwMode="auto">
+          <a:xfrm>
+            <a:off x="7740352" y="5465524"/>
+            <a:ext cx="1080120" cy="1080120"/>
+          </a:xfrm>
+          <a:prstGeom prst="rect">
+            <a:avLst/>
+          </a:prstGeom>
+          <a:noFill/>
+          <a:ln>
+            <a:noFill/>
+          </a:ln>
+          <a:effectLst/>
+          <a:extLst>
+            <a:ext uri="{909E8E84-426E-40DD-AFC4-6F175D3DCCD1}">
+              <a14:hiddenFill xmlns:a14="http://schemas.microsoft.com/office/drawing/2010/main">
+                <a:solidFill>
+                  <a:schemeClr val="accent1"/>
+                </a:solidFill>
+              </a14:hiddenFill>
+            </a:ext>
+            <a:ext uri="{91240B29-F687-4F45-9708-019B960494DF}">
+              <a14:hiddenLine xmlns:a14="http://schemas.microsoft.com/office/drawing/2010/main" w="9525">
+                <a:solidFill>
+                  <a:schemeClr val="tx1"/>
+                </a:solidFill>
+                <a:miter lim="800000"/>
+                <a:headEnd/>
+                <a:tailEnd/>
+              </a14:hiddenLine>
+            </a:ext>
+            <a:ext uri="{AF507438-7753-43E0-B8FC-AC1667EBCBE1}">
+              <a14:hiddenEffects xmlns:a14="http://schemas.microsoft.com/office/drawing/2010/main">
+                <a:effectLst>
+                  <a:outerShdw dist="35921" dir="2700000" algn="ctr" rotWithShape="0">
+                    <a:schemeClr val="bg2"/>
+                  </a:outerShdw>
+                </a:effectLst>
+              </a14:hiddenEffects>
+            </a:ext>
+          </a:extLst>
+        </p:spPr>
+      </p:pic>
     </p:spTree>
     <p:extLst>
       <p:ext uri="{BB962C8B-B14F-4D97-AF65-F5344CB8AC3E}">
-        <p14:creationId xmlns:p14="http://schemas.microsoft.com/office/powerpoint/2010/main" val="4133752792"/>
+        <p14:creationId xmlns:p14="http://schemas.microsoft.com/office/powerpoint/2010/main" val="3780345743"/>
       </p:ext>
     </p:extLst>
   </p:cSld>
@@ -5029,14 +6203,14 @@
           <a:lstStyle/>
           <a:p>
             <a:r>
-              <a:rPr lang="nl-NL" dirty="0" smtClean="0"/>
-              <a:t>User story </a:t>
-            </a:r>
-            <a:r>
-              <a:rPr lang="nl-NL" dirty="0" smtClean="0"/>
-              <a:t>analyse</a:t>
-            </a:r>
-            <a:endParaRPr lang="nl-NL" dirty="0"/>
+              <a:rPr lang="nl-NL" dirty="0" smtClean="0">
+                <a:latin typeface="Britannic Bold" pitchFamily="34" charset="0"/>
+              </a:rPr>
+              <a:t>User story analyse</a:t>
+            </a:r>
+            <a:endParaRPr lang="nl-NL" dirty="0">
+              <a:latin typeface="Britannic Bold" pitchFamily="34" charset="0"/>
+            </a:endParaRPr>
           </a:p>
         </p:txBody>
       </p:sp>
@@ -5053,7 +6227,7 @@
         <p:spPr>
           <a:xfrm>
             <a:off x="457200" y="1600200"/>
-            <a:ext cx="4402832" cy="4525963"/>
+            <a:ext cx="4618856" cy="4525963"/>
           </a:xfrm>
         </p:spPr>
         <p:txBody>
@@ -5064,51 +6238,29 @@
           <a:p>
             <a:r>
               <a:rPr lang="nl-NL" dirty="0" smtClean="0"/>
-              <a:t>Coachopties </a:t>
-            </a:r>
+              <a:t>Sporteropties toevoegen</a:t>
+            </a:r>
+          </a:p>
+          <a:p>
+            <a:pPr lvl="1"/>
             <a:r>
               <a:rPr lang="nl-NL" dirty="0" smtClean="0"/>
-              <a:t>toevoegen (</a:t>
-            </a:r>
-            <a:r>
-              <a:rPr lang="nl-NL" dirty="0" err="1" smtClean="0"/>
-              <a:t>Angular</a:t>
-            </a:r>
+              <a:t>Oefening inlezen</a:t>
+            </a:r>
+          </a:p>
+          <a:p>
+            <a:pPr lvl="1"/>
             <a:r>
               <a:rPr lang="nl-NL" dirty="0" smtClean="0"/>
-              <a:t>)</a:t>
+              <a:t>Planning bekijken/aanvragen</a:t>
             </a:r>
           </a:p>
           <a:p>
             <a:pPr lvl="1"/>
             <a:r>
               <a:rPr lang="nl-NL" dirty="0" smtClean="0"/>
-              <a:t>Oefening maken</a:t>
-            </a:r>
-          </a:p>
-          <a:p>
-            <a:pPr lvl="1"/>
-            <a:r>
-              <a:rPr lang="nl-NL" dirty="0" smtClean="0"/>
-              <a:t>Planning </a:t>
-            </a:r>
-            <a:r>
-              <a:rPr lang="nl-NL" dirty="0" smtClean="0"/>
-              <a:t>maken</a:t>
-            </a:r>
-          </a:p>
-          <a:p>
-            <a:pPr lvl="1"/>
-            <a:r>
-              <a:rPr lang="nl-NL" dirty="0" smtClean="0"/>
-              <a:t>Voortgangen bekijken</a:t>
-            </a:r>
-          </a:p>
-          <a:p>
-            <a:endParaRPr lang="nl-NL" dirty="0" smtClean="0"/>
-          </a:p>
-          <a:p>
-            <a:endParaRPr lang="nl-NL" dirty="0" smtClean="0"/>
+              <a:t>Oefening registreren</a:t>
+            </a:r>
           </a:p>
           <a:p>
             <a:pPr lvl="1"/>
@@ -5117,8 +6269,143 @@
           <a:p>
             <a:endParaRPr lang="nl-NL" dirty="0" smtClean="0"/>
           </a:p>
-        </p:txBody>
-      </p:sp>
+          <a:p>
+            <a:pPr lvl="1"/>
+            <a:endParaRPr lang="nl-NL" dirty="0" smtClean="0"/>
+          </a:p>
+          <a:p>
+            <a:endParaRPr lang="nl-NL" dirty="0" smtClean="0"/>
+          </a:p>
+        </p:txBody>
+      </p:sp>
+      <p:pic>
+        <p:nvPicPr>
+          <p:cNvPr id="6145" name="Picture 1"/>
+          <p:cNvPicPr>
+            <a:picLocks noChangeAspect="1" noChangeArrowheads="1"/>
+          </p:cNvPicPr>
+          <p:nvPr/>
+        </p:nvPicPr>
+        <p:blipFill>
+          <a:blip r:embed="rId2">
+            <a:extLst>
+              <a:ext uri="{28A0092B-C50C-407E-A947-70E740481C1C}">
+                <a14:useLocalDpi xmlns:a14="http://schemas.microsoft.com/office/drawing/2010/main" val="0"/>
+              </a:ext>
+            </a:extLst>
+          </a:blip>
+          <a:srcRect/>
+          <a:stretch>
+            <a:fillRect/>
+          </a:stretch>
+        </p:blipFill>
+        <p:spPr bwMode="auto">
+          <a:xfrm>
+            <a:off x="5436096" y="1443107"/>
+            <a:ext cx="3168352" cy="3097944"/>
+          </a:xfrm>
+          <a:prstGeom prst="rect">
+            <a:avLst/>
+          </a:prstGeom>
+          <a:noFill/>
+          <a:ln>
+            <a:noFill/>
+          </a:ln>
+          <a:effectLst/>
+          <a:extLst>
+            <a:ext uri="{909E8E84-426E-40DD-AFC4-6F175D3DCCD1}">
+              <a14:hiddenFill xmlns:a14="http://schemas.microsoft.com/office/drawing/2010/main">
+                <a:solidFill>
+                  <a:schemeClr val="accent1"/>
+                </a:solidFill>
+              </a14:hiddenFill>
+            </a:ext>
+            <a:ext uri="{91240B29-F687-4F45-9708-019B960494DF}">
+              <a14:hiddenLine xmlns:a14="http://schemas.microsoft.com/office/drawing/2010/main" w="9525">
+                <a:solidFill>
+                  <a:schemeClr val="tx1"/>
+                </a:solidFill>
+                <a:miter lim="800000"/>
+                <a:headEnd/>
+                <a:tailEnd/>
+              </a14:hiddenLine>
+            </a:ext>
+            <a:ext uri="{AF507438-7753-43E0-B8FC-AC1667EBCBE1}">
+              <a14:hiddenEffects xmlns:a14="http://schemas.microsoft.com/office/drawing/2010/main">
+                <a:effectLst>
+                  <a:outerShdw dist="35921" dir="2700000" algn="ctr" rotWithShape="0">
+                    <a:schemeClr val="bg2"/>
+                  </a:outerShdw>
+                </a:effectLst>
+              </a14:hiddenEffects>
+            </a:ext>
+          </a:extLst>
+        </p:spPr>
+      </p:pic>
+      <p:pic>
+        <p:nvPicPr>
+          <p:cNvPr id="6" name="Picture 2"/>
+          <p:cNvPicPr>
+            <a:picLocks noChangeAspect="1" noChangeArrowheads="1"/>
+          </p:cNvPicPr>
+          <p:nvPr/>
+        </p:nvPicPr>
+        <p:blipFill>
+          <a:blip r:embed="rId3" cstate="print">
+            <a:extLst>
+              <a:ext uri="{28A0092B-C50C-407E-A947-70E740481C1C}">
+                <a14:useLocalDpi xmlns:a14="http://schemas.microsoft.com/office/drawing/2010/main" val="0"/>
+              </a:ext>
+            </a:extLst>
+          </a:blip>
+          <a:srcRect/>
+          <a:stretch>
+            <a:fillRect/>
+          </a:stretch>
+        </p:blipFill>
+        <p:spPr bwMode="auto">
+          <a:xfrm>
+            <a:off x="7740352" y="5465524"/>
+            <a:ext cx="1080120" cy="1080120"/>
+          </a:xfrm>
+          <a:prstGeom prst="rect">
+            <a:avLst/>
+          </a:prstGeom>
+          <a:noFill/>
+          <a:ln>
+            <a:noFill/>
+          </a:ln>
+          <a:effectLst/>
+          <a:extLst>
+            <a:ext uri="{909E8E84-426E-40DD-AFC4-6F175D3DCCD1}">
+              <a14:hiddenFill xmlns:a14="http://schemas.microsoft.com/office/drawing/2010/main">
+                <a:solidFill>
+                  <a:schemeClr val="accent1"/>
+                </a:solidFill>
+              </a14:hiddenFill>
+            </a:ext>
+            <a:ext uri="{91240B29-F687-4F45-9708-019B960494DF}">
+              <a14:hiddenLine xmlns:a14="http://schemas.microsoft.com/office/drawing/2010/main" w="9525">
+                <a:solidFill>
+                  <a:schemeClr val="tx1"/>
+                </a:solidFill>
+                <a:miter lim="800000"/>
+                <a:headEnd/>
+                <a:tailEnd/>
+              </a14:hiddenLine>
+            </a:ext>
+            <a:ext uri="{AF507438-7753-43E0-B8FC-AC1667EBCBE1}">
+              <a14:hiddenEffects xmlns:a14="http://schemas.microsoft.com/office/drawing/2010/main">
+                <a:effectLst>
+                  <a:outerShdw dist="35921" dir="2700000" algn="ctr" rotWithShape="0">
+                    <a:schemeClr val="bg2"/>
+                  </a:outerShdw>
+                </a:effectLst>
+              </a14:hiddenEffects>
+            </a:ext>
+          </a:extLst>
+        </p:spPr>
+      </p:pic>
     </p:spTree>
     <p:extLst>
       <p:ext uri="{BB962C8B-B14F-4D97-AF65-F5344CB8AC3E}">
@@ -5164,16 +6451,155 @@
           <a:chExt cx="0" cy="0"/>
         </a:xfrm>
       </p:grpSpPr>
+      <p:sp>
+        <p:nvSpPr>
+          <p:cNvPr id="2" name="Titel 1"/>
+          <p:cNvSpPr>
+            <a:spLocks noGrp="1"/>
+          </p:cNvSpPr>
+          <p:nvPr>
+            <p:ph type="title"/>
+          </p:nvPr>
+        </p:nvSpPr>
+        <p:spPr/>
+        <p:txBody>
+          <a:bodyPr>
+            <a:normAutofit/>
+          </a:bodyPr>
+          <a:lstStyle/>
+          <a:p>
+            <a:r>
+              <a:rPr lang="nl-NL" dirty="0" smtClean="0">
+                <a:latin typeface="Britannic Bold" pitchFamily="34" charset="0"/>
+              </a:rPr>
+              <a:t>User story analyse</a:t>
+            </a:r>
+            <a:endParaRPr lang="nl-NL" dirty="0">
+              <a:latin typeface="Britannic Bold" pitchFamily="34" charset="0"/>
+            </a:endParaRPr>
+          </a:p>
+        </p:txBody>
+      </p:sp>
+      <p:sp>
+        <p:nvSpPr>
+          <p:cNvPr id="4" name="Tijdelijke aanduiding voor inhoud 2"/>
+          <p:cNvSpPr>
+            <a:spLocks noGrp="1"/>
+          </p:cNvSpPr>
+          <p:nvPr>
+            <p:ph idx="1"/>
+          </p:nvPr>
+        </p:nvSpPr>
+        <p:spPr>
+          <a:xfrm>
+            <a:off x="457200" y="1600200"/>
+            <a:ext cx="4402832" cy="4525963"/>
+          </a:xfrm>
+        </p:spPr>
+        <p:txBody>
+          <a:bodyPr>
+            <a:normAutofit/>
+          </a:bodyPr>
+          <a:lstStyle/>
+          <a:p>
+            <a:r>
+              <a:rPr lang="nl-NL" dirty="0" smtClean="0"/>
+              <a:t>Coachopties toevoegen (</a:t>
+            </a:r>
+            <a:r>
+              <a:rPr lang="nl-NL" dirty="0" err="1" smtClean="0"/>
+              <a:t>Angular</a:t>
+            </a:r>
+            <a:r>
+              <a:rPr lang="nl-NL" dirty="0" smtClean="0"/>
+              <a:t>)</a:t>
+            </a:r>
+          </a:p>
+          <a:p>
+            <a:pPr lvl="1"/>
+            <a:r>
+              <a:rPr lang="nl-NL" dirty="0" smtClean="0"/>
+              <a:t>Oefening maken</a:t>
+            </a:r>
+          </a:p>
+          <a:p>
+            <a:pPr lvl="1"/>
+            <a:r>
+              <a:rPr lang="nl-NL" dirty="0" smtClean="0"/>
+              <a:t>Planning maken</a:t>
+            </a:r>
+          </a:p>
+          <a:p>
+            <a:pPr lvl="1"/>
+            <a:r>
+              <a:rPr lang="nl-NL" dirty="0" smtClean="0"/>
+              <a:t>Voortgangen bekijken</a:t>
+            </a:r>
+          </a:p>
+          <a:p>
+            <a:endParaRPr lang="nl-NL" dirty="0" smtClean="0"/>
+          </a:p>
+          <a:p>
+            <a:endParaRPr lang="nl-NL" dirty="0" smtClean="0"/>
+          </a:p>
+          <a:p>
+            <a:pPr lvl="1"/>
+            <a:endParaRPr lang="nl-NL" dirty="0" smtClean="0"/>
+          </a:p>
+          <a:p>
+            <a:endParaRPr lang="nl-NL" dirty="0" smtClean="0"/>
+          </a:p>
+        </p:txBody>
+      </p:sp>
       <p:pic>
         <p:nvPicPr>
-          <p:cNvPr id="3074" name="Picture 2"/>
+          <p:cNvPr id="5122" name="Picture 2" descr="A coach is someone that sees beyond your limits and guides you ..."/>
+          <p:cNvPicPr>
+            <a:picLocks noChangeAspect="1" noChangeArrowheads="1"/>
+          </p:cNvPicPr>
+          <p:nvPr/>
+        </p:nvPicPr>
+        <p:blipFill rotWithShape="1">
+          <a:blip r:embed="rId2">
+            <a:extLst>
+              <a:ext uri="{28A0092B-C50C-407E-A947-70E740481C1C}">
+                <a14:useLocalDpi xmlns:a14="http://schemas.microsoft.com/office/drawing/2010/main" val="0"/>
+              </a:ext>
+            </a:extLst>
+          </a:blip>
+          <a:srcRect t="22228" b="28728"/>
+          <a:stretch/>
+        </p:blipFill>
+        <p:spPr bwMode="auto">
+          <a:xfrm>
+            <a:off x="4932040" y="2132856"/>
+            <a:ext cx="3996584" cy="2529132"/>
+          </a:xfrm>
+          <a:prstGeom prst="rect">
+            <a:avLst/>
+          </a:prstGeom>
+          <a:noFill/>
+          <a:extLst>
+            <a:ext uri="{909E8E84-426E-40DD-AFC4-6F175D3DCCD1}">
+              <a14:hiddenFill xmlns:a14="http://schemas.microsoft.com/office/drawing/2010/main">
+                <a:solidFill>
+                  <a:srgbClr val="FFFFFF"/>
+                </a:solidFill>
+              </a14:hiddenFill>
+            </a:ext>
+          </a:extLst>
+        </p:spPr>
+      </p:pic>
+      <p:pic>
+        <p:nvPicPr>
+          <p:cNvPr id="6" name="Picture 2"/>
           <p:cNvPicPr>
             <a:picLocks noChangeAspect="1" noChangeArrowheads="1"/>
           </p:cNvPicPr>
           <p:nvPr/>
         </p:nvPicPr>
         <p:blipFill>
-          <a:blip r:embed="rId2">
+          <a:blip r:embed="rId3" cstate="print">
             <a:extLst>
               <a:ext uri="{28A0092B-C50C-407E-A947-70E740481C1C}">
                 <a14:useLocalDpi xmlns:a14="http://schemas.microsoft.com/office/drawing/2010/main" val="0"/>
@@ -5187,8 +6613,8 @@
         </p:blipFill>
         <p:spPr bwMode="auto">
           <a:xfrm>
-            <a:off x="2286000" y="1714500"/>
-            <a:ext cx="4572000" cy="3429000"/>
+            <a:off x="7740352" y="5465524"/>
+            <a:ext cx="1080120" cy="1080120"/>
           </a:xfrm>
           <a:prstGeom prst="rect">
             <a:avLst/>
@@ -5228,110 +6654,10 @@
           </a:extLst>
         </p:spPr>
       </p:pic>
-      <p:sp>
-        <p:nvSpPr>
-          <p:cNvPr id="2" name="Titel 1"/>
-          <p:cNvSpPr>
-            <a:spLocks noGrp="1"/>
-          </p:cNvSpPr>
-          <p:nvPr>
-            <p:ph type="title"/>
-          </p:nvPr>
-        </p:nvSpPr>
-        <p:spPr/>
-        <p:txBody>
-          <a:bodyPr/>
-          <a:lstStyle/>
-          <a:p>
-            <a:r>
-              <a:rPr lang="nl-NL" dirty="0" smtClean="0"/>
-              <a:t>Leerdoelen buiten de applicatie</a:t>
-            </a:r>
-            <a:endParaRPr lang="en-GB" dirty="0"/>
-          </a:p>
-        </p:txBody>
-      </p:sp>
-      <p:sp>
-        <p:nvSpPr>
-          <p:cNvPr id="3" name="Tijdelijke aanduiding voor inhoud 2"/>
-          <p:cNvSpPr>
-            <a:spLocks noGrp="1"/>
-          </p:cNvSpPr>
-          <p:nvPr>
-            <p:ph idx="1"/>
-          </p:nvPr>
-        </p:nvSpPr>
-        <p:spPr/>
-        <p:txBody>
-          <a:bodyPr>
-            <a:normAutofit fontScale="92500" lnSpcReduction="20000"/>
-          </a:bodyPr>
-          <a:lstStyle/>
-          <a:p>
-            <a:r>
-              <a:rPr lang="nl-NL" dirty="0" smtClean="0"/>
-              <a:t>Swagger</a:t>
-            </a:r>
-            <a:endParaRPr lang="nl-NL" dirty="0"/>
-          </a:p>
-          <a:p>
-            <a:endParaRPr lang="nl-NL" dirty="0" smtClean="0"/>
-          </a:p>
-          <a:p>
-            <a:r>
-              <a:rPr lang="nl-NL" dirty="0" err="1" smtClean="0"/>
-              <a:t>Deploy</a:t>
-            </a:r>
-            <a:endParaRPr lang="nl-NL" dirty="0"/>
-          </a:p>
-          <a:p>
-            <a:endParaRPr lang="nl-NL" dirty="0" smtClean="0"/>
-          </a:p>
-          <a:p>
-            <a:r>
-              <a:rPr lang="nl-NL" dirty="0" err="1" smtClean="0"/>
-              <a:t>Junit</a:t>
-            </a:r>
-            <a:r>
-              <a:rPr lang="nl-NL" dirty="0" smtClean="0"/>
-              <a:t> </a:t>
-            </a:r>
-            <a:r>
-              <a:rPr lang="nl-NL" dirty="0" err="1" smtClean="0"/>
-              <a:t>testing</a:t>
-            </a:r>
-            <a:endParaRPr lang="nl-NL" dirty="0"/>
-          </a:p>
-          <a:p>
-            <a:endParaRPr lang="nl-NL" dirty="0" smtClean="0"/>
-          </a:p>
-          <a:p>
-            <a:r>
-              <a:rPr lang="nl-NL" dirty="0" smtClean="0"/>
-              <a:t>Mail versturen</a:t>
-            </a:r>
-          </a:p>
-          <a:p>
-            <a:endParaRPr lang="nl-NL" dirty="0" smtClean="0"/>
-          </a:p>
-          <a:p>
-            <a:r>
-              <a:rPr lang="nl-NL" dirty="0" smtClean="0"/>
-              <a:t>Security</a:t>
-            </a:r>
-          </a:p>
-          <a:p>
-            <a:endParaRPr lang="nl-NL" dirty="0"/>
-          </a:p>
-          <a:p>
-            <a:endParaRPr lang="en-GB" dirty="0"/>
-          </a:p>
-        </p:txBody>
-      </p:sp>
     </p:spTree>
     <p:extLst>
       <p:ext uri="{BB962C8B-B14F-4D97-AF65-F5344CB8AC3E}">
-        <p14:creationId xmlns:p14="http://schemas.microsoft.com/office/powerpoint/2010/main" val="4255137884"/>
+        <p14:creationId xmlns:p14="http://schemas.microsoft.com/office/powerpoint/2010/main" val="4133752792"/>
       </p:ext>
     </p:extLst>
   </p:cSld>
@@ -5340,10 +6666,10 @@
   </p:clrMapOvr>
   <mc:AlternateContent xmlns:mc="http://schemas.openxmlformats.org/markup-compatibility/2006" xmlns:p14="http://schemas.microsoft.com/office/powerpoint/2010/main">
     <mc:Choice Requires="p14">
-      <p:transition spd="slow" p14:dur="2000" advClick="0"/>
+      <p:transition spd="slow" p14:dur="2000"/>
     </mc:Choice>
     <mc:Fallback xmlns="">
-      <p:transition spd="slow" advClick="0"/>
+      <p:transition spd="slow"/>
     </mc:Fallback>
   </mc:AlternateContent>
   <p:timing>
@@ -5389,73 +6715,235 @@
           <a:lstStyle/>
           <a:p>
             <a:r>
+              <a:rPr lang="nl-NL" dirty="0" smtClean="0">
+                <a:latin typeface="Britannic Bold" pitchFamily="34" charset="0"/>
+              </a:rPr>
+              <a:t>Leerdoelen buiten de applicatie</a:t>
+            </a:r>
+            <a:endParaRPr lang="en-GB" dirty="0">
+              <a:latin typeface="Britannic Bold" pitchFamily="34" charset="0"/>
+            </a:endParaRPr>
+          </a:p>
+        </p:txBody>
+      </p:sp>
+      <p:sp>
+        <p:nvSpPr>
+          <p:cNvPr id="3" name="Tijdelijke aanduiding voor inhoud 2"/>
+          <p:cNvSpPr>
+            <a:spLocks noGrp="1"/>
+          </p:cNvSpPr>
+          <p:nvPr>
+            <p:ph idx="1"/>
+          </p:nvPr>
+        </p:nvSpPr>
+        <p:spPr/>
+        <p:txBody>
+          <a:bodyPr>
+            <a:normAutofit fontScale="92500" lnSpcReduction="20000"/>
+          </a:bodyPr>
+          <a:lstStyle/>
+          <a:p>
+            <a:r>
               <a:rPr lang="nl-NL" dirty="0" smtClean="0"/>
-              <a:t>Reflectie</a:t>
-            </a:r>
+              <a:t>Swagger</a:t>
+            </a:r>
+            <a:endParaRPr lang="nl-NL" dirty="0"/>
+          </a:p>
+          <a:p>
+            <a:endParaRPr lang="nl-NL" dirty="0" smtClean="0"/>
+          </a:p>
+          <a:p>
+            <a:r>
+              <a:rPr lang="nl-NL" dirty="0" err="1" smtClean="0"/>
+              <a:t>Deploy</a:t>
+            </a:r>
+            <a:endParaRPr lang="nl-NL" dirty="0"/>
+          </a:p>
+          <a:p>
+            <a:endParaRPr lang="nl-NL" dirty="0" smtClean="0"/>
+          </a:p>
+          <a:p>
+            <a:r>
+              <a:rPr lang="nl-NL" dirty="0" err="1" smtClean="0"/>
+              <a:t>Junit</a:t>
+            </a:r>
+            <a:r>
+              <a:rPr lang="nl-NL" dirty="0" smtClean="0"/>
+              <a:t> </a:t>
+            </a:r>
+            <a:r>
+              <a:rPr lang="nl-NL" dirty="0" err="1" smtClean="0"/>
+              <a:t>testing</a:t>
+            </a:r>
+            <a:endParaRPr lang="nl-NL" dirty="0"/>
+          </a:p>
+          <a:p>
+            <a:endParaRPr lang="nl-NL" dirty="0" smtClean="0"/>
+          </a:p>
+          <a:p>
+            <a:r>
+              <a:rPr lang="nl-NL" dirty="0" smtClean="0"/>
+              <a:t>Mail versturen</a:t>
+            </a:r>
+          </a:p>
+          <a:p>
+            <a:endParaRPr lang="nl-NL" dirty="0" smtClean="0"/>
+          </a:p>
+          <a:p>
+            <a:r>
+              <a:rPr lang="nl-NL" dirty="0" smtClean="0"/>
+              <a:t>Security</a:t>
+            </a:r>
+          </a:p>
+          <a:p>
+            <a:endParaRPr lang="nl-NL" dirty="0"/>
+          </a:p>
+          <a:p>
             <a:endParaRPr lang="en-GB" dirty="0"/>
           </a:p>
         </p:txBody>
       </p:sp>
-      <p:sp>
-        <p:nvSpPr>
-          <p:cNvPr id="3" name="Tijdelijke aanduiding voor inhoud 2"/>
-          <p:cNvSpPr>
-            <a:spLocks noGrp="1"/>
-          </p:cNvSpPr>
-          <p:nvPr>
-            <p:ph idx="1"/>
-          </p:nvPr>
-        </p:nvSpPr>
-        <p:spPr/>
-        <p:txBody>
-          <a:bodyPr/>
-          <a:lstStyle/>
-          <a:p>
-            <a:r>
-              <a:rPr lang="nl-NL" dirty="0" smtClean="0"/>
-              <a:t>Bootcamp</a:t>
-            </a:r>
-          </a:p>
-          <a:p>
-            <a:endParaRPr lang="nl-NL" dirty="0"/>
-          </a:p>
-          <a:p>
-            <a:r>
-              <a:rPr lang="nl-NL" dirty="0" smtClean="0"/>
-              <a:t>Project</a:t>
-            </a:r>
-          </a:p>
-          <a:p>
-            <a:endParaRPr lang="nl-NL" dirty="0"/>
-          </a:p>
-          <a:p>
-            <a:r>
-              <a:rPr lang="nl-NL" dirty="0" smtClean="0"/>
-              <a:t>Groep</a:t>
-            </a:r>
-          </a:p>
-          <a:p>
-            <a:endParaRPr lang="nl-NL" dirty="0"/>
-          </a:p>
-          <a:p>
-            <a:r>
-              <a:rPr lang="nl-NL" dirty="0" smtClean="0"/>
-              <a:t>Individueel</a:t>
-            </a:r>
-            <a:endParaRPr lang="en-GB" dirty="0"/>
-          </a:p>
-        </p:txBody>
-      </p:sp>
+      <p:pic>
+        <p:nvPicPr>
+          <p:cNvPr id="4097" name="Picture 1"/>
+          <p:cNvPicPr>
+            <a:picLocks noChangeAspect="1" noChangeArrowheads="1"/>
+          </p:cNvPicPr>
+          <p:nvPr/>
+        </p:nvPicPr>
+        <p:blipFill>
+          <a:blip r:embed="rId2" cstate="print">
+            <a:extLst>
+              <a:ext uri="{28A0092B-C50C-407E-A947-70E740481C1C}">
+                <a14:useLocalDpi xmlns:a14="http://schemas.microsoft.com/office/drawing/2010/main" val="0"/>
+              </a:ext>
+            </a:extLst>
+          </a:blip>
+          <a:srcRect/>
+          <a:stretch>
+            <a:fillRect/>
+          </a:stretch>
+        </p:blipFill>
+        <p:spPr bwMode="auto">
+          <a:xfrm>
+            <a:off x="4383310" y="1700808"/>
+            <a:ext cx="3286146" cy="2571409"/>
+          </a:xfrm>
+          <a:prstGeom prst="rect">
+            <a:avLst/>
+          </a:prstGeom>
+          <a:noFill/>
+          <a:ln w="79375">
+            <a:solidFill>
+              <a:srgbClr val="00B0F0"/>
+            </a:solidFill>
+            <a:miter lim="800000"/>
+            <a:headEnd/>
+            <a:tailEnd/>
+          </a:ln>
+          <a:effectLst/>
+          <a:extLst>
+            <a:ext uri="{909E8E84-426E-40DD-AFC4-6F175D3DCCD1}">
+              <a14:hiddenFill xmlns:a14="http://schemas.microsoft.com/office/drawing/2010/main">
+                <a:solidFill>
+                  <a:schemeClr val="accent1"/>
+                </a:solidFill>
+              </a14:hiddenFill>
+            </a:ext>
+            <a:ext uri="{AF507438-7753-43E0-B8FC-AC1667EBCBE1}">
+              <a14:hiddenEffects xmlns:a14="http://schemas.microsoft.com/office/drawing/2010/main">
+                <a:effectLst>
+                  <a:outerShdw dist="35921" dir="2700000" algn="ctr" rotWithShape="0">
+                    <a:schemeClr val="bg2"/>
+                  </a:outerShdw>
+                </a:effectLst>
+              </a14:hiddenEffects>
+            </a:ext>
+          </a:extLst>
+        </p:spPr>
+      </p:pic>
+      <p:pic>
+        <p:nvPicPr>
+          <p:cNvPr id="7" name="Picture 2"/>
+          <p:cNvPicPr>
+            <a:picLocks noChangeAspect="1" noChangeArrowheads="1"/>
+          </p:cNvPicPr>
+          <p:nvPr/>
+        </p:nvPicPr>
+        <p:blipFill>
+          <a:blip r:embed="rId3" cstate="print">
+            <a:extLst>
+              <a:ext uri="{28A0092B-C50C-407E-A947-70E740481C1C}">
+                <a14:useLocalDpi xmlns:a14="http://schemas.microsoft.com/office/drawing/2010/main" val="0"/>
+              </a:ext>
+            </a:extLst>
+          </a:blip>
+          <a:srcRect/>
+          <a:stretch>
+            <a:fillRect/>
+          </a:stretch>
+        </p:blipFill>
+        <p:spPr bwMode="auto">
+          <a:xfrm>
+            <a:off x="7740352" y="5465524"/>
+            <a:ext cx="1080120" cy="1080120"/>
+          </a:xfrm>
+          <a:prstGeom prst="rect">
+            <a:avLst/>
+          </a:prstGeom>
+          <a:noFill/>
+          <a:ln>
+            <a:noFill/>
+          </a:ln>
+          <a:effectLst/>
+          <a:extLst>
+            <a:ext uri="{909E8E84-426E-40DD-AFC4-6F175D3DCCD1}">
+              <a14:hiddenFill xmlns:a14="http://schemas.microsoft.com/office/drawing/2010/main">
+                <a:solidFill>
+                  <a:schemeClr val="accent1"/>
+                </a:solidFill>
+              </a14:hiddenFill>
+            </a:ext>
+            <a:ext uri="{91240B29-F687-4F45-9708-019B960494DF}">
+              <a14:hiddenLine xmlns:a14="http://schemas.microsoft.com/office/drawing/2010/main" w="9525">
+                <a:solidFill>
+                  <a:schemeClr val="tx1"/>
+                </a:solidFill>
+                <a:miter lim="800000"/>
+                <a:headEnd/>
+                <a:tailEnd/>
+              </a14:hiddenLine>
+            </a:ext>
+            <a:ext uri="{AF507438-7753-43E0-B8FC-AC1667EBCBE1}">
+              <a14:hiddenEffects xmlns:a14="http://schemas.microsoft.com/office/drawing/2010/main">
+                <a:effectLst>
+                  <a:outerShdw dist="35921" dir="2700000" algn="ctr" rotWithShape="0">
+                    <a:schemeClr val="bg2"/>
+                  </a:outerShdw>
+                </a:effectLst>
+              </a14:hiddenEffects>
+            </a:ext>
+          </a:extLst>
+        </p:spPr>
+      </p:pic>
     </p:spTree>
     <p:extLst>
       <p:ext uri="{BB962C8B-B14F-4D97-AF65-F5344CB8AC3E}">
-        <p14:creationId xmlns:p14="http://schemas.microsoft.com/office/powerpoint/2010/main" val="3519503041"/>
+        <p14:creationId xmlns:p14="http://schemas.microsoft.com/office/powerpoint/2010/main" val="4255137884"/>
       </p:ext>
     </p:extLst>
   </p:cSld>
   <p:clrMapOvr>
     <a:masterClrMapping/>
   </p:clrMapOvr>
+  <mc:AlternateContent xmlns:mc="http://schemas.openxmlformats.org/markup-compatibility/2006" xmlns:p14="http://schemas.microsoft.com/office/powerpoint/2010/main">
+    <mc:Choice Requires="p14">
+      <p:transition spd="slow" p14:dur="2000" advClick="0"/>
+    </mc:Choice>
+    <mc:Fallback xmlns="">
+      <p:transition spd="slow" advClick="0"/>
+    </mc:Fallback>
+  </mc:AlternateContent>
   <p:timing>
     <p:tnLst>
       <p:par>

--- a/Powerlift Powerpoint.pptx
+++ b/Powerlift Powerpoint.pptx
@@ -5,20 +5,21 @@
     <p:sldMasterId id="2147483648" r:id="rId1"/>
   </p:sldMasterIdLst>
   <p:notesMasterIdLst>
-    <p:notesMasterId r:id="rId13"/>
+    <p:notesMasterId r:id="rId14"/>
   </p:notesMasterIdLst>
   <p:sldIdLst>
     <p:sldId id="256" r:id="rId2"/>
-    <p:sldId id="260" r:id="rId3"/>
-    <p:sldId id="261" r:id="rId4"/>
-    <p:sldId id="274" r:id="rId5"/>
-    <p:sldId id="264" r:id="rId6"/>
-    <p:sldId id="279" r:id="rId7"/>
-    <p:sldId id="276" r:id="rId8"/>
-    <p:sldId id="278" r:id="rId9"/>
-    <p:sldId id="269" r:id="rId10"/>
-    <p:sldId id="270" r:id="rId11"/>
-    <p:sldId id="272" r:id="rId12"/>
+    <p:sldId id="280" r:id="rId3"/>
+    <p:sldId id="260" r:id="rId4"/>
+    <p:sldId id="261" r:id="rId5"/>
+    <p:sldId id="274" r:id="rId6"/>
+    <p:sldId id="264" r:id="rId7"/>
+    <p:sldId id="279" r:id="rId8"/>
+    <p:sldId id="276" r:id="rId9"/>
+    <p:sldId id="278" r:id="rId10"/>
+    <p:sldId id="269" r:id="rId11"/>
+    <p:sldId id="270" r:id="rId12"/>
+    <p:sldId id="272" r:id="rId13"/>
   </p:sldIdLst>
   <p:sldSz cx="9144000" cy="6858000" type="screen4x3"/>
   <p:notesSz cx="6858000" cy="9144000"/>
@@ -361,7 +362,7 @@
           <a:p>
             <a:fld id="{8C8A1E06-408F-4365-86BE-E08AAD520065}" type="slidenum">
               <a:rPr lang="nl-NL" smtClean="0"/>
-              <a:t>‹#›</a:t>
+              <a:t>‹nr.›</a:t>
             </a:fld>
             <a:endParaRPr lang="nl-NL"/>
           </a:p>
@@ -547,7 +548,7 @@
           <a:p>
             <a:fld id="{8C8A1E06-408F-4365-86BE-E08AAD520065}" type="slidenum">
               <a:rPr lang="nl-NL" smtClean="0"/>
-              <a:t>2</a:t>
+              <a:t>3</a:t>
             </a:fld>
             <a:endParaRPr lang="nl-NL"/>
           </a:p>
@@ -643,7 +644,7 @@
           <a:p>
             <a:fld id="{8C8A1E06-408F-4365-86BE-E08AAD520065}" type="slidenum">
               <a:rPr lang="nl-NL" smtClean="0"/>
-              <a:t>3</a:t>
+              <a:t>4</a:t>
             </a:fld>
             <a:endParaRPr lang="nl-NL"/>
           </a:p>
@@ -727,7 +728,7 @@
           <a:p>
             <a:fld id="{8C8A1E06-408F-4365-86BE-E08AAD520065}" type="slidenum">
               <a:rPr lang="nl-NL" smtClean="0"/>
-              <a:t>10</a:t>
+              <a:t>11</a:t>
             </a:fld>
             <a:endParaRPr lang="nl-NL"/>
           </a:p>
@@ -969,7 +970,7 @@
           <a:p>
             <a:fld id="{82DEBB7A-F9CE-4894-AA7B-C90053E2D6D4}" type="slidenum">
               <a:rPr lang="nl-NL" smtClean="0"/>
-              <a:t>‹#›</a:t>
+              <a:t>‹nr.›</a:t>
             </a:fld>
             <a:endParaRPr lang="nl-NL"/>
           </a:p>
@@ -1139,7 +1140,7 @@
           <a:p>
             <a:fld id="{82DEBB7A-F9CE-4894-AA7B-C90053E2D6D4}" type="slidenum">
               <a:rPr lang="nl-NL" smtClean="0"/>
-              <a:t>‹#›</a:t>
+              <a:t>‹nr.›</a:t>
             </a:fld>
             <a:endParaRPr lang="nl-NL"/>
           </a:p>
@@ -1319,7 +1320,7 @@
           <a:p>
             <a:fld id="{82DEBB7A-F9CE-4894-AA7B-C90053E2D6D4}" type="slidenum">
               <a:rPr lang="nl-NL" smtClean="0"/>
-              <a:t>‹#›</a:t>
+              <a:t>‹nr.›</a:t>
             </a:fld>
             <a:endParaRPr lang="nl-NL"/>
           </a:p>
@@ -1489,7 +1490,7 @@
           <a:p>
             <a:fld id="{82DEBB7A-F9CE-4894-AA7B-C90053E2D6D4}" type="slidenum">
               <a:rPr lang="nl-NL" smtClean="0"/>
-              <a:t>‹#›</a:t>
+              <a:t>‹nr.›</a:t>
             </a:fld>
             <a:endParaRPr lang="nl-NL"/>
           </a:p>
@@ -1735,7 +1736,7 @@
           <a:p>
             <a:fld id="{82DEBB7A-F9CE-4894-AA7B-C90053E2D6D4}" type="slidenum">
               <a:rPr lang="nl-NL" smtClean="0"/>
-              <a:t>‹#›</a:t>
+              <a:t>‹nr.›</a:t>
             </a:fld>
             <a:endParaRPr lang="nl-NL"/>
           </a:p>
@@ -2023,7 +2024,7 @@
           <a:p>
             <a:fld id="{82DEBB7A-F9CE-4894-AA7B-C90053E2D6D4}" type="slidenum">
               <a:rPr lang="nl-NL" smtClean="0"/>
-              <a:t>‹#›</a:t>
+              <a:t>‹nr.›</a:t>
             </a:fld>
             <a:endParaRPr lang="nl-NL"/>
           </a:p>
@@ -2445,7 +2446,7 @@
           <a:p>
             <a:fld id="{82DEBB7A-F9CE-4894-AA7B-C90053E2D6D4}" type="slidenum">
               <a:rPr lang="nl-NL" smtClean="0"/>
-              <a:t>‹#›</a:t>
+              <a:t>‹nr.›</a:t>
             </a:fld>
             <a:endParaRPr lang="nl-NL"/>
           </a:p>
@@ -2563,7 +2564,7 @@
           <a:p>
             <a:fld id="{82DEBB7A-F9CE-4894-AA7B-C90053E2D6D4}" type="slidenum">
               <a:rPr lang="nl-NL" smtClean="0"/>
-              <a:t>‹#›</a:t>
+              <a:t>‹nr.›</a:t>
             </a:fld>
             <a:endParaRPr lang="nl-NL"/>
           </a:p>
@@ -2658,7 +2659,7 @@
           <a:p>
             <a:fld id="{82DEBB7A-F9CE-4894-AA7B-C90053E2D6D4}" type="slidenum">
               <a:rPr lang="nl-NL" smtClean="0"/>
-              <a:t>‹#›</a:t>
+              <a:t>‹nr.›</a:t>
             </a:fld>
             <a:endParaRPr lang="nl-NL"/>
           </a:p>
@@ -2935,7 +2936,7 @@
           <a:p>
             <a:fld id="{82DEBB7A-F9CE-4894-AA7B-C90053E2D6D4}" type="slidenum">
               <a:rPr lang="nl-NL" smtClean="0"/>
-              <a:t>‹#›</a:t>
+              <a:t>‹nr.›</a:t>
             </a:fld>
             <a:endParaRPr lang="nl-NL"/>
           </a:p>
@@ -3188,7 +3189,7 @@
           <a:p>
             <a:fld id="{82DEBB7A-F9CE-4894-AA7B-C90053E2D6D4}" type="slidenum">
               <a:rPr lang="nl-NL" smtClean="0"/>
-              <a:t>‹#›</a:t>
+              <a:t>‹nr.›</a:t>
             </a:fld>
             <a:endParaRPr lang="nl-NL"/>
           </a:p>
@@ -3442,7 +3443,7 @@
           <a:p>
             <a:fld id="{82DEBB7A-F9CE-4894-AA7B-C90053E2D6D4}" type="slidenum">
               <a:rPr lang="nl-NL" smtClean="0"/>
-              <a:t>‹#›</a:t>
+              <a:t>‹nr.›</a:t>
             </a:fld>
             <a:endParaRPr lang="nl-NL"/>
           </a:p>
@@ -4037,6 +4038,96 @@
           </a:prstGeom>
         </p:spPr>
       </p:pic>
+      <p:pic>
+        <p:nvPicPr>
+          <p:cNvPr id="7" name="Afbeelding 6"/>
+          <p:cNvPicPr>
+            <a:picLocks noChangeAspect="1"/>
+          </p:cNvPicPr>
+          <p:nvPr/>
+        </p:nvPicPr>
+        <p:blipFill>
+          <a:blip r:embed="rId6">
+            <a:extLst>
+              <a:ext uri="{28A0092B-C50C-407E-A947-70E740481C1C}">
+                <a14:useLocalDpi xmlns:a14="http://schemas.microsoft.com/office/drawing/2010/main" val="0"/>
+              </a:ext>
+            </a:extLst>
+          </a:blip>
+          <a:stretch>
+            <a:fillRect/>
+          </a:stretch>
+        </p:blipFill>
+        <p:spPr>
+          <a:xfrm>
+            <a:off x="1068228" y="2166879"/>
+            <a:ext cx="1962274" cy="1896865"/>
+          </a:xfrm>
+          <a:prstGeom prst="rect">
+            <a:avLst/>
+          </a:prstGeom>
+        </p:spPr>
+      </p:pic>
+      <p:pic>
+        <p:nvPicPr>
+          <p:cNvPr id="8" name="Afbeelding 7"/>
+          <p:cNvPicPr>
+            <a:picLocks noChangeAspect="1"/>
+          </p:cNvPicPr>
+          <p:nvPr/>
+        </p:nvPicPr>
+        <p:blipFill>
+          <a:blip r:embed="rId7">
+            <a:extLst>
+              <a:ext uri="{28A0092B-C50C-407E-A947-70E740481C1C}">
+                <a14:useLocalDpi xmlns:a14="http://schemas.microsoft.com/office/drawing/2010/main" val="0"/>
+              </a:ext>
+            </a:extLst>
+          </a:blip>
+          <a:stretch>
+            <a:fillRect/>
+          </a:stretch>
+        </p:blipFill>
+        <p:spPr>
+          <a:xfrm>
+            <a:off x="6732240" y="2351055"/>
+            <a:ext cx="1708316" cy="1750871"/>
+          </a:xfrm>
+          <a:prstGeom prst="rect">
+            <a:avLst/>
+          </a:prstGeom>
+        </p:spPr>
+      </p:pic>
+      <p:pic>
+        <p:nvPicPr>
+          <p:cNvPr id="9" name="Afbeelding 8"/>
+          <p:cNvPicPr>
+            <a:picLocks noChangeAspect="1"/>
+          </p:cNvPicPr>
+          <p:nvPr/>
+        </p:nvPicPr>
+        <p:blipFill>
+          <a:blip r:embed="rId8">
+            <a:extLst>
+              <a:ext uri="{28A0092B-C50C-407E-A947-70E740481C1C}">
+                <a14:useLocalDpi xmlns:a14="http://schemas.microsoft.com/office/drawing/2010/main" val="0"/>
+              </a:ext>
+            </a:extLst>
+          </a:blip>
+          <a:stretch>
+            <a:fillRect/>
+          </a:stretch>
+        </p:blipFill>
+        <p:spPr>
+          <a:xfrm>
+            <a:off x="3993495" y="1571166"/>
+            <a:ext cx="1787745" cy="1787745"/>
+          </a:xfrm>
+          <a:prstGeom prst="rect">
+            <a:avLst/>
+          </a:prstGeom>
+        </p:spPr>
+      </p:pic>
     </p:spTree>
     <p:extLst>
       <p:ext uri="{BB962C8B-B14F-4D97-AF65-F5344CB8AC3E}">
@@ -4101,7 +4192,7 @@
               <a:rPr lang="nl-NL" dirty="0" smtClean="0">
                 <a:latin typeface="Britannic Bold" pitchFamily="34" charset="0"/>
               </a:rPr>
-              <a:t>Reflectie</a:t>
+              <a:t>Leerdoelen buiten de applicatie</a:t>
             </a:r>
             <a:endParaRPr lang="en-GB" dirty="0">
               <a:latin typeface="Britannic Bold" pitchFamily="34" charset="0"/>
@@ -4121,47 +4212,133 @@
         </p:nvSpPr>
         <p:spPr/>
         <p:txBody>
-          <a:bodyPr/>
+          <a:bodyPr>
+            <a:normAutofit fontScale="92500" lnSpcReduction="20000"/>
+          </a:bodyPr>
           <a:lstStyle/>
           <a:p>
             <a:r>
               <a:rPr lang="nl-NL" dirty="0" smtClean="0"/>
-              <a:t>Bootcamp</a:t>
-            </a:r>
-          </a:p>
-          <a:p>
+              <a:t>Swagger</a:t>
+            </a:r>
             <a:endParaRPr lang="nl-NL" dirty="0"/>
           </a:p>
           <a:p>
+            <a:endParaRPr lang="nl-NL" dirty="0" smtClean="0"/>
+          </a:p>
+          <a:p>
+            <a:r>
+              <a:rPr lang="nl-NL" dirty="0" err="1" smtClean="0"/>
+              <a:t>Deploy</a:t>
+            </a:r>
+            <a:endParaRPr lang="nl-NL" dirty="0"/>
+          </a:p>
+          <a:p>
+            <a:endParaRPr lang="nl-NL" dirty="0" smtClean="0"/>
+          </a:p>
+          <a:p>
+            <a:r>
+              <a:rPr lang="nl-NL" dirty="0" err="1" smtClean="0"/>
+              <a:t>Junit</a:t>
+            </a:r>
             <a:r>
               <a:rPr lang="nl-NL" dirty="0" smtClean="0"/>
-              <a:t>Project</a:t>
-            </a:r>
-          </a:p>
-          <a:p>
+              <a:t> </a:t>
+            </a:r>
+            <a:r>
+              <a:rPr lang="nl-NL" dirty="0" err="1" smtClean="0"/>
+              <a:t>testing</a:t>
+            </a:r>
             <a:endParaRPr lang="nl-NL" dirty="0"/>
           </a:p>
           <a:p>
+            <a:endParaRPr lang="nl-NL" dirty="0" smtClean="0"/>
+          </a:p>
+          <a:p>
             <a:r>
               <a:rPr lang="nl-NL" dirty="0" smtClean="0"/>
-              <a:t>Groep</a:t>
+              <a:t>Mail versturen</a:t>
+            </a:r>
+          </a:p>
+          <a:p>
+            <a:endParaRPr lang="nl-NL" dirty="0" smtClean="0"/>
+          </a:p>
+          <a:p>
+            <a:r>
+              <a:rPr lang="nl-NL" dirty="0" smtClean="0"/>
+              <a:t>Security</a:t>
             </a:r>
           </a:p>
           <a:p>
             <a:endParaRPr lang="nl-NL" dirty="0"/>
           </a:p>
           <a:p>
-            <a:r>
-              <a:rPr lang="nl-NL" dirty="0" smtClean="0"/>
-              <a:t>Individueel</a:t>
-            </a:r>
             <a:endParaRPr lang="en-GB" dirty="0"/>
           </a:p>
         </p:txBody>
       </p:sp>
       <p:pic>
         <p:nvPicPr>
-          <p:cNvPr id="4" name="Picture 2"/>
+          <p:cNvPr id="4097" name="Picture 1"/>
+          <p:cNvPicPr>
+            <a:picLocks noChangeAspect="1" noChangeArrowheads="1"/>
+          </p:cNvPicPr>
+          <p:nvPr/>
+        </p:nvPicPr>
+        <p:blipFill>
+          <a:blip r:embed="rId2" cstate="print">
+            <a:extLst>
+              <a:ext uri="{28A0092B-C50C-407E-A947-70E740481C1C}">
+                <a14:useLocalDpi xmlns:a14="http://schemas.microsoft.com/office/drawing/2010/main" val="0"/>
+              </a:ext>
+            </a:extLst>
+          </a:blip>
+          <a:srcRect/>
+          <a:stretch>
+            <a:fillRect/>
+          </a:stretch>
+        </p:blipFill>
+        <p:spPr bwMode="auto">
+          <a:xfrm>
+            <a:off x="4383310" y="1700808"/>
+            <a:ext cx="3286146" cy="2571409"/>
+          </a:xfrm>
+          <a:prstGeom prst="rect">
+            <a:avLst/>
+          </a:prstGeom>
+          <a:noFill/>
+          <a:ln w="79375">
+            <a:solidFill>
+              <a:srgbClr val="00B0F0"/>
+            </a:solidFill>
+            <a:miter lim="800000"/>
+            <a:headEnd/>
+            <a:tailEnd/>
+          </a:ln>
+          <a:effectLst/>
+          <a:extLst>
+            <a:ext uri="{909E8E84-426E-40DD-AFC4-6F175D3DCCD1}">
+              <a14:hiddenFill xmlns:a14="http://schemas.microsoft.com/office/drawing/2010/main">
+                <a:solidFill>
+                  <a:schemeClr val="accent1"/>
+                </a:solidFill>
+              </a14:hiddenFill>
+            </a:ext>
+            <a:ext uri="{AF507438-7753-43E0-B8FC-AC1667EBCBE1}">
+              <a14:hiddenEffects xmlns:a14="http://schemas.microsoft.com/office/drawing/2010/main">
+                <a:effectLst>
+                  <a:outerShdw dist="35921" dir="2700000" algn="ctr" rotWithShape="0">
+                    <a:schemeClr val="bg2"/>
+                  </a:outerShdw>
+                </a:effectLst>
+              </a14:hiddenEffects>
+            </a:ext>
+          </a:extLst>
+        </p:spPr>
+      </p:pic>
+      <p:pic>
+        <p:nvPicPr>
+          <p:cNvPr id="7" name="Picture 2"/>
           <p:cNvPicPr>
             <a:picLocks noChangeAspect="1" noChangeArrowheads="1"/>
           </p:cNvPicPr>
@@ -4223,62 +4400,24 @@
           </a:extLst>
         </p:spPr>
       </p:pic>
-      <p:pic>
-        <p:nvPicPr>
-          <p:cNvPr id="3074" name="Picture 2" descr="Reflectie en zelfreflectie: belangrijk onderdeel van de leerzone"/>
-          <p:cNvPicPr>
-            <a:picLocks noChangeAspect="1" noChangeArrowheads="1"/>
-          </p:cNvPicPr>
-          <p:nvPr/>
-        </p:nvPicPr>
-        <p:blipFill>
-          <a:blip r:embed="rId4">
-            <a:extLst>
-              <a:ext uri="{28A0092B-C50C-407E-A947-70E740481C1C}">
-                <a14:useLocalDpi xmlns:a14="http://schemas.microsoft.com/office/drawing/2010/main" val="0"/>
-              </a:ext>
-            </a:extLst>
-          </a:blip>
-          <a:srcRect/>
-          <a:stretch>
-            <a:fillRect/>
-          </a:stretch>
-        </p:blipFill>
-        <p:spPr bwMode="auto">
-          <a:xfrm>
-            <a:off x="5544108" y="1628800"/>
-            <a:ext cx="2952328" cy="2952328"/>
-          </a:xfrm>
-          <a:prstGeom prst="rect">
-            <a:avLst/>
-          </a:prstGeom>
-          <a:noFill/>
-          <a:ln w="38100">
-            <a:solidFill>
-              <a:srgbClr val="0070C0"/>
-            </a:solidFill>
-          </a:ln>
-          <a:extLst>
-            <a:ext uri="{909E8E84-426E-40DD-AFC4-6F175D3DCCD1}">
-              <a14:hiddenFill xmlns:a14="http://schemas.microsoft.com/office/drawing/2010/main">
-                <a:solidFill>
-                  <a:srgbClr val="FFFFFF"/>
-                </a:solidFill>
-              </a14:hiddenFill>
-            </a:ext>
-          </a:extLst>
-        </p:spPr>
-      </p:pic>
     </p:spTree>
     <p:extLst>
       <p:ext uri="{BB962C8B-B14F-4D97-AF65-F5344CB8AC3E}">
-        <p14:creationId xmlns:p14="http://schemas.microsoft.com/office/powerpoint/2010/main" val="3519503041"/>
+        <p14:creationId xmlns:p14="http://schemas.microsoft.com/office/powerpoint/2010/main" val="4255137884"/>
       </p:ext>
     </p:extLst>
   </p:cSld>
   <p:clrMapOvr>
     <a:masterClrMapping/>
   </p:clrMapOvr>
+  <mc:AlternateContent xmlns:mc="http://schemas.openxmlformats.org/markup-compatibility/2006" xmlns:p14="http://schemas.microsoft.com/office/powerpoint/2010/main">
+    <mc:Choice Requires="p14">
+      <p:transition spd="slow" p14:dur="2000" advClick="0"/>
+    </mc:Choice>
+    <mc:Fallback xmlns="">
+      <p:transition spd="slow" advClick="0"/>
+    </mc:Fallback>
+  </mc:AlternateContent>
   <p:timing>
     <p:tnLst>
       <p:par>
@@ -4313,7 +4452,7 @@
             <a:spLocks noGrp="1"/>
           </p:cNvSpPr>
           <p:nvPr>
-            <p:ph type="ctrTitle"/>
+            <p:ph type="title"/>
           </p:nvPr>
         </p:nvSpPr>
         <p:spPr/>
@@ -4325,7 +4464,7 @@
               <a:rPr lang="nl-NL" dirty="0" smtClean="0">
                 <a:latin typeface="Britannic Bold" pitchFamily="34" charset="0"/>
               </a:rPr>
-              <a:t>Bedankt voor jullie aandacht</a:t>
+              <a:t>Reflectie</a:t>
             </a:r>
             <a:endParaRPr lang="en-GB" dirty="0">
               <a:latin typeface="Britannic Bold" pitchFamily="34" charset="0"/>
@@ -4335,12 +4474,12 @@
       </p:sp>
       <p:sp>
         <p:nvSpPr>
-          <p:cNvPr id="3" name="Ondertitel 2"/>
-          <p:cNvSpPr>
-            <a:spLocks noGrp="1"/>
-          </p:cNvSpPr>
-          <p:nvPr>
-            <p:ph type="subTitle" idx="1"/>
+          <p:cNvPr id="3" name="Tijdelijke aanduiding voor inhoud 2"/>
+          <p:cNvSpPr>
+            <a:spLocks noGrp="1"/>
+          </p:cNvSpPr>
+          <p:nvPr>
+            <p:ph idx="1"/>
           </p:nvPr>
         </p:nvSpPr>
         <p:spPr/>
@@ -4349,236 +4488,50 @@
           <a:lstStyle/>
           <a:p>
             <a:r>
-              <a:rPr lang="nl-NL" dirty="0"/>
-              <a:t> </a:t>
-            </a:r>
-            <a:r>
-              <a:rPr lang="nl-NL" dirty="0">
-                <a:solidFill>
-                  <a:schemeClr val="tx1">
-                    <a:lumMod val="65000"/>
-                    <a:lumOff val="35000"/>
-                  </a:schemeClr>
-                </a:solidFill>
-              </a:rPr>
-              <a:t>T</a:t>
-            </a:r>
-            <a:r>
-              <a:rPr lang="nl-NL" dirty="0" smtClean="0">
-                <a:solidFill>
-                  <a:schemeClr val="tx1">
-                    <a:lumMod val="65000"/>
-                    <a:lumOff val="35000"/>
-                  </a:schemeClr>
-                </a:solidFill>
-              </a:rPr>
-              <a:t>eam </a:t>
-            </a:r>
-            <a:r>
-              <a:rPr lang="nl-NL" dirty="0" smtClean="0">
-                <a:solidFill>
-                  <a:schemeClr val="tx1">
-                    <a:lumMod val="65000"/>
-                    <a:lumOff val="35000"/>
-                  </a:schemeClr>
-                </a:solidFill>
-              </a:rPr>
-              <a:t>Powerlift</a:t>
-            </a:r>
-            <a:endParaRPr lang="en-GB" dirty="0">
-              <a:solidFill>
-                <a:schemeClr val="tx1">
-                  <a:lumMod val="65000"/>
-                  <a:lumOff val="35000"/>
-                </a:schemeClr>
-              </a:solidFill>
-            </a:endParaRPr>
-          </a:p>
-        </p:txBody>
-      </p:sp>
-    </p:spTree>
-    <p:extLst>
-      <p:ext uri="{BB962C8B-B14F-4D97-AF65-F5344CB8AC3E}">
-        <p14:creationId xmlns:p14="http://schemas.microsoft.com/office/powerpoint/2010/main" val="4000132996"/>
-      </p:ext>
-    </p:extLst>
-  </p:cSld>
-  <p:clrMapOvr>
-    <a:masterClrMapping/>
-  </p:clrMapOvr>
-  <p:timing>
-    <p:tnLst>
-      <p:par>
-        <p:cTn id="1" dur="indefinite" restart="never" nodeType="tmRoot"/>
-      </p:par>
-    </p:tnLst>
-  </p:timing>
-</p:sld>
-</file>
-
-<file path=ppt/slides/slide2.xml><?xml version="1.0" encoding="utf-8"?>
-<p:sld xmlns:a="http://schemas.openxmlformats.org/drawingml/2006/main" xmlns:r="http://schemas.openxmlformats.org/officeDocument/2006/relationships" xmlns:p="http://schemas.openxmlformats.org/presentationml/2006/main">
-  <p:cSld>
-    <p:spTree>
-      <p:nvGrpSpPr>
-        <p:cNvPr id="1" name=""/>
-        <p:cNvGrpSpPr/>
-        <p:nvPr/>
-      </p:nvGrpSpPr>
-      <p:grpSpPr>
-        <a:xfrm>
-          <a:off x="0" y="0"/>
-          <a:ext cx="0" cy="0"/>
-          <a:chOff x="0" y="0"/>
-          <a:chExt cx="0" cy="0"/>
-        </a:xfrm>
-      </p:grpSpPr>
-      <p:sp>
-        <p:nvSpPr>
-          <p:cNvPr id="2" name="Titel 1"/>
-          <p:cNvSpPr>
-            <a:spLocks noGrp="1"/>
-          </p:cNvSpPr>
-          <p:nvPr>
-            <p:ph type="title"/>
-          </p:nvPr>
-        </p:nvSpPr>
-        <p:spPr/>
-        <p:txBody>
-          <a:bodyPr/>
-          <a:lstStyle/>
-          <a:p>
-            <a:r>
-              <a:rPr lang="nl-NL" dirty="0" smtClean="0">
-                <a:latin typeface="Britannic Bold" pitchFamily="34" charset="0"/>
-              </a:rPr>
-              <a:t>Wat doet de applicatie</a:t>
-            </a:r>
-            <a:endParaRPr lang="nl-NL" dirty="0">
-              <a:latin typeface="Britannic Bold" pitchFamily="34" charset="0"/>
-            </a:endParaRPr>
-          </a:p>
-        </p:txBody>
-      </p:sp>
-      <p:sp>
-        <p:nvSpPr>
-          <p:cNvPr id="3" name="Tijdelijke aanduiding voor inhoud 2"/>
-          <p:cNvSpPr>
-            <a:spLocks noGrp="1"/>
-          </p:cNvSpPr>
-          <p:nvPr>
-            <p:ph idx="1"/>
-          </p:nvPr>
-        </p:nvSpPr>
-        <p:spPr/>
-        <p:txBody>
-          <a:bodyPr/>
-          <a:lstStyle/>
-          <a:p>
-            <a:r>
               <a:rPr lang="nl-NL" dirty="0" smtClean="0"/>
-              <a:t>Coach</a:t>
-            </a:r>
-          </a:p>
-          <a:p>
-            <a:pPr lvl="1"/>
+              <a:t>Bootcamp</a:t>
+            </a:r>
+          </a:p>
+          <a:p>
+            <a:endParaRPr lang="nl-NL" dirty="0"/>
+          </a:p>
+          <a:p>
             <a:r>
               <a:rPr lang="nl-NL" dirty="0" smtClean="0"/>
-              <a:t>Planning maken</a:t>
-            </a:r>
-          </a:p>
-          <a:p>
-            <a:pPr lvl="1"/>
+              <a:t>Project</a:t>
+            </a:r>
+          </a:p>
+          <a:p>
+            <a:endParaRPr lang="nl-NL" dirty="0"/>
+          </a:p>
+          <a:p>
             <a:r>
               <a:rPr lang="nl-NL" dirty="0" smtClean="0"/>
-              <a:t>Uitleg oefeningen geven</a:t>
-            </a:r>
-          </a:p>
-          <a:p>
-            <a:pPr lvl="1"/>
+              <a:t>Groep</a:t>
+            </a:r>
+          </a:p>
+          <a:p>
+            <a:endParaRPr lang="nl-NL" dirty="0"/>
+          </a:p>
+          <a:p>
             <a:r>
               <a:rPr lang="nl-NL" dirty="0" smtClean="0"/>
-              <a:t>Voortgang sporters bekijken</a:t>
-            </a:r>
-          </a:p>
-          <a:p>
-            <a:r>
-              <a:rPr lang="nl-NL" dirty="0" smtClean="0"/>
-              <a:t>Sporter</a:t>
-            </a:r>
-          </a:p>
-          <a:p>
-            <a:pPr lvl="1"/>
-            <a:r>
-              <a:rPr lang="nl-NL" dirty="0" smtClean="0"/>
-              <a:t>Planning bekijken</a:t>
-            </a:r>
-          </a:p>
-          <a:p>
-            <a:pPr lvl="1"/>
-            <a:r>
-              <a:rPr lang="nl-NL" dirty="0" smtClean="0"/>
-              <a:t>Uitleg bekijken</a:t>
-            </a:r>
-          </a:p>
-          <a:p>
-            <a:pPr lvl="1"/>
-            <a:r>
-              <a:rPr lang="nl-NL" dirty="0" smtClean="0"/>
-              <a:t>Oefeningen invullen</a:t>
-            </a:r>
+              <a:t>Individueel</a:t>
+            </a:r>
+            <a:endParaRPr lang="en-GB" dirty="0"/>
           </a:p>
         </p:txBody>
       </p:sp>
       <p:pic>
         <p:nvPicPr>
-          <p:cNvPr id="10244" name="Picture 4" descr="Prijzen van een personal trainer in Leerdam - Personal-trainer.nl"/>
-          <p:cNvPicPr>
-            <a:picLocks noChangeAspect="1" noChangeArrowheads="1"/>
-          </p:cNvPicPr>
-          <p:nvPr/>
-        </p:nvPicPr>
-        <p:blipFill rotWithShape="1">
-          <a:blip r:embed="rId3">
-            <a:extLst>
-              <a:ext uri="{28A0092B-C50C-407E-A947-70E740481C1C}">
-                <a14:useLocalDpi xmlns:a14="http://schemas.microsoft.com/office/drawing/2010/main" val="0"/>
-              </a:ext>
-            </a:extLst>
-          </a:blip>
-          <a:srcRect l="26099" r="13977"/>
-          <a:stretch/>
-        </p:blipFill>
-        <p:spPr bwMode="auto">
-          <a:xfrm>
-            <a:off x="5819958" y="1628800"/>
-            <a:ext cx="2686023" cy="2592288"/>
-          </a:xfrm>
-          <a:prstGeom prst="rect">
-            <a:avLst/>
-          </a:prstGeom>
-          <a:noFill/>
-          <a:extLst>
-            <a:ext uri="{909E8E84-426E-40DD-AFC4-6F175D3DCCD1}">
-              <a14:hiddenFill xmlns:a14="http://schemas.microsoft.com/office/drawing/2010/main">
-                <a:solidFill>
-                  <a:srgbClr val="FFFFFF"/>
-                </a:solidFill>
-              </a14:hiddenFill>
-            </a:ext>
-          </a:extLst>
-        </p:spPr>
-      </p:pic>
-      <p:pic>
-        <p:nvPicPr>
-          <p:cNvPr id="8" name="Picture 2"/>
+          <p:cNvPr id="4" name="Picture 2"/>
           <p:cNvPicPr>
             <a:picLocks noChangeAspect="1" noChangeArrowheads="1"/>
           </p:cNvPicPr>
           <p:nvPr/>
         </p:nvPicPr>
         <p:blipFill>
-          <a:blip r:embed="rId4" cstate="print">
+          <a:blip r:embed="rId3" cstate="print">
             <a:extLst>
               <a:ext uri="{28A0092B-C50C-407E-A947-70E740481C1C}">
                 <a14:useLocalDpi xmlns:a14="http://schemas.microsoft.com/office/drawing/2010/main" val="0"/>
@@ -4633,22 +4586,523 @@
           </a:extLst>
         </p:spPr>
       </p:pic>
+      <p:pic>
+        <p:nvPicPr>
+          <p:cNvPr id="3074" name="Picture 2" descr="Reflectie en zelfreflectie: belangrijk onderdeel van de leerzone"/>
+          <p:cNvPicPr>
+            <a:picLocks noChangeAspect="1" noChangeArrowheads="1"/>
+          </p:cNvPicPr>
+          <p:nvPr/>
+        </p:nvPicPr>
+        <p:blipFill>
+          <a:blip r:embed="rId4">
+            <a:extLst>
+              <a:ext uri="{28A0092B-C50C-407E-A947-70E740481C1C}">
+                <a14:useLocalDpi xmlns:a14="http://schemas.microsoft.com/office/drawing/2010/main" val="0"/>
+              </a:ext>
+            </a:extLst>
+          </a:blip>
+          <a:srcRect/>
+          <a:stretch>
+            <a:fillRect/>
+          </a:stretch>
+        </p:blipFill>
+        <p:spPr bwMode="auto">
+          <a:xfrm>
+            <a:off x="5544108" y="1628800"/>
+            <a:ext cx="2952328" cy="2952328"/>
+          </a:xfrm>
+          <a:prstGeom prst="rect">
+            <a:avLst/>
+          </a:prstGeom>
+          <a:noFill/>
+          <a:ln w="38100">
+            <a:solidFill>
+              <a:srgbClr val="0070C0"/>
+            </a:solidFill>
+          </a:ln>
+          <a:extLst>
+            <a:ext uri="{909E8E84-426E-40DD-AFC4-6F175D3DCCD1}">
+              <a14:hiddenFill xmlns:a14="http://schemas.microsoft.com/office/drawing/2010/main">
+                <a:solidFill>
+                  <a:srgbClr val="FFFFFF"/>
+                </a:solidFill>
+              </a14:hiddenFill>
+            </a:ext>
+          </a:extLst>
+        </p:spPr>
+      </p:pic>
     </p:spTree>
     <p:extLst>
       <p:ext uri="{BB962C8B-B14F-4D97-AF65-F5344CB8AC3E}">
-        <p14:creationId xmlns:p14="http://schemas.microsoft.com/office/powerpoint/2010/main" val="1564339802"/>
+        <p14:creationId xmlns:p14="http://schemas.microsoft.com/office/powerpoint/2010/main" val="3519503041"/>
       </p:ext>
     </p:extLst>
   </p:cSld>
   <p:clrMapOvr>
     <a:masterClrMapping/>
   </p:clrMapOvr>
-  <mc:AlternateContent xmlns:mc="http://schemas.openxmlformats.org/markup-compatibility/2006" xmlns:p14="http://schemas.microsoft.com/office/powerpoint/2010/main">
-    <mc:Choice Requires="p14">
-      <p:transition spd="slow" p14:dur="2000" advClick="0"/>
+  <p:timing>
+    <p:tnLst>
+      <p:par>
+        <p:cTn id="1" dur="indefinite" restart="never" nodeType="tmRoot"/>
+      </p:par>
+    </p:tnLst>
+  </p:timing>
+</p:sld>
+</file>
+
+<file path=ppt/slides/slide12.xml><?xml version="1.0" encoding="utf-8"?>
+<p:sld xmlns:a="http://schemas.openxmlformats.org/drawingml/2006/main" xmlns:r="http://schemas.openxmlformats.org/officeDocument/2006/relationships" xmlns:p="http://schemas.openxmlformats.org/presentationml/2006/main">
+  <p:cSld>
+    <p:spTree>
+      <p:nvGrpSpPr>
+        <p:cNvPr id="1" name=""/>
+        <p:cNvGrpSpPr/>
+        <p:nvPr/>
+      </p:nvGrpSpPr>
+      <p:grpSpPr>
+        <a:xfrm>
+          <a:off x="0" y="0"/>
+          <a:ext cx="0" cy="0"/>
+          <a:chOff x="0" y="0"/>
+          <a:chExt cx="0" cy="0"/>
+        </a:xfrm>
+      </p:grpSpPr>
+      <p:sp>
+        <p:nvSpPr>
+          <p:cNvPr id="2" name="Titel 1"/>
+          <p:cNvSpPr>
+            <a:spLocks noGrp="1"/>
+          </p:cNvSpPr>
+          <p:nvPr>
+            <p:ph type="ctrTitle"/>
+          </p:nvPr>
+        </p:nvSpPr>
+        <p:spPr/>
+        <p:txBody>
+          <a:bodyPr/>
+          <a:lstStyle/>
+          <a:p>
+            <a:r>
+              <a:rPr lang="nl-NL" dirty="0" smtClean="0">
+                <a:latin typeface="Britannic Bold" pitchFamily="34" charset="0"/>
+              </a:rPr>
+              <a:t>Bedankt voor jullie aandacht</a:t>
+            </a:r>
+            <a:endParaRPr lang="en-GB" dirty="0">
+              <a:latin typeface="Britannic Bold" pitchFamily="34" charset="0"/>
+            </a:endParaRPr>
+          </a:p>
+        </p:txBody>
+      </p:sp>
+      <p:sp>
+        <p:nvSpPr>
+          <p:cNvPr id="3" name="Ondertitel 2"/>
+          <p:cNvSpPr>
+            <a:spLocks noGrp="1"/>
+          </p:cNvSpPr>
+          <p:nvPr>
+            <p:ph type="subTitle" idx="1"/>
+          </p:nvPr>
+        </p:nvSpPr>
+        <p:spPr/>
+        <p:txBody>
+          <a:bodyPr/>
+          <a:lstStyle/>
+          <a:p>
+            <a:r>
+              <a:rPr lang="nl-NL" dirty="0"/>
+              <a:t> </a:t>
+            </a:r>
+            <a:r>
+              <a:rPr lang="nl-NL" dirty="0">
+                <a:solidFill>
+                  <a:schemeClr val="tx1">
+                    <a:lumMod val="65000"/>
+                    <a:lumOff val="35000"/>
+                  </a:schemeClr>
+                </a:solidFill>
+              </a:rPr>
+              <a:t>T</a:t>
+            </a:r>
+            <a:r>
+              <a:rPr lang="nl-NL" dirty="0" smtClean="0">
+                <a:solidFill>
+                  <a:schemeClr val="tx1">
+                    <a:lumMod val="65000"/>
+                    <a:lumOff val="35000"/>
+                  </a:schemeClr>
+                </a:solidFill>
+              </a:rPr>
+              <a:t>eam Powerlift</a:t>
+            </a:r>
+            <a:endParaRPr lang="en-GB" dirty="0">
+              <a:solidFill>
+                <a:schemeClr val="tx1">
+                  <a:lumMod val="65000"/>
+                  <a:lumOff val="35000"/>
+                </a:schemeClr>
+              </a:solidFill>
+            </a:endParaRPr>
+          </a:p>
+        </p:txBody>
+      </p:sp>
+    </p:spTree>
+    <p:extLst>
+      <p:ext uri="{BB962C8B-B14F-4D97-AF65-F5344CB8AC3E}">
+        <p14:creationId xmlns:p14="http://schemas.microsoft.com/office/powerpoint/2010/main" val="4000132996"/>
+      </p:ext>
+    </p:extLst>
+  </p:cSld>
+  <p:clrMapOvr>
+    <a:masterClrMapping/>
+  </p:clrMapOvr>
+  <p:timing>
+    <p:tnLst>
+      <p:par>
+        <p:cTn id="1" dur="indefinite" restart="never" nodeType="tmRoot"/>
+      </p:par>
+    </p:tnLst>
+  </p:timing>
+</p:sld>
+</file>
+
+<file path=ppt/slides/slide2.xml><?xml version="1.0" encoding="utf-8"?>
+<p:sld xmlns:a="http://schemas.openxmlformats.org/drawingml/2006/main" xmlns:r="http://schemas.openxmlformats.org/officeDocument/2006/relationships" xmlns:p="http://schemas.openxmlformats.org/presentationml/2006/main">
+  <p:cSld>
+    <p:bg>
+      <p:bgPr>
+        <a:blipFill dpi="0" rotWithShape="1">
+          <a:blip r:embed="rId2"/>
+          <a:srcRect/>
+          <a:tile tx="0" ty="0" sx="100000" sy="100000" flip="none" algn="tl"/>
+        </a:blipFill>
+        <a:effectLst/>
+      </p:bgPr>
+    </p:bg>
+    <p:spTree>
+      <p:nvGrpSpPr>
+        <p:cNvPr id="1" name=""/>
+        <p:cNvGrpSpPr/>
+        <p:nvPr/>
+      </p:nvGrpSpPr>
+      <p:grpSpPr>
+        <a:xfrm>
+          <a:off x="0" y="0"/>
+          <a:ext cx="0" cy="0"/>
+          <a:chOff x="0" y="0"/>
+          <a:chExt cx="0" cy="0"/>
+        </a:xfrm>
+      </p:grpSpPr>
+      <p:sp>
+        <p:nvSpPr>
+          <p:cNvPr id="2" name="Titel 1"/>
+          <p:cNvSpPr>
+            <a:spLocks noGrp="1"/>
+          </p:cNvSpPr>
+          <p:nvPr>
+            <p:ph type="ctrTitle"/>
+          </p:nvPr>
+        </p:nvSpPr>
+        <p:spPr>
+          <a:xfrm>
+            <a:off x="827584" y="214283"/>
+            <a:ext cx="7772400" cy="1470025"/>
+          </a:xfrm>
+        </p:spPr>
+        <p:txBody>
+          <a:bodyPr/>
+          <a:lstStyle/>
+          <a:p>
+            <a:r>
+              <a:rPr lang="nl-NL" dirty="0" smtClean="0">
+                <a:solidFill>
+                  <a:srgbClr val="0070C0"/>
+                </a:solidFill>
+                <a:latin typeface="Britannic Bold" pitchFamily="34" charset="0"/>
+              </a:rPr>
+              <a:t>Powerlift App</a:t>
+            </a:r>
+            <a:endParaRPr lang="nl-NL" dirty="0">
+              <a:solidFill>
+                <a:srgbClr val="0070C0"/>
+              </a:solidFill>
+              <a:latin typeface="Britannic Bold" pitchFamily="34" charset="0"/>
+            </a:endParaRPr>
+          </a:p>
+        </p:txBody>
+      </p:sp>
+      <p:sp>
+        <p:nvSpPr>
+          <p:cNvPr id="3" name="Ondertitel 2"/>
+          <p:cNvSpPr>
+            <a:spLocks noGrp="1"/>
+          </p:cNvSpPr>
+          <p:nvPr>
+            <p:ph type="subTitle" idx="1"/>
+          </p:nvPr>
+        </p:nvSpPr>
+        <p:spPr>
+          <a:xfrm>
+            <a:off x="1835696" y="5229200"/>
+            <a:ext cx="6256784" cy="936104"/>
+          </a:xfrm>
+        </p:spPr>
+        <p:txBody>
+          <a:bodyPr/>
+          <a:lstStyle/>
+          <a:p>
+            <a:r>
+              <a:rPr lang="nl-NL" dirty="0" smtClean="0">
+                <a:solidFill>
+                  <a:schemeClr val="tx1"/>
+                </a:solidFill>
+              </a:rPr>
+              <a:t>Daan &amp; Joeri &amp; Marijn</a:t>
+            </a:r>
+            <a:endParaRPr lang="nl-NL" dirty="0">
+              <a:solidFill>
+                <a:schemeClr val="tx1"/>
+              </a:solidFill>
+            </a:endParaRPr>
+          </a:p>
+        </p:txBody>
+      </p:sp>
+      <p:sp>
+        <p:nvSpPr>
+          <p:cNvPr id="4" name="AutoShape 2" descr="https://web.whatsapp.com/pp?e=https%3A%2F%2Fpps.whatsapp.net%2Fv%2Ft61.24694-24%2F56105949_635131250283389_590485585756422144_n.jpg%3Foe%3D5ECEAE72%26oh%3Da9bacc5be8141e69b38d598abf8752f1&amp;t=l&amp;u=31657183772%40c.us&amp;i=1543161573&amp;n=5b4qmPsF8vuedN1ON2PhStuj3D%2Bk%2BTlHh4pnWmENkB0%3D"/>
+          <p:cNvSpPr>
+            <a:spLocks noChangeAspect="1" noChangeArrowheads="1"/>
+          </p:cNvSpPr>
+          <p:nvPr/>
+        </p:nvSpPr>
+        <p:spPr bwMode="auto">
+          <a:xfrm>
+            <a:off x="155575" y="-144463"/>
+            <a:ext cx="304800" cy="304801"/>
+          </a:xfrm>
+          <a:prstGeom prst="rect">
+            <a:avLst/>
+          </a:prstGeom>
+          <a:noFill/>
+          <a:extLst>
+            <a:ext uri="{909E8E84-426E-40DD-AFC4-6F175D3DCCD1}">
+              <a14:hiddenFill xmlns:a14="http://schemas.microsoft.com/office/drawing/2010/main">
+                <a:solidFill>
+                  <a:srgbClr val="FFFFFF"/>
+                </a:solidFill>
+              </a14:hiddenFill>
+            </a:ext>
+          </a:extLst>
+        </p:spPr>
+        <p:txBody>
+          <a:bodyPr vert="horz" wrap="square" lIns="91440" tIns="45720" rIns="91440" bIns="45720" numCol="1" anchor="t" anchorCtr="0" compatLnSpc="1">
+            <a:prstTxWarp prst="textNoShape">
+              <a:avLst/>
+            </a:prstTxWarp>
+          </a:bodyPr>
+          <a:lstStyle/>
+          <a:p>
+            <a:endParaRPr lang="nl-NL"/>
+          </a:p>
+        </p:txBody>
+      </p:sp>
+      <p:sp>
+        <p:nvSpPr>
+          <p:cNvPr id="5" name="AutoShape 5" descr="https://web.whatsapp.com/pp?e=https%3A%2F%2Fpps.whatsapp.net%2Fv%2Ft61.24694-24%2F71169439_2871767393042871_6574768919836063135_n.jpg%3Foe%3D5ECEAE72%26oh%3Dfc8ac39969c06fbe19a8601bc241ccd0&amp;t=l&amp;u=31622147988%40c.us&amp;i=1586265244&amp;n=QoyCtpWrziAf%2B7oTPGqh1HTKhFIvEL0j0tieuRE2DS0%3D"/>
+          <p:cNvSpPr>
+            <a:spLocks noChangeAspect="1" noChangeArrowheads="1"/>
+          </p:cNvSpPr>
+          <p:nvPr/>
+        </p:nvSpPr>
+        <p:spPr bwMode="auto">
+          <a:xfrm>
+            <a:off x="307975" y="7937"/>
+            <a:ext cx="304800" cy="304801"/>
+          </a:xfrm>
+          <a:prstGeom prst="rect">
+            <a:avLst/>
+          </a:prstGeom>
+          <a:noFill/>
+          <a:extLst>
+            <a:ext uri="{909E8E84-426E-40DD-AFC4-6F175D3DCCD1}">
+              <a14:hiddenFill xmlns:a14="http://schemas.microsoft.com/office/drawing/2010/main">
+                <a:solidFill>
+                  <a:srgbClr val="FFFFFF"/>
+                </a:solidFill>
+              </a14:hiddenFill>
+            </a:ext>
+          </a:extLst>
+        </p:spPr>
+        <p:txBody>
+          <a:bodyPr vert="horz" wrap="square" lIns="91440" tIns="45720" rIns="91440" bIns="45720" numCol="1" anchor="t" anchorCtr="0" compatLnSpc="1">
+            <a:prstTxWarp prst="textNoShape">
+              <a:avLst/>
+            </a:prstTxWarp>
+          </a:bodyPr>
+          <a:lstStyle/>
+          <a:p>
+            <a:endParaRPr lang="nl-NL"/>
+          </a:p>
+        </p:txBody>
+      </p:sp>
+      <p:pic>
+        <p:nvPicPr>
+          <p:cNvPr id="1030" name="Picture 6"/>
+          <p:cNvPicPr>
+            <a:picLocks noChangeAspect="1" noChangeArrowheads="1"/>
+          </p:cNvPicPr>
+          <p:nvPr/>
+        </p:nvPicPr>
+        <p:blipFill>
+          <a:blip r:embed="rId3" cstate="print">
+            <a:extLst>
+              <a:ext uri="{28A0092B-C50C-407E-A947-70E740481C1C}">
+                <a14:useLocalDpi xmlns:a14="http://schemas.microsoft.com/office/drawing/2010/main" val="0"/>
+              </a:ext>
+            </a:extLst>
+          </a:blip>
+          <a:srcRect/>
+          <a:stretch>
+            <a:fillRect/>
+          </a:stretch>
+        </p:blipFill>
+        <p:spPr bwMode="auto">
+          <a:xfrm>
+            <a:off x="3995936" y="1558712"/>
+            <a:ext cx="1800200" cy="1800200"/>
+          </a:xfrm>
+          <a:prstGeom prst="rect">
+            <a:avLst/>
+          </a:prstGeom>
+          <a:noFill/>
+          <a:ln>
+            <a:noFill/>
+          </a:ln>
+          <a:extLst>
+            <a:ext uri="{909E8E84-426E-40DD-AFC4-6F175D3DCCD1}">
+              <a14:hiddenFill xmlns:a14="http://schemas.microsoft.com/office/drawing/2010/main">
+                <a:solidFill>
+                  <a:schemeClr val="accent1"/>
+                </a:solidFill>
+              </a14:hiddenFill>
+            </a:ext>
+            <a:ext uri="{91240B29-F687-4F45-9708-019B960494DF}">
+              <a14:hiddenLine xmlns:a14="http://schemas.microsoft.com/office/drawing/2010/main" w="9525">
+                <a:solidFill>
+                  <a:schemeClr val="tx1"/>
+                </a:solidFill>
+                <a:miter lim="800000"/>
+                <a:headEnd/>
+                <a:tailEnd/>
+              </a14:hiddenLine>
+            </a:ext>
+          </a:extLst>
+        </p:spPr>
+      </p:pic>
+      <p:pic>
+        <p:nvPicPr>
+          <p:cNvPr id="1031" name="Picture 7"/>
+          <p:cNvPicPr>
+            <a:picLocks noChangeAspect="1" noChangeArrowheads="1"/>
+          </p:cNvPicPr>
+          <p:nvPr/>
+        </p:nvPicPr>
+        <p:blipFill rotWithShape="1">
+          <a:blip r:embed="rId4" cstate="print">
+            <a:extLst>
+              <a:ext uri="{28A0092B-C50C-407E-A947-70E740481C1C}">
+                <a14:useLocalDpi xmlns:a14="http://schemas.microsoft.com/office/drawing/2010/main" val="0"/>
+              </a:ext>
+            </a:extLst>
+          </a:blip>
+          <a:srcRect l="15711" t="15304" r="14260" b="12799"/>
+          <a:stretch/>
+        </p:blipFill>
+        <p:spPr bwMode="auto">
+          <a:xfrm>
+            <a:off x="6732240" y="2334116"/>
+            <a:ext cx="1708316" cy="1753873"/>
+          </a:xfrm>
+          <a:prstGeom prst="rect">
+            <a:avLst/>
+          </a:prstGeom>
+          <a:noFill/>
+          <a:ln>
+            <a:noFill/>
+          </a:ln>
+          <a:extLst>
+            <a:ext uri="{909E8E84-426E-40DD-AFC4-6F175D3DCCD1}">
+              <a14:hiddenFill xmlns:a14="http://schemas.microsoft.com/office/drawing/2010/main">
+                <a:solidFill>
+                  <a:schemeClr val="accent1"/>
+                </a:solidFill>
+              </a14:hiddenFill>
+            </a:ext>
+            <a:ext uri="{91240B29-F687-4F45-9708-019B960494DF}">
+              <a14:hiddenLine xmlns:a14="http://schemas.microsoft.com/office/drawing/2010/main" w="9525">
+                <a:solidFill>
+                  <a:schemeClr val="tx1"/>
+                </a:solidFill>
+                <a:miter lim="800000"/>
+                <a:headEnd/>
+                <a:tailEnd/>
+              </a14:hiddenLine>
+            </a:ext>
+          </a:extLst>
+        </p:spPr>
+      </p:pic>
+      <p:pic>
+        <p:nvPicPr>
+          <p:cNvPr id="6" name="Afbeelding 5"/>
+          <p:cNvPicPr>
+            <a:picLocks noChangeAspect="1"/>
+          </p:cNvPicPr>
+          <p:nvPr/>
+        </p:nvPicPr>
+        <p:blipFill>
+          <a:blip r:embed="rId5">
+            <a:extLst>
+              <a:ext uri="{28A0092B-C50C-407E-A947-70E740481C1C}">
+                <a14:useLocalDpi xmlns:a14="http://schemas.microsoft.com/office/drawing/2010/main" val="0"/>
+              </a:ext>
+            </a:extLst>
+          </a:blip>
+          <a:stretch>
+            <a:fillRect/>
+          </a:stretch>
+        </p:blipFill>
+        <p:spPr>
+          <a:xfrm>
+            <a:off x="1043608" y="2132856"/>
+            <a:ext cx="2011514" cy="1944463"/>
+          </a:xfrm>
+          <a:prstGeom prst="rect">
+            <a:avLst/>
+          </a:prstGeom>
+        </p:spPr>
+      </p:pic>
+    </p:spTree>
+    <p:extLst>
+      <p:ext uri="{BB962C8B-B14F-4D97-AF65-F5344CB8AC3E}">
+        <p14:creationId xmlns:p14="http://schemas.microsoft.com/office/powerpoint/2010/main" val="2315812885"/>
+      </p:ext>
+    </p:extLst>
+  </p:cSld>
+  <p:clrMapOvr>
+    <a:masterClrMapping/>
+  </p:clrMapOvr>
+  <mc:AlternateContent xmlns:mc="http://schemas.openxmlformats.org/markup-compatibility/2006">
+    <mc:Choice xmlns:p14="http://schemas.microsoft.com/office/powerpoint/2010/main" Requires="p14">
+      <p:transition spd="med" p14:dur="700" advClick="0">
+        <p:fade/>
+      </p:transition>
     </mc:Choice>
-    <mc:Fallback xmlns="">
-      <p:transition spd="slow" advClick="0"/>
+    <mc:Fallback>
+      <p:transition spd="med" advClick="0">
+        <p:fade/>
+      </p:transition>
     </mc:Fallback>
   </mc:AlternateContent>
   <p:timing>
@@ -4690,18 +5144,16 @@
         </p:nvSpPr>
         <p:spPr/>
         <p:txBody>
-          <a:bodyPr>
-            <a:normAutofit/>
-          </a:bodyPr>
+          <a:bodyPr/>
           <a:lstStyle/>
           <a:p>
             <a:r>
               <a:rPr lang="nl-NL" dirty="0" smtClean="0">
                 <a:latin typeface="Britannic Bold" pitchFamily="34" charset="0"/>
               </a:rPr>
-              <a:t>Aanpak van het project</a:t>
-            </a:r>
-            <a:endParaRPr lang="en-GB" dirty="0">
+              <a:t>Wat doet de applicatie</a:t>
+            </a:r>
+            <a:endParaRPr lang="nl-NL" dirty="0">
               <a:latin typeface="Britannic Bold" pitchFamily="34" charset="0"/>
             </a:endParaRPr>
           </a:p>
@@ -4724,70 +5176,68 @@
           <a:p>
             <a:r>
               <a:rPr lang="nl-NL" dirty="0" smtClean="0"/>
-              <a:t>Scrum</a:t>
+              <a:t>Coach</a:t>
             </a:r>
           </a:p>
           <a:p>
             <a:pPr lvl="1"/>
             <a:r>
               <a:rPr lang="nl-NL" dirty="0" smtClean="0"/>
-              <a:t>Sprints</a:t>
+              <a:t>Planning maken</a:t>
             </a:r>
           </a:p>
           <a:p>
             <a:pPr lvl="1"/>
             <a:r>
               <a:rPr lang="nl-NL" dirty="0" smtClean="0"/>
-              <a:t>User </a:t>
-            </a:r>
-            <a:r>
-              <a:rPr lang="nl-NL" dirty="0" err="1" smtClean="0"/>
-              <a:t>stories</a:t>
-            </a:r>
-            <a:endParaRPr lang="nl-NL" dirty="0"/>
+              <a:t>Uitleg oefeningen geven</a:t>
+            </a:r>
           </a:p>
           <a:p>
             <a:pPr lvl="1"/>
             <a:r>
-              <a:rPr lang="nl-NL" dirty="0"/>
-              <a:t>Product </a:t>
-            </a:r>
-            <a:r>
-              <a:rPr lang="nl-NL" dirty="0" err="1" smtClean="0"/>
-              <a:t>Backlog</a:t>
-            </a:r>
-            <a:endParaRPr lang="nl-NL" dirty="0" smtClean="0"/>
-          </a:p>
-          <a:p>
-            <a:endParaRPr lang="nl-NL" dirty="0" smtClean="0"/>
-          </a:p>
-          <a:p>
-            <a:r>
-              <a:rPr lang="nl-NL" dirty="0" err="1" smtClean="0"/>
-              <a:t>Wireframe</a:t>
-            </a:r>
-            <a:endParaRPr lang="nl-NL" dirty="0" smtClean="0"/>
-          </a:p>
-          <a:p>
-            <a:endParaRPr lang="nl-NL" dirty="0"/>
-          </a:p>
-          <a:p>
-            <a:r>
               <a:rPr lang="nl-NL" dirty="0" smtClean="0"/>
-              <a:t>Klassen diagram</a:t>
+              <a:t>Voortgang sporters bekijken</a:t>
+            </a:r>
+          </a:p>
+          <a:p>
+            <a:r>
+              <a:rPr lang="nl-NL" dirty="0" smtClean="0"/>
+              <a:t>Sporter</a:t>
+            </a:r>
+          </a:p>
+          <a:p>
+            <a:pPr lvl="1"/>
+            <a:r>
+              <a:rPr lang="nl-NL" dirty="0" smtClean="0"/>
+              <a:t>Planning bekijken</a:t>
+            </a:r>
+          </a:p>
+          <a:p>
+            <a:pPr lvl="1"/>
+            <a:r>
+              <a:rPr lang="nl-NL" dirty="0" smtClean="0"/>
+              <a:t>Uitleg bekijken</a:t>
+            </a:r>
+          </a:p>
+          <a:p>
+            <a:pPr lvl="1"/>
+            <a:r>
+              <a:rPr lang="nl-NL" dirty="0" smtClean="0"/>
+              <a:t>Oefeningen invullen</a:t>
             </a:r>
           </a:p>
         </p:txBody>
       </p:sp>
       <p:pic>
         <p:nvPicPr>
-          <p:cNvPr id="9220" name="Picture 4" descr="How to use a Scrum Board to Maximize Personal and Team ..."/>
+          <p:cNvPr id="10244" name="Picture 4" descr="Prijzen van een personal trainer in Leerdam - Personal-trainer.nl"/>
           <p:cNvPicPr>
             <a:picLocks noChangeAspect="1" noChangeArrowheads="1"/>
           </p:cNvPicPr>
           <p:nvPr/>
         </p:nvPicPr>
-        <p:blipFill>
+        <p:blipFill rotWithShape="1">
           <a:blip r:embed="rId3">
             <a:extLst>
               <a:ext uri="{28A0092B-C50C-407E-A947-70E740481C1C}">
@@ -4795,15 +5245,13 @@
               </a:ext>
             </a:extLst>
           </a:blip>
-          <a:srcRect/>
-          <a:stretch>
-            <a:fillRect/>
-          </a:stretch>
+          <a:srcRect l="26099" r="13977"/>
+          <a:stretch/>
         </p:blipFill>
         <p:spPr bwMode="auto">
           <a:xfrm>
-            <a:off x="4194619" y="1556792"/>
-            <a:ext cx="4523344" cy="2376264"/>
+            <a:off x="5819958" y="1628800"/>
+            <a:ext cx="2686023" cy="2592288"/>
           </a:xfrm>
           <a:prstGeom prst="rect">
             <a:avLst/>
@@ -4822,7 +5270,7 @@
       </p:pic>
       <p:pic>
         <p:nvPicPr>
-          <p:cNvPr id="7" name="Picture 2"/>
+          <p:cNvPr id="8" name="Picture 2"/>
           <p:cNvPicPr>
             <a:picLocks noChangeAspect="1" noChangeArrowheads="1"/>
           </p:cNvPicPr>
@@ -4887,7 +5335,7 @@
     </p:spTree>
     <p:extLst>
       <p:ext uri="{BB962C8B-B14F-4D97-AF65-F5344CB8AC3E}">
-        <p14:creationId xmlns:p14="http://schemas.microsoft.com/office/powerpoint/2010/main" val="762103338"/>
+        <p14:creationId xmlns:p14="http://schemas.microsoft.com/office/powerpoint/2010/main" val="1564339802"/>
       </p:ext>
     </p:extLst>
   </p:cSld>
@@ -4950,15 +5398,9 @@
               <a:rPr lang="nl-NL" dirty="0" smtClean="0">
                 <a:latin typeface="Britannic Bold" pitchFamily="34" charset="0"/>
               </a:rPr>
-              <a:t>User </a:t>
-            </a:r>
-            <a:r>
-              <a:rPr lang="nl-NL" dirty="0" smtClean="0">
-                <a:latin typeface="Britannic Bold" pitchFamily="34" charset="0"/>
-              </a:rPr>
-              <a:t>stories</a:t>
-            </a:r>
-            <a:endParaRPr lang="nl-NL" dirty="0">
+              <a:t>Aanpak van het project</a:t>
+            </a:r>
+            <a:endParaRPr lang="en-GB" dirty="0">
               <a:latin typeface="Britannic Bold" pitchFamily="34" charset="0"/>
             </a:endParaRPr>
           </a:p>
@@ -4966,7 +5408,7 @@
       </p:sp>
       <p:sp>
         <p:nvSpPr>
-          <p:cNvPr id="4" name="Tijdelijke aanduiding voor inhoud 2"/>
+          <p:cNvPr id="3" name="Tijdelijke aanduiding voor inhoud 2"/>
           <p:cNvSpPr>
             <a:spLocks noGrp="1"/>
           </p:cNvSpPr>
@@ -4974,37 +5416,78 @@
             <p:ph idx="1"/>
           </p:nvPr>
         </p:nvSpPr>
-        <p:spPr>
-          <a:xfrm>
-            <a:off x="457200" y="1600200"/>
-            <a:ext cx="4402832" cy="4525963"/>
-          </a:xfrm>
-        </p:spPr>
-        <p:txBody>
-          <a:bodyPr>
-            <a:normAutofit/>
-          </a:bodyPr>
-          <a:lstStyle/>
-          <a:p>
+        <p:spPr/>
+        <p:txBody>
+          <a:bodyPr/>
+          <a:lstStyle/>
+          <a:p>
+            <a:r>
+              <a:rPr lang="nl-NL" dirty="0" smtClean="0"/>
+              <a:t>Scrum</a:t>
+            </a:r>
+          </a:p>
+          <a:p>
+            <a:pPr lvl="1"/>
+            <a:r>
+              <a:rPr lang="nl-NL" dirty="0" smtClean="0"/>
+              <a:t>Sprints</a:t>
+            </a:r>
+          </a:p>
+          <a:p>
+            <a:pPr lvl="1"/>
+            <a:r>
+              <a:rPr lang="nl-NL" dirty="0" smtClean="0"/>
+              <a:t>User </a:t>
+            </a:r>
+            <a:r>
+              <a:rPr lang="nl-NL" dirty="0" err="1" smtClean="0"/>
+              <a:t>stories</a:t>
+            </a:r>
+            <a:endParaRPr lang="nl-NL" dirty="0"/>
+          </a:p>
+          <a:p>
+            <a:pPr lvl="1"/>
+            <a:r>
+              <a:rPr lang="nl-NL" dirty="0"/>
+              <a:t>Product </a:t>
+            </a:r>
+            <a:r>
+              <a:rPr lang="nl-NL" dirty="0" err="1" smtClean="0"/>
+              <a:t>Backlog</a:t>
+            </a:r>
             <a:endParaRPr lang="nl-NL" dirty="0" smtClean="0"/>
           </a:p>
           <a:p>
-            <a:pPr lvl="1"/>
             <a:endParaRPr lang="nl-NL" dirty="0" smtClean="0"/>
           </a:p>
           <a:p>
+            <a:r>
+              <a:rPr lang="nl-NL" dirty="0" err="1" smtClean="0"/>
+              <a:t>Wireframe</a:t>
+            </a:r>
             <a:endParaRPr lang="nl-NL" dirty="0" smtClean="0"/>
+          </a:p>
+          <a:p>
+            <a:endParaRPr lang="nl-NL" dirty="0"/>
+          </a:p>
+          <a:p>
+            <a:r>
+              <a:rPr lang="nl-NL" dirty="0" smtClean="0"/>
+              <a:t>Klassen diagram</a:t>
+            </a:r>
           </a:p>
         </p:txBody>
       </p:sp>
       <p:pic>
         <p:nvPicPr>
-          <p:cNvPr id="8" name="Picture 7" descr="C:\Users\Marijn\Desktop\Untitled-3.png"/>
-          <p:cNvPicPr/>
+          <p:cNvPr id="9220" name="Picture 4" descr="How to use a Scrum Board to Maximize Personal and Team ..."/>
+          <p:cNvPicPr>
+            <a:picLocks noChangeAspect="1" noChangeArrowheads="1"/>
+          </p:cNvPicPr>
           <p:nvPr/>
         </p:nvPicPr>
         <p:blipFill>
-          <a:blip r:embed="rId2">
+          <a:blip r:embed="rId3">
             <a:extLst>
               <a:ext uri="{28A0092B-C50C-407E-A947-70E740481C1C}">
                 <a14:useLocalDpi xmlns:a14="http://schemas.microsoft.com/office/drawing/2010/main" val="0"/>
@@ -5018,245 +5501,34 @@
         </p:blipFill>
         <p:spPr bwMode="auto">
           <a:xfrm>
-            <a:off x="-351602" y="1124744"/>
-            <a:ext cx="4392488" cy="3392691"/>
+            <a:off x="4194619" y="1556792"/>
+            <a:ext cx="4523344" cy="2376264"/>
           </a:xfrm>
           <a:prstGeom prst="rect">
             <a:avLst/>
           </a:prstGeom>
           <a:noFill/>
-          <a:ln>
-            <a:noFill/>
-          </a:ln>
+          <a:extLst>
+            <a:ext uri="{909E8E84-426E-40DD-AFC4-6F175D3DCCD1}">
+              <a14:hiddenFill xmlns:a14="http://schemas.microsoft.com/office/drawing/2010/main">
+                <a:solidFill>
+                  <a:srgbClr val="FFFFFF"/>
+                </a:solidFill>
+              </a14:hiddenFill>
+            </a:ext>
+          </a:extLst>
         </p:spPr>
       </p:pic>
       <p:pic>
         <p:nvPicPr>
-          <p:cNvPr id="9" name="Picture 8" descr="C:\Users\Marijn\Desktop\Untitled-3.png"/>
-          <p:cNvPicPr/>
-          <p:nvPr/>
-        </p:nvPicPr>
-        <p:blipFill>
-          <a:blip r:embed="rId2">
-            <a:extLst>
-              <a:ext uri="{28A0092B-C50C-407E-A947-70E740481C1C}">
-                <a14:useLocalDpi xmlns:a14="http://schemas.microsoft.com/office/drawing/2010/main" val="0"/>
-              </a:ext>
-            </a:extLst>
-          </a:blip>
-          <a:srcRect/>
-          <a:stretch>
-            <a:fillRect/>
-          </a:stretch>
-        </p:blipFill>
-        <p:spPr bwMode="auto">
-          <a:xfrm>
-            <a:off x="5076056" y="1121842"/>
-            <a:ext cx="4464496" cy="3312368"/>
-          </a:xfrm>
-          <a:prstGeom prst="rect">
-            <a:avLst/>
-          </a:prstGeom>
-          <a:noFill/>
-          <a:ln>
-            <a:noFill/>
-          </a:ln>
-        </p:spPr>
-      </p:pic>
-      <p:sp>
-        <p:nvSpPr>
-          <p:cNvPr id="6" name="TextBox 5"/>
-          <p:cNvSpPr txBox="1"/>
-          <p:nvPr/>
-        </p:nvSpPr>
-        <p:spPr>
-          <a:xfrm>
-            <a:off x="800526" y="1700808"/>
-            <a:ext cx="2088232" cy="1600438"/>
-          </a:xfrm>
-          <a:prstGeom prst="rect">
-            <a:avLst/>
-          </a:prstGeom>
-          <a:noFill/>
-        </p:spPr>
-        <p:txBody>
-          <a:bodyPr wrap="square" rtlCol="0">
-            <a:spAutoFit/>
-          </a:bodyPr>
-          <a:lstStyle/>
-          <a:p>
-            <a:r>
-              <a:rPr lang="en-US" sz="1400" dirty="0" smtClean="0"/>
-              <a:t>PL000</a:t>
-            </a:r>
-            <a:endParaRPr lang="nl-NL" sz="1400" dirty="0" smtClean="0"/>
-          </a:p>
-          <a:p>
-            <a:r>
-              <a:rPr lang="nl-NL" sz="1400" dirty="0" smtClean="0"/>
-              <a:t>Als </a:t>
-            </a:r>
-            <a:r>
-              <a:rPr lang="nl-NL" sz="1400" dirty="0"/>
-              <a:t>ontwikkelaar wil ik dat het project wordt opgezet, zodat er een goeie basis staat waaraan verder gewerkt kan worden.</a:t>
-            </a:r>
-            <a:endParaRPr lang="nl-NL" dirty="0"/>
-          </a:p>
-        </p:txBody>
-      </p:sp>
-      <p:sp>
-        <p:nvSpPr>
-          <p:cNvPr id="10" name="TextBox 9"/>
-          <p:cNvSpPr txBox="1"/>
-          <p:nvPr/>
-        </p:nvSpPr>
-        <p:spPr>
-          <a:xfrm>
-            <a:off x="6372201" y="1700808"/>
-            <a:ext cx="1872208" cy="1938992"/>
-          </a:xfrm>
-          <a:prstGeom prst="rect">
-            <a:avLst/>
-          </a:prstGeom>
-          <a:noFill/>
-        </p:spPr>
-        <p:txBody>
-          <a:bodyPr wrap="square" rtlCol="0">
-            <a:spAutoFit/>
-          </a:bodyPr>
-          <a:lstStyle/>
-          <a:p>
-            <a:r>
-              <a:rPr lang="nl-NL" sz="1400" dirty="0"/>
-              <a:t>PL004 </a:t>
-            </a:r>
-            <a:endParaRPr lang="nl-NL" sz="1400" dirty="0"/>
-          </a:p>
-          <a:p>
-            <a:r>
-              <a:rPr lang="nl-NL" sz="1400" dirty="0" smtClean="0"/>
-              <a:t>Als </a:t>
-            </a:r>
-            <a:r>
-              <a:rPr lang="nl-NL" sz="1400" dirty="0"/>
-              <a:t>ontwikkelaar wil ik dat een object[] wordt teruggegeven zodat de klant kan inzien hoe zijn Uitvoering was</a:t>
-            </a:r>
-            <a:r>
-              <a:rPr lang="nl-NL" sz="1400" dirty="0" smtClean="0"/>
-              <a:t>.</a:t>
-            </a:r>
-            <a:r>
-              <a:rPr lang="nl-NL" sz="1400" dirty="0"/>
-              <a:t/>
-            </a:r>
-            <a:br>
-              <a:rPr lang="nl-NL" sz="1400" dirty="0"/>
-            </a:br>
-            <a:r>
-              <a:rPr lang="nl-NL" dirty="0"/>
-              <a:t/>
-            </a:r>
-            <a:br>
-              <a:rPr lang="nl-NL" dirty="0"/>
-            </a:br>
-            <a:endParaRPr lang="nl-NL" dirty="0"/>
-          </a:p>
-        </p:txBody>
-      </p:sp>
-      <p:pic>
-        <p:nvPicPr>
-          <p:cNvPr id="13" name="Picture 12" descr="C:\Users\Marijn\Desktop\Untitled-3.png"/>
-          <p:cNvPicPr/>
-          <p:nvPr/>
-        </p:nvPicPr>
-        <p:blipFill>
-          <a:blip r:embed="rId2">
-            <a:extLst>
-              <a:ext uri="{28A0092B-C50C-407E-A947-70E740481C1C}">
-                <a14:useLocalDpi xmlns:a14="http://schemas.microsoft.com/office/drawing/2010/main" val="0"/>
-              </a:ext>
-            </a:extLst>
-          </a:blip>
-          <a:srcRect/>
-          <a:stretch>
-            <a:fillRect/>
-          </a:stretch>
-        </p:blipFill>
-        <p:spPr bwMode="auto">
-          <a:xfrm>
-            <a:off x="2267744" y="3529922"/>
-            <a:ext cx="4464496" cy="3312368"/>
-          </a:xfrm>
-          <a:prstGeom prst="rect">
-            <a:avLst/>
-          </a:prstGeom>
-          <a:noFill/>
-          <a:ln>
-            <a:noFill/>
-          </a:ln>
-        </p:spPr>
-      </p:pic>
-      <p:sp>
-        <p:nvSpPr>
-          <p:cNvPr id="11" name="TextBox 10"/>
-          <p:cNvSpPr txBox="1"/>
-          <p:nvPr/>
-        </p:nvSpPr>
-        <p:spPr>
-          <a:xfrm>
-            <a:off x="3491880" y="4175829"/>
-            <a:ext cx="2016224" cy="1723549"/>
-          </a:xfrm>
-          <a:prstGeom prst="rect">
-            <a:avLst/>
-          </a:prstGeom>
-          <a:noFill/>
-        </p:spPr>
-        <p:txBody>
-          <a:bodyPr wrap="square" rtlCol="0">
-            <a:spAutoFit/>
-          </a:bodyPr>
-          <a:lstStyle/>
-          <a:p>
-            <a:r>
-              <a:rPr lang="nl-NL" sz="1400" dirty="0"/>
-              <a:t>PL002 </a:t>
-            </a:r>
-            <a:endParaRPr lang="nl-NL" sz="1400" dirty="0"/>
-          </a:p>
-          <a:p>
-            <a:r>
-              <a:rPr lang="nl-NL" sz="1400" dirty="0" smtClean="0"/>
-              <a:t>Als </a:t>
-            </a:r>
-            <a:r>
-              <a:rPr lang="nl-NL" sz="1400" dirty="0"/>
-              <a:t>nieuwe sporter wil ik kunnen registreren, zodat zijn account in het systeem staat.</a:t>
-            </a:r>
-            <a:endParaRPr lang="nl-NL" sz="1400" dirty="0"/>
-          </a:p>
-          <a:p>
-            <a:r>
-              <a:rPr lang="nl-NL" dirty="0"/>
-              <a:t/>
-            </a:r>
-            <a:br>
-              <a:rPr lang="nl-NL" dirty="0"/>
-            </a:br>
-            <a:endParaRPr lang="nl-NL" dirty="0"/>
-          </a:p>
-        </p:txBody>
-      </p:sp>
-      <p:pic>
-        <p:nvPicPr>
-          <p:cNvPr id="15" name="Picture 2"/>
+          <p:cNvPr id="7" name="Picture 2"/>
           <p:cNvPicPr>
             <a:picLocks noChangeAspect="1" noChangeArrowheads="1"/>
           </p:cNvPicPr>
           <p:nvPr/>
         </p:nvPicPr>
         <p:blipFill>
-          <a:blip r:embed="rId3" cstate="print">
+          <a:blip r:embed="rId4" cstate="print">
             <a:extLst>
               <a:ext uri="{28A0092B-C50C-407E-A947-70E740481C1C}">
                 <a14:useLocalDpi xmlns:a14="http://schemas.microsoft.com/office/drawing/2010/main" val="0"/>
@@ -5314,7 +5586,7 @@
     </p:spTree>
     <p:extLst>
       <p:ext uri="{BB962C8B-B14F-4D97-AF65-F5344CB8AC3E}">
-        <p14:creationId xmlns:p14="http://schemas.microsoft.com/office/powerpoint/2010/main" val="4133752792"/>
+        <p14:creationId xmlns:p14="http://schemas.microsoft.com/office/powerpoint/2010/main" val="762103338"/>
       </p:ext>
     </p:extLst>
   </p:cSld>
@@ -5323,10 +5595,10 @@
   </p:clrMapOvr>
   <mc:AlternateContent xmlns:mc="http://schemas.openxmlformats.org/markup-compatibility/2006" xmlns:p14="http://schemas.microsoft.com/office/powerpoint/2010/main">
     <mc:Choice Requires="p14">
-      <p:transition spd="slow" p14:dur="2000"/>
+      <p:transition spd="slow" p14:dur="2000" advClick="0"/>
     </mc:Choice>
     <mc:Fallback xmlns="">
-      <p:transition spd="slow"/>
+      <p:transition spd="slow" advClick="0"/>
     </mc:Fallback>
   </mc:AlternateContent>
   <p:timing>
@@ -5377,7 +5649,7 @@
               <a:rPr lang="nl-NL" dirty="0" smtClean="0">
                 <a:latin typeface="Britannic Bold" pitchFamily="34" charset="0"/>
               </a:rPr>
-              <a:t>User story analyse</a:t>
+              <a:t>User stories</a:t>
             </a:r>
             <a:endParaRPr lang="nl-NL" dirty="0">
               <a:latin typeface="Britannic Bold" pitchFamily="34" charset="0"/>
@@ -5407,53 +5679,6 @@
           </a:bodyPr>
           <a:lstStyle/>
           <a:p>
-            <a:r>
-              <a:rPr lang="nl-NL" sz="2400" dirty="0" smtClean="0"/>
-              <a:t>Inloggen</a:t>
-            </a:r>
-          </a:p>
-          <a:p>
-            <a:endParaRPr lang="nl-NL" sz="2400" dirty="0" smtClean="0"/>
-          </a:p>
-          <a:p>
-            <a:r>
-              <a:rPr lang="nl-NL" sz="2400" dirty="0" smtClean="0"/>
-              <a:t>Sporteropties toevoegen</a:t>
-            </a:r>
-          </a:p>
-          <a:p>
-            <a:pPr marL="0" indent="0">
-              <a:buNone/>
-            </a:pPr>
-            <a:endParaRPr lang="nl-NL" sz="2400" dirty="0" smtClean="0"/>
-          </a:p>
-          <a:p>
-            <a:r>
-              <a:rPr lang="nl-NL" sz="2400" dirty="0" smtClean="0"/>
-              <a:t>Coachopties toevoegen (</a:t>
-            </a:r>
-            <a:r>
-              <a:rPr lang="nl-NL" sz="2400" dirty="0" err="1" smtClean="0"/>
-              <a:t>Angular</a:t>
-            </a:r>
-            <a:r>
-              <a:rPr lang="nl-NL" sz="2400" dirty="0" smtClean="0"/>
-              <a:t>)</a:t>
-            </a:r>
-          </a:p>
-          <a:p>
-            <a:pPr marL="0" indent="0">
-              <a:buNone/>
-            </a:pPr>
-            <a:endParaRPr lang="nl-NL" sz="2400" dirty="0" smtClean="0"/>
-          </a:p>
-          <a:p>
-            <a:r>
-              <a:rPr lang="nl-NL" sz="2400" dirty="0" smtClean="0"/>
-              <a:t>Mooi maken van de app (Bootstrap)</a:t>
-            </a:r>
-          </a:p>
-          <a:p>
             <a:endParaRPr lang="nl-NL" dirty="0" smtClean="0"/>
           </a:p>
           <a:p>
@@ -5465,358 +5690,256 @@
           </a:p>
         </p:txBody>
       </p:sp>
-      <p:cxnSp>
-        <p:nvCxnSpPr>
-          <p:cNvPr id="33" name="Rechte verbindingslijn met pijl 32"/>
-          <p:cNvCxnSpPr/>
+      <p:pic>
+        <p:nvPicPr>
+          <p:cNvPr id="8" name="Picture 7" descr="C:\Users\Marijn\Desktop\Untitled-3.png"/>
+          <p:cNvPicPr/>
           <p:nvPr/>
-        </p:nvCxnSpPr>
+        </p:nvPicPr>
+        <p:blipFill>
+          <a:blip r:embed="rId2">
+            <a:extLst>
+              <a:ext uri="{28A0092B-C50C-407E-A947-70E740481C1C}">
+                <a14:useLocalDpi xmlns:a14="http://schemas.microsoft.com/office/drawing/2010/main" val="0"/>
+              </a:ext>
+            </a:extLst>
+          </a:blip>
+          <a:srcRect/>
+          <a:stretch>
+            <a:fillRect/>
+          </a:stretch>
+        </p:blipFill>
+        <p:spPr bwMode="auto">
+          <a:xfrm>
+            <a:off x="-351602" y="1124744"/>
+            <a:ext cx="4392488" cy="3392691"/>
+          </a:xfrm>
+          <a:prstGeom prst="rect">
+            <a:avLst/>
+          </a:prstGeom>
+          <a:noFill/>
+          <a:ln>
+            <a:noFill/>
+          </a:ln>
+        </p:spPr>
+      </p:pic>
+      <p:pic>
+        <p:nvPicPr>
+          <p:cNvPr id="9" name="Picture 8" descr="C:\Users\Marijn\Desktop\Untitled-3.png"/>
+          <p:cNvPicPr/>
+          <p:nvPr/>
+        </p:nvPicPr>
+        <p:blipFill>
+          <a:blip r:embed="rId2">
+            <a:extLst>
+              <a:ext uri="{28A0092B-C50C-407E-A947-70E740481C1C}">
+                <a14:useLocalDpi xmlns:a14="http://schemas.microsoft.com/office/drawing/2010/main" val="0"/>
+              </a:ext>
+            </a:extLst>
+          </a:blip>
+          <a:srcRect/>
+          <a:stretch>
+            <a:fillRect/>
+          </a:stretch>
+        </p:blipFill>
+        <p:spPr bwMode="auto">
+          <a:xfrm>
+            <a:off x="5076056" y="1121842"/>
+            <a:ext cx="4464496" cy="3312368"/>
+          </a:xfrm>
+          <a:prstGeom prst="rect">
+            <a:avLst/>
+          </a:prstGeom>
+          <a:noFill/>
+          <a:ln>
+            <a:noFill/>
+          </a:ln>
+        </p:spPr>
+      </p:pic>
+      <p:sp>
+        <p:nvSpPr>
+          <p:cNvPr id="6" name="TextBox 5"/>
+          <p:cNvSpPr txBox="1"/>
+          <p:nvPr/>
+        </p:nvSpPr>
         <p:spPr>
           <a:xfrm>
-            <a:off x="4211960" y="1772816"/>
-            <a:ext cx="2160240" cy="0"/>
-          </a:xfrm>
-          <a:prstGeom prst="straightConnector1">
+            <a:off x="800526" y="1700808"/>
+            <a:ext cx="2088232" cy="1600438"/>
+          </a:xfrm>
+          <a:prstGeom prst="rect">
             <a:avLst/>
           </a:prstGeom>
-          <a:ln>
-            <a:tailEnd type="arrow"/>
-          </a:ln>
-        </p:spPr>
-        <p:style>
-          <a:lnRef idx="1">
-            <a:schemeClr val="accent1"/>
-          </a:lnRef>
-          <a:fillRef idx="0">
-            <a:schemeClr val="accent1"/>
-          </a:fillRef>
-          <a:effectRef idx="0">
-            <a:schemeClr val="accent1"/>
-          </a:effectRef>
-          <a:fontRef idx="minor">
-            <a:schemeClr val="tx1"/>
-          </a:fontRef>
-        </p:style>
-      </p:cxnSp>
-      <p:cxnSp>
-        <p:nvCxnSpPr>
-          <p:cNvPr id="35" name="Rechte verbindingslijn met pijl 34"/>
-          <p:cNvCxnSpPr/>
+          <a:noFill/>
+        </p:spPr>
+        <p:txBody>
+          <a:bodyPr wrap="square" rtlCol="0">
+            <a:spAutoFit/>
+          </a:bodyPr>
+          <a:lstStyle/>
+          <a:p>
+            <a:r>
+              <a:rPr lang="en-US" sz="1400" dirty="0" smtClean="0"/>
+              <a:t>PL000</a:t>
+            </a:r>
+            <a:endParaRPr lang="nl-NL" sz="1400" dirty="0" smtClean="0"/>
+          </a:p>
+          <a:p>
+            <a:r>
+              <a:rPr lang="nl-NL" sz="1400" dirty="0" smtClean="0"/>
+              <a:t>Als </a:t>
+            </a:r>
+            <a:r>
+              <a:rPr lang="nl-NL" sz="1400" dirty="0"/>
+              <a:t>ontwikkelaar wil ik dat het project wordt opgezet, zodat er een goeie basis staat waaraan verder gewerkt kan worden.</a:t>
+            </a:r>
+            <a:endParaRPr lang="nl-NL" dirty="0"/>
+          </a:p>
+        </p:txBody>
+      </p:sp>
+      <p:sp>
+        <p:nvSpPr>
+          <p:cNvPr id="10" name="TextBox 9"/>
+          <p:cNvSpPr txBox="1"/>
           <p:nvPr/>
-        </p:nvCxnSpPr>
+        </p:nvSpPr>
         <p:spPr>
           <a:xfrm>
-            <a:off x="4139952" y="2708920"/>
-            <a:ext cx="2232248" cy="0"/>
-          </a:xfrm>
-          <a:prstGeom prst="straightConnector1">
+            <a:off x="6372201" y="1700808"/>
+            <a:ext cx="1872208" cy="1938992"/>
+          </a:xfrm>
+          <a:prstGeom prst="rect">
             <a:avLst/>
           </a:prstGeom>
+          <a:noFill/>
+        </p:spPr>
+        <p:txBody>
+          <a:bodyPr wrap="square" rtlCol="0">
+            <a:spAutoFit/>
+          </a:bodyPr>
+          <a:lstStyle/>
+          <a:p>
+            <a:r>
+              <a:rPr lang="nl-NL" sz="1400" dirty="0"/>
+              <a:t>PL004 </a:t>
+            </a:r>
+          </a:p>
+          <a:p>
+            <a:r>
+              <a:rPr lang="nl-NL" sz="1400" dirty="0" smtClean="0"/>
+              <a:t>Als </a:t>
+            </a:r>
+            <a:r>
+              <a:rPr lang="nl-NL" sz="1400" dirty="0"/>
+              <a:t>ontwikkelaar wil ik dat een object[] wordt teruggegeven zodat de klant kan inzien hoe zijn Uitvoering was</a:t>
+            </a:r>
+            <a:r>
+              <a:rPr lang="nl-NL" sz="1400" dirty="0" smtClean="0"/>
+              <a:t>.</a:t>
+            </a:r>
+            <a:r>
+              <a:rPr lang="nl-NL" sz="1400" dirty="0"/>
+              <a:t/>
+            </a:r>
+            <a:br>
+              <a:rPr lang="nl-NL" sz="1400" dirty="0"/>
+            </a:br>
+            <a:r>
+              <a:rPr lang="nl-NL" dirty="0"/>
+              <a:t/>
+            </a:r>
+            <a:br>
+              <a:rPr lang="nl-NL" dirty="0"/>
+            </a:br>
+            <a:endParaRPr lang="nl-NL" dirty="0"/>
+          </a:p>
+        </p:txBody>
+      </p:sp>
+      <p:pic>
+        <p:nvPicPr>
+          <p:cNvPr id="13" name="Picture 12" descr="C:\Users\Marijn\Desktop\Untitled-3.png"/>
+          <p:cNvPicPr/>
+          <p:nvPr/>
+        </p:nvPicPr>
+        <p:blipFill>
+          <a:blip r:embed="rId2">
+            <a:extLst>
+              <a:ext uri="{28A0092B-C50C-407E-A947-70E740481C1C}">
+                <a14:useLocalDpi xmlns:a14="http://schemas.microsoft.com/office/drawing/2010/main" val="0"/>
+              </a:ext>
+            </a:extLst>
+          </a:blip>
+          <a:srcRect/>
+          <a:stretch>
+            <a:fillRect/>
+          </a:stretch>
+        </p:blipFill>
+        <p:spPr bwMode="auto">
+          <a:xfrm>
+            <a:off x="2267744" y="3529922"/>
+            <a:ext cx="4464496" cy="3312368"/>
+          </a:xfrm>
+          <a:prstGeom prst="rect">
+            <a:avLst/>
+          </a:prstGeom>
+          <a:noFill/>
           <a:ln>
-            <a:tailEnd type="arrow"/>
+            <a:noFill/>
           </a:ln>
         </p:spPr>
-        <p:style>
-          <a:lnRef idx="1">
-            <a:schemeClr val="accent1"/>
-          </a:lnRef>
-          <a:fillRef idx="0">
-            <a:schemeClr val="accent1"/>
-          </a:fillRef>
-          <a:effectRef idx="0">
-            <a:schemeClr val="accent1"/>
-          </a:effectRef>
-          <a:fontRef idx="minor">
-            <a:schemeClr val="tx1"/>
-          </a:fontRef>
-        </p:style>
-      </p:cxnSp>
-      <p:cxnSp>
-        <p:nvCxnSpPr>
-          <p:cNvPr id="37" name="Rechte verbindingslijn met pijl 36"/>
-          <p:cNvCxnSpPr/>
+      </p:pic>
+      <p:sp>
+        <p:nvSpPr>
+          <p:cNvPr id="11" name="TextBox 10"/>
+          <p:cNvSpPr txBox="1"/>
           <p:nvPr/>
-        </p:nvCxnSpPr>
+        </p:nvSpPr>
         <p:spPr>
           <a:xfrm>
-            <a:off x="4139952" y="3861048"/>
-            <a:ext cx="2232248" cy="0"/>
-          </a:xfrm>
-          <a:prstGeom prst="straightConnector1">
+            <a:off x="3491880" y="4175829"/>
+            <a:ext cx="2016224" cy="1723549"/>
+          </a:xfrm>
+          <a:prstGeom prst="rect">
             <a:avLst/>
           </a:prstGeom>
-          <a:ln>
-            <a:tailEnd type="arrow"/>
-          </a:ln>
-        </p:spPr>
-        <p:style>
-          <a:lnRef idx="1">
-            <a:schemeClr val="accent1"/>
-          </a:lnRef>
-          <a:fillRef idx="0">
-            <a:schemeClr val="accent1"/>
-          </a:fillRef>
-          <a:effectRef idx="0">
-            <a:schemeClr val="accent1"/>
-          </a:effectRef>
-          <a:fontRef idx="minor">
-            <a:schemeClr val="tx1"/>
-          </a:fontRef>
-        </p:style>
-      </p:cxnSp>
-      <p:cxnSp>
-        <p:nvCxnSpPr>
-          <p:cNvPr id="39" name="Gebogen verbindingslijn 38"/>
-          <p:cNvCxnSpPr/>
-          <p:nvPr/>
-        </p:nvCxnSpPr>
-        <p:spPr>
-          <a:xfrm flipV="1">
-            <a:off x="4139952" y="3861048"/>
-            <a:ext cx="2232248" cy="1008112"/>
-          </a:xfrm>
-          <a:prstGeom prst="bentConnector3">
-            <a:avLst>
-              <a:gd name="adj1" fmla="val 46135"/>
-            </a:avLst>
-          </a:prstGeom>
-          <a:ln>
-            <a:tailEnd type="arrow"/>
-          </a:ln>
-        </p:spPr>
-        <p:style>
-          <a:lnRef idx="1">
-            <a:schemeClr val="accent1"/>
-          </a:lnRef>
-          <a:fillRef idx="0">
-            <a:schemeClr val="accent1"/>
-          </a:fillRef>
-          <a:effectRef idx="0">
-            <a:schemeClr val="accent1"/>
-          </a:effectRef>
-          <a:fontRef idx="minor">
-            <a:schemeClr val="tx1"/>
-          </a:fontRef>
-        </p:style>
-      </p:cxnSp>
-      <p:cxnSp>
-        <p:nvCxnSpPr>
-          <p:cNvPr id="41" name="Gebogen verbindingslijn 40"/>
-          <p:cNvCxnSpPr/>
-          <p:nvPr/>
-        </p:nvCxnSpPr>
-        <p:spPr>
-          <a:xfrm flipV="1">
-            <a:off x="5184068" y="2708920"/>
-            <a:ext cx="1188132" cy="1152128"/>
-          </a:xfrm>
-          <a:prstGeom prst="bentConnector3">
-            <a:avLst>
-              <a:gd name="adj1" fmla="val -823"/>
-            </a:avLst>
-          </a:prstGeom>
-          <a:ln>
-            <a:tailEnd type="arrow"/>
-          </a:ln>
-        </p:spPr>
-        <p:style>
-          <a:lnRef idx="1">
-            <a:schemeClr val="accent1"/>
-          </a:lnRef>
-          <a:fillRef idx="0">
-            <a:schemeClr val="accent1"/>
-          </a:fillRef>
-          <a:effectRef idx="0">
-            <a:schemeClr val="accent1"/>
-          </a:effectRef>
-          <a:fontRef idx="minor">
-            <a:schemeClr val="tx1"/>
-          </a:fontRef>
-        </p:style>
-      </p:cxnSp>
-      <p:cxnSp>
-        <p:nvCxnSpPr>
-          <p:cNvPr id="46" name="Gebogen verbindingslijn 45"/>
-          <p:cNvCxnSpPr/>
-          <p:nvPr/>
-        </p:nvCxnSpPr>
-        <p:spPr>
-          <a:xfrm flipV="1">
-            <a:off x="5184068" y="1772816"/>
-            <a:ext cx="1188132" cy="936104"/>
-          </a:xfrm>
-          <a:prstGeom prst="bentConnector3">
-            <a:avLst>
-              <a:gd name="adj1" fmla="val -823"/>
-            </a:avLst>
-          </a:prstGeom>
-          <a:ln>
-            <a:tailEnd type="arrow"/>
-          </a:ln>
-        </p:spPr>
-        <p:style>
-          <a:lnRef idx="1">
-            <a:schemeClr val="accent1"/>
-          </a:lnRef>
-          <a:fillRef idx="0">
-            <a:schemeClr val="accent1"/>
-          </a:fillRef>
-          <a:effectRef idx="0">
-            <a:schemeClr val="accent1"/>
-          </a:effectRef>
-          <a:fontRef idx="minor">
-            <a:schemeClr val="tx1"/>
-          </a:fontRef>
-        </p:style>
-      </p:cxnSp>
-      <p:sp>
-        <p:nvSpPr>
-          <p:cNvPr id="54" name="Ovaal 53">
-            <a:hlinkClick r:id="rId2"/>
-          </p:cNvPr>
-          <p:cNvSpPr/>
-          <p:nvPr/>
-        </p:nvSpPr>
-        <p:spPr>
-          <a:xfrm>
-            <a:off x="6838050" y="1232756"/>
-            <a:ext cx="1733833" cy="1080120"/>
-          </a:xfrm>
-          <a:prstGeom prst="ellipse">
-            <a:avLst/>
-          </a:prstGeom>
-        </p:spPr>
-        <p:style>
-          <a:lnRef idx="2">
-            <a:schemeClr val="accent1">
-              <a:shade val="50000"/>
-            </a:schemeClr>
-          </a:lnRef>
-          <a:fillRef idx="1">
-            <a:schemeClr val="accent1"/>
-          </a:fillRef>
-          <a:effectRef idx="0">
-            <a:schemeClr val="accent1"/>
-          </a:effectRef>
-          <a:fontRef idx="minor">
-            <a:schemeClr val="lt1"/>
-          </a:fontRef>
-        </p:style>
-        <p:txBody>
-          <a:bodyPr rtlCol="0" anchor="ctr"/>
-          <a:lstStyle/>
-          <a:p>
-            <a:pPr algn="ctr"/>
+          <a:noFill/>
+        </p:spPr>
+        <p:txBody>
+          <a:bodyPr wrap="square" rtlCol="0">
+            <a:spAutoFit/>
+          </a:bodyPr>
+          <a:lstStyle/>
+          <a:p>
+            <a:r>
+              <a:rPr lang="nl-NL" sz="1400" dirty="0"/>
+              <a:t>PL002 </a:t>
+            </a:r>
+          </a:p>
+          <a:p>
             <a:r>
               <a:rPr lang="nl-NL" sz="1400" dirty="0" smtClean="0"/>
-              <a:t>Startscherm</a:t>
-            </a:r>
-            <a:endParaRPr lang="en-GB" sz="1400" dirty="0"/>
-          </a:p>
-        </p:txBody>
-      </p:sp>
-      <p:sp>
-        <p:nvSpPr>
-          <p:cNvPr id="55" name="Ovaal 54">
-            <a:hlinkClick r:id="rId2"/>
-          </p:cNvPr>
-          <p:cNvSpPr/>
-          <p:nvPr/>
-        </p:nvSpPr>
-        <p:spPr>
-          <a:xfrm>
-            <a:off x="6838050" y="2312876"/>
-            <a:ext cx="1733833" cy="1080120"/>
-          </a:xfrm>
-          <a:prstGeom prst="ellipse">
-            <a:avLst/>
-          </a:prstGeom>
-        </p:spPr>
-        <p:style>
-          <a:lnRef idx="2">
-            <a:schemeClr val="accent1">
-              <a:shade val="50000"/>
-            </a:schemeClr>
-          </a:lnRef>
-          <a:fillRef idx="1">
-            <a:schemeClr val="accent1"/>
-          </a:fillRef>
-          <a:effectRef idx="0">
-            <a:schemeClr val="accent1"/>
-          </a:effectRef>
-          <a:fontRef idx="minor">
-            <a:schemeClr val="lt1"/>
-          </a:fontRef>
-        </p:style>
-        <p:txBody>
-          <a:bodyPr rtlCol="0" anchor="ctr"/>
-          <a:lstStyle/>
-          <a:p>
-            <a:pPr algn="ctr"/>
-            <a:r>
-              <a:rPr lang="nl-NL" sz="1400" dirty="0" smtClean="0"/>
-              <a:t>Startscherm</a:t>
-            </a:r>
-          </a:p>
-          <a:p>
-            <a:pPr algn="ctr"/>
-            <a:r>
-              <a:rPr lang="nl-NL" sz="1400" dirty="0" smtClean="0"/>
-              <a:t>Sporter</a:t>
-            </a:r>
-            <a:endParaRPr lang="en-GB" sz="1400" dirty="0"/>
-          </a:p>
-        </p:txBody>
-      </p:sp>
-      <p:sp>
-        <p:nvSpPr>
-          <p:cNvPr id="56" name="Ovaal 55">
-            <a:hlinkClick r:id="rId2"/>
-          </p:cNvPr>
-          <p:cNvSpPr/>
-          <p:nvPr/>
-        </p:nvSpPr>
-        <p:spPr>
-          <a:xfrm>
-            <a:off x="6838049" y="3392996"/>
-            <a:ext cx="1733833" cy="1080120"/>
-          </a:xfrm>
-          <a:prstGeom prst="ellipse">
-            <a:avLst/>
-          </a:prstGeom>
-        </p:spPr>
-        <p:style>
-          <a:lnRef idx="2">
-            <a:schemeClr val="accent1">
-              <a:shade val="50000"/>
-            </a:schemeClr>
-          </a:lnRef>
-          <a:fillRef idx="1">
-            <a:schemeClr val="accent1"/>
-          </a:fillRef>
-          <a:effectRef idx="0">
-            <a:schemeClr val="accent1"/>
-          </a:effectRef>
-          <a:fontRef idx="minor">
-            <a:schemeClr val="lt1"/>
-          </a:fontRef>
-        </p:style>
-        <p:txBody>
-          <a:bodyPr rtlCol="0" anchor="ctr"/>
-          <a:lstStyle/>
-          <a:p>
-            <a:pPr algn="ctr"/>
-            <a:r>
-              <a:rPr lang="nl-NL" sz="1400" dirty="0" smtClean="0"/>
-              <a:t>Coachscherm</a:t>
-            </a:r>
-            <a:endParaRPr lang="en-GB" sz="1400" dirty="0"/>
+              <a:t>Als </a:t>
+            </a:r>
+            <a:r>
+              <a:rPr lang="nl-NL" sz="1400" dirty="0"/>
+              <a:t>nieuwe sporter wil ik kunnen registreren, zodat zijn account in het systeem staat.</a:t>
+            </a:r>
+          </a:p>
+          <a:p>
+            <a:r>
+              <a:rPr lang="nl-NL" dirty="0"/>
+              <a:t/>
+            </a:r>
+            <a:br>
+              <a:rPr lang="nl-NL" dirty="0"/>
+            </a:br>
+            <a:endParaRPr lang="nl-NL" dirty="0"/>
           </a:p>
         </p:txBody>
       </p:sp>
       <p:pic>
         <p:nvPicPr>
-          <p:cNvPr id="14" name="Picture 2"/>
+          <p:cNvPr id="15" name="Picture 2"/>
           <p:cNvPicPr>
             <a:picLocks noChangeAspect="1" noChangeArrowheads="1"/>
           </p:cNvPicPr>
@@ -5881,7 +6004,7 @@
     </p:spTree>
     <p:extLst>
       <p:ext uri="{BB962C8B-B14F-4D97-AF65-F5344CB8AC3E}">
-        <p14:creationId xmlns:p14="http://schemas.microsoft.com/office/powerpoint/2010/main" val="3318139711"/>
+        <p14:creationId xmlns:p14="http://schemas.microsoft.com/office/powerpoint/2010/main" val="4133752792"/>
       </p:ext>
     </p:extLst>
   </p:cSld>
@@ -5975,32 +6098,43 @@
           <a:lstStyle/>
           <a:p>
             <a:r>
-              <a:rPr lang="nl-NL" dirty="0" smtClean="0"/>
-              <a:t>Inlogscherm</a:t>
-            </a:r>
-          </a:p>
-          <a:p>
-            <a:pPr lvl="1"/>
-            <a:r>
-              <a:rPr lang="en-US" dirty="0" err="1" smtClean="0"/>
-              <a:t>Sporter</a:t>
-            </a:r>
-            <a:endParaRPr lang="en-US" dirty="0" smtClean="0"/>
-          </a:p>
-          <a:p>
-            <a:pPr lvl="1"/>
-            <a:r>
-              <a:rPr lang="en-US" dirty="0" smtClean="0"/>
-              <a:t>Coach</a:t>
-            </a:r>
-          </a:p>
-          <a:p>
-            <a:pPr lvl="1"/>
-            <a:r>
-              <a:rPr lang="en-US" dirty="0" err="1" smtClean="0"/>
-              <a:t>Registreren</a:t>
-            </a:r>
-            <a:endParaRPr lang="nl-NL" dirty="0" smtClean="0"/>
+              <a:rPr lang="nl-NL" sz="2400" dirty="0" smtClean="0"/>
+              <a:t>Inloggen</a:t>
+            </a:r>
+          </a:p>
+          <a:p>
+            <a:endParaRPr lang="nl-NL" sz="2400" dirty="0" smtClean="0"/>
+          </a:p>
+          <a:p>
+            <a:r>
+              <a:rPr lang="nl-NL" sz="2400" dirty="0" smtClean="0"/>
+              <a:t>Sporteropties toevoegen</a:t>
+            </a:r>
+          </a:p>
+          <a:p>
+            <a:pPr marL="0" indent="0">
+              <a:buNone/>
+            </a:pPr>
+            <a:endParaRPr lang="nl-NL" sz="2400" dirty="0" smtClean="0"/>
+          </a:p>
+          <a:p>
+            <a:r>
+              <a:rPr lang="nl-NL" sz="2400" dirty="0" smtClean="0"/>
+              <a:t>Coachopties </a:t>
+            </a:r>
+            <a:r>
+              <a:rPr lang="nl-NL" sz="2400" dirty="0" smtClean="0"/>
+              <a:t>toevoegen</a:t>
+            </a:r>
+          </a:p>
+          <a:p>
+            <a:endParaRPr lang="nl-NL" sz="2400" dirty="0" smtClean="0"/>
+          </a:p>
+          <a:p>
+            <a:r>
+              <a:rPr lang="nl-NL" sz="2400" dirty="0" smtClean="0"/>
+              <a:t>Mooi maken van de app (Bootstrap)</a:t>
+            </a:r>
           </a:p>
           <a:p>
             <a:endParaRPr lang="nl-NL" dirty="0" smtClean="0"/>
@@ -6014,29 +6148,380 @@
           </a:p>
         </p:txBody>
       </p:sp>
+      <p:cxnSp>
+        <p:nvCxnSpPr>
+          <p:cNvPr id="33" name="Rechte verbindingslijn met pijl 32"/>
+          <p:cNvCxnSpPr/>
+          <p:nvPr/>
+        </p:nvCxnSpPr>
+        <p:spPr>
+          <a:xfrm>
+            <a:off x="4211960" y="1772816"/>
+            <a:ext cx="2160240" cy="0"/>
+          </a:xfrm>
+          <a:prstGeom prst="straightConnector1">
+            <a:avLst/>
+          </a:prstGeom>
+          <a:ln>
+            <a:tailEnd type="arrow"/>
+          </a:ln>
+        </p:spPr>
+        <p:style>
+          <a:lnRef idx="1">
+            <a:schemeClr val="accent1"/>
+          </a:lnRef>
+          <a:fillRef idx="0">
+            <a:schemeClr val="accent1"/>
+          </a:fillRef>
+          <a:effectRef idx="0">
+            <a:schemeClr val="accent1"/>
+          </a:effectRef>
+          <a:fontRef idx="minor">
+            <a:schemeClr val="tx1"/>
+          </a:fontRef>
+        </p:style>
+      </p:cxnSp>
+      <p:cxnSp>
+        <p:nvCxnSpPr>
+          <p:cNvPr id="35" name="Rechte verbindingslijn met pijl 34"/>
+          <p:cNvCxnSpPr/>
+          <p:nvPr/>
+        </p:nvCxnSpPr>
+        <p:spPr>
+          <a:xfrm>
+            <a:off x="4139952" y="2708920"/>
+            <a:ext cx="2232248" cy="0"/>
+          </a:xfrm>
+          <a:prstGeom prst="straightConnector1">
+            <a:avLst/>
+          </a:prstGeom>
+          <a:ln>
+            <a:tailEnd type="arrow"/>
+          </a:ln>
+        </p:spPr>
+        <p:style>
+          <a:lnRef idx="1">
+            <a:schemeClr val="accent1"/>
+          </a:lnRef>
+          <a:fillRef idx="0">
+            <a:schemeClr val="accent1"/>
+          </a:fillRef>
+          <a:effectRef idx="0">
+            <a:schemeClr val="accent1"/>
+          </a:effectRef>
+          <a:fontRef idx="minor">
+            <a:schemeClr val="tx1"/>
+          </a:fontRef>
+        </p:style>
+      </p:cxnSp>
+      <p:cxnSp>
+        <p:nvCxnSpPr>
+          <p:cNvPr id="37" name="Rechte verbindingslijn met pijl 36"/>
+          <p:cNvCxnSpPr/>
+          <p:nvPr/>
+        </p:nvCxnSpPr>
+        <p:spPr>
+          <a:xfrm>
+            <a:off x="4139952" y="3861048"/>
+            <a:ext cx="2232248" cy="0"/>
+          </a:xfrm>
+          <a:prstGeom prst="straightConnector1">
+            <a:avLst/>
+          </a:prstGeom>
+          <a:ln>
+            <a:tailEnd type="arrow"/>
+          </a:ln>
+        </p:spPr>
+        <p:style>
+          <a:lnRef idx="1">
+            <a:schemeClr val="accent1"/>
+          </a:lnRef>
+          <a:fillRef idx="0">
+            <a:schemeClr val="accent1"/>
+          </a:fillRef>
+          <a:effectRef idx="0">
+            <a:schemeClr val="accent1"/>
+          </a:effectRef>
+          <a:fontRef idx="minor">
+            <a:schemeClr val="tx1"/>
+          </a:fontRef>
+        </p:style>
+      </p:cxnSp>
+      <p:cxnSp>
+        <p:nvCxnSpPr>
+          <p:cNvPr id="39" name="Gebogen verbindingslijn 38"/>
+          <p:cNvCxnSpPr/>
+          <p:nvPr/>
+        </p:nvCxnSpPr>
+        <p:spPr>
+          <a:xfrm flipV="1">
+            <a:off x="4139952" y="3861048"/>
+            <a:ext cx="2232248" cy="1008112"/>
+          </a:xfrm>
+          <a:prstGeom prst="bentConnector3">
+            <a:avLst>
+              <a:gd name="adj1" fmla="val 46135"/>
+            </a:avLst>
+          </a:prstGeom>
+          <a:ln>
+            <a:tailEnd type="arrow"/>
+          </a:ln>
+        </p:spPr>
+        <p:style>
+          <a:lnRef idx="1">
+            <a:schemeClr val="accent1"/>
+          </a:lnRef>
+          <a:fillRef idx="0">
+            <a:schemeClr val="accent1"/>
+          </a:fillRef>
+          <a:effectRef idx="0">
+            <a:schemeClr val="accent1"/>
+          </a:effectRef>
+          <a:fontRef idx="minor">
+            <a:schemeClr val="tx1"/>
+          </a:fontRef>
+        </p:style>
+      </p:cxnSp>
+      <p:cxnSp>
+        <p:nvCxnSpPr>
+          <p:cNvPr id="41" name="Gebogen verbindingslijn 40"/>
+          <p:cNvCxnSpPr/>
+          <p:nvPr/>
+        </p:nvCxnSpPr>
+        <p:spPr>
+          <a:xfrm flipV="1">
+            <a:off x="5184068" y="2708920"/>
+            <a:ext cx="1188132" cy="1152128"/>
+          </a:xfrm>
+          <a:prstGeom prst="bentConnector3">
+            <a:avLst>
+              <a:gd name="adj1" fmla="val -823"/>
+            </a:avLst>
+          </a:prstGeom>
+          <a:ln>
+            <a:tailEnd type="arrow"/>
+          </a:ln>
+        </p:spPr>
+        <p:style>
+          <a:lnRef idx="1">
+            <a:schemeClr val="accent1"/>
+          </a:lnRef>
+          <a:fillRef idx="0">
+            <a:schemeClr val="accent1"/>
+          </a:fillRef>
+          <a:effectRef idx="0">
+            <a:schemeClr val="accent1"/>
+          </a:effectRef>
+          <a:fontRef idx="minor">
+            <a:schemeClr val="tx1"/>
+          </a:fontRef>
+        </p:style>
+      </p:cxnSp>
+      <p:cxnSp>
+        <p:nvCxnSpPr>
+          <p:cNvPr id="46" name="Gebogen verbindingslijn 45"/>
+          <p:cNvCxnSpPr/>
+          <p:nvPr/>
+        </p:nvCxnSpPr>
+        <p:spPr>
+          <a:xfrm flipV="1">
+            <a:off x="5184068" y="1772816"/>
+            <a:ext cx="1188132" cy="936104"/>
+          </a:xfrm>
+          <a:prstGeom prst="bentConnector3">
+            <a:avLst>
+              <a:gd name="adj1" fmla="val -823"/>
+            </a:avLst>
+          </a:prstGeom>
+          <a:ln>
+            <a:tailEnd type="arrow"/>
+          </a:ln>
+        </p:spPr>
+        <p:style>
+          <a:lnRef idx="1">
+            <a:schemeClr val="accent1"/>
+          </a:lnRef>
+          <a:fillRef idx="0">
+            <a:schemeClr val="accent1"/>
+          </a:fillRef>
+          <a:effectRef idx="0">
+            <a:schemeClr val="accent1"/>
+          </a:effectRef>
+          <a:fontRef idx="minor">
+            <a:schemeClr val="tx1"/>
+          </a:fontRef>
+        </p:style>
+      </p:cxnSp>
+      <p:sp>
+        <p:nvSpPr>
+          <p:cNvPr id="54" name="Ovaal 53">
+            <a:hlinkClick r:id="rId2"/>
+          </p:cNvPr>
+          <p:cNvSpPr/>
+          <p:nvPr/>
+        </p:nvSpPr>
+        <p:spPr>
+          <a:xfrm>
+            <a:off x="6838050" y="1232756"/>
+            <a:ext cx="1733833" cy="1080120"/>
+          </a:xfrm>
+          <a:prstGeom prst="ellipse">
+            <a:avLst/>
+          </a:prstGeom>
+        </p:spPr>
+        <p:style>
+          <a:lnRef idx="2">
+            <a:schemeClr val="accent1">
+              <a:shade val="50000"/>
+            </a:schemeClr>
+          </a:lnRef>
+          <a:fillRef idx="1">
+            <a:schemeClr val="accent1"/>
+          </a:fillRef>
+          <a:effectRef idx="0">
+            <a:schemeClr val="accent1"/>
+          </a:effectRef>
+          <a:fontRef idx="minor">
+            <a:schemeClr val="lt1"/>
+          </a:fontRef>
+        </p:style>
+        <p:txBody>
+          <a:bodyPr rtlCol="0" anchor="ctr"/>
+          <a:lstStyle/>
+          <a:p>
+            <a:pPr algn="ctr"/>
+            <a:r>
+              <a:rPr lang="nl-NL" sz="1400" dirty="0" smtClean="0"/>
+              <a:t>Startscherm</a:t>
+            </a:r>
+            <a:endParaRPr lang="en-GB" sz="1400" dirty="0"/>
+          </a:p>
+        </p:txBody>
+      </p:sp>
+      <p:sp>
+        <p:nvSpPr>
+          <p:cNvPr id="55" name="Ovaal 54">
+            <a:hlinkClick r:id="rId2"/>
+          </p:cNvPr>
+          <p:cNvSpPr/>
+          <p:nvPr/>
+        </p:nvSpPr>
+        <p:spPr>
+          <a:xfrm>
+            <a:off x="6838050" y="2312876"/>
+            <a:ext cx="1733833" cy="1080120"/>
+          </a:xfrm>
+          <a:prstGeom prst="ellipse">
+            <a:avLst/>
+          </a:prstGeom>
+        </p:spPr>
+        <p:style>
+          <a:lnRef idx="2">
+            <a:schemeClr val="accent1">
+              <a:shade val="50000"/>
+            </a:schemeClr>
+          </a:lnRef>
+          <a:fillRef idx="1">
+            <a:schemeClr val="accent1"/>
+          </a:fillRef>
+          <a:effectRef idx="0">
+            <a:schemeClr val="accent1"/>
+          </a:effectRef>
+          <a:fontRef idx="minor">
+            <a:schemeClr val="lt1"/>
+          </a:fontRef>
+        </p:style>
+        <p:txBody>
+          <a:bodyPr rtlCol="0" anchor="ctr"/>
+          <a:lstStyle/>
+          <a:p>
+            <a:pPr algn="ctr"/>
+            <a:r>
+              <a:rPr lang="nl-NL" sz="1400" dirty="0" smtClean="0"/>
+              <a:t>Startscherm</a:t>
+            </a:r>
+          </a:p>
+          <a:p>
+            <a:pPr algn="ctr"/>
+            <a:r>
+              <a:rPr lang="nl-NL" sz="1400" dirty="0" smtClean="0"/>
+              <a:t>Sporter</a:t>
+            </a:r>
+            <a:endParaRPr lang="en-GB" sz="1400" dirty="0"/>
+          </a:p>
+        </p:txBody>
+      </p:sp>
+      <p:sp>
+        <p:nvSpPr>
+          <p:cNvPr id="56" name="Ovaal 55">
+            <a:hlinkClick r:id="rId2"/>
+          </p:cNvPr>
+          <p:cNvSpPr/>
+          <p:nvPr/>
+        </p:nvSpPr>
+        <p:spPr>
+          <a:xfrm>
+            <a:off x="6838049" y="3392996"/>
+            <a:ext cx="1733833" cy="1080120"/>
+          </a:xfrm>
+          <a:prstGeom prst="ellipse">
+            <a:avLst/>
+          </a:prstGeom>
+        </p:spPr>
+        <p:style>
+          <a:lnRef idx="2">
+            <a:schemeClr val="accent1">
+              <a:shade val="50000"/>
+            </a:schemeClr>
+          </a:lnRef>
+          <a:fillRef idx="1">
+            <a:schemeClr val="accent1"/>
+          </a:fillRef>
+          <a:effectRef idx="0">
+            <a:schemeClr val="accent1"/>
+          </a:effectRef>
+          <a:fontRef idx="minor">
+            <a:schemeClr val="lt1"/>
+          </a:fontRef>
+        </p:style>
+        <p:txBody>
+          <a:bodyPr rtlCol="0" anchor="ctr"/>
+          <a:lstStyle/>
+          <a:p>
+            <a:pPr algn="ctr"/>
+            <a:r>
+              <a:rPr lang="nl-NL" sz="1400" dirty="0" smtClean="0"/>
+              <a:t>Coachscherm</a:t>
+            </a:r>
+            <a:endParaRPr lang="en-GB" sz="1400" dirty="0"/>
+          </a:p>
+        </p:txBody>
+      </p:sp>
       <p:pic>
         <p:nvPicPr>
-          <p:cNvPr id="11266" name="Picture 2"/>
+          <p:cNvPr id="14" name="Picture 2"/>
           <p:cNvPicPr>
             <a:picLocks noChangeAspect="1" noChangeArrowheads="1"/>
           </p:cNvPicPr>
           <p:nvPr/>
         </p:nvPicPr>
-        <p:blipFill rotWithShape="1">
-          <a:blip r:embed="rId2">
+        <p:blipFill>
+          <a:blip r:embed="rId3" cstate="print">
             <a:extLst>
               <a:ext uri="{28A0092B-C50C-407E-A947-70E740481C1C}">
                 <a14:useLocalDpi xmlns:a14="http://schemas.microsoft.com/office/drawing/2010/main" val="0"/>
               </a:ext>
             </a:extLst>
           </a:blip>
-          <a:srcRect r="2298"/>
-          <a:stretch/>
+          <a:srcRect/>
+          <a:stretch>
+            <a:fillRect/>
+          </a:stretch>
         </p:blipFill>
         <p:spPr bwMode="auto">
           <a:xfrm>
-            <a:off x="4139952" y="1700808"/>
-            <a:ext cx="4010125" cy="2643861"/>
+            <a:off x="7740352" y="5465524"/>
+            <a:ext cx="1080120" cy="1080120"/>
           </a:xfrm>
           <a:prstGeom prst="rect">
             <a:avLst/>
@@ -6076,74 +6561,10 @@
           </a:extLst>
         </p:spPr>
       </p:pic>
-      <p:pic>
-        <p:nvPicPr>
-          <p:cNvPr id="12" name="Picture 2"/>
-          <p:cNvPicPr>
-            <a:picLocks noChangeAspect="1" noChangeArrowheads="1"/>
-          </p:cNvPicPr>
-          <p:nvPr/>
-        </p:nvPicPr>
-        <p:blipFill>
-          <a:blip r:embed="rId3" cstate="print">
-            <a:extLst>
-              <a:ext uri="{28A0092B-C50C-407E-A947-70E740481C1C}">
-                <a14:useLocalDpi xmlns:a14="http://schemas.microsoft.com/office/drawing/2010/main" val="0"/>
-              </a:ext>
-            </a:extLst>
-          </a:blip>
-          <a:srcRect/>
-          <a:stretch>
-            <a:fillRect/>
-          </a:stretch>
-        </p:blipFill>
-        <p:spPr bwMode="auto">
-          <a:xfrm>
-            <a:off x="7740352" y="5465524"/>
-            <a:ext cx="1080120" cy="1080120"/>
-          </a:xfrm>
-          <a:prstGeom prst="rect">
-            <a:avLst/>
-          </a:prstGeom>
-          <a:noFill/>
-          <a:ln>
-            <a:noFill/>
-          </a:ln>
-          <a:effectLst/>
-          <a:extLst>
-            <a:ext uri="{909E8E84-426E-40DD-AFC4-6F175D3DCCD1}">
-              <a14:hiddenFill xmlns:a14="http://schemas.microsoft.com/office/drawing/2010/main">
-                <a:solidFill>
-                  <a:schemeClr val="accent1"/>
-                </a:solidFill>
-              </a14:hiddenFill>
-            </a:ext>
-            <a:ext uri="{91240B29-F687-4F45-9708-019B960494DF}">
-              <a14:hiddenLine xmlns:a14="http://schemas.microsoft.com/office/drawing/2010/main" w="9525">
-                <a:solidFill>
-                  <a:schemeClr val="tx1"/>
-                </a:solidFill>
-                <a:miter lim="800000"/>
-                <a:headEnd/>
-                <a:tailEnd/>
-              </a14:hiddenLine>
-            </a:ext>
-            <a:ext uri="{AF507438-7753-43E0-B8FC-AC1667EBCBE1}">
-              <a14:hiddenEffects xmlns:a14="http://schemas.microsoft.com/office/drawing/2010/main">
-                <a:effectLst>
-                  <a:outerShdw dist="35921" dir="2700000" algn="ctr" rotWithShape="0">
-                    <a:schemeClr val="bg2"/>
-                  </a:outerShdw>
-                </a:effectLst>
-              </a14:hiddenEffects>
-            </a:ext>
-          </a:extLst>
-        </p:spPr>
-      </p:pic>
     </p:spTree>
     <p:extLst>
       <p:ext uri="{BB962C8B-B14F-4D97-AF65-F5344CB8AC3E}">
-        <p14:creationId xmlns:p14="http://schemas.microsoft.com/office/powerpoint/2010/main" val="3780345743"/>
+        <p14:creationId xmlns:p14="http://schemas.microsoft.com/office/powerpoint/2010/main" val="3318139711"/>
       </p:ext>
     </p:extLst>
   </p:cSld>
@@ -6227,7 +6648,7 @@
         <p:spPr>
           <a:xfrm>
             <a:off x="457200" y="1600200"/>
-            <a:ext cx="4618856" cy="4525963"/>
+            <a:ext cx="4402832" cy="4525963"/>
           </a:xfrm>
         </p:spPr>
         <p:txBody>
@@ -6238,29 +6659,34 @@
           <a:p>
             <a:r>
               <a:rPr lang="nl-NL" dirty="0" smtClean="0"/>
-              <a:t>Sporteropties toevoegen</a:t>
+              <a:t>Inlogscherm</a:t>
             </a:r>
           </a:p>
           <a:p>
             <a:pPr lvl="1"/>
             <a:r>
-              <a:rPr lang="nl-NL" dirty="0" smtClean="0"/>
-              <a:t>Oefening inlezen</a:t>
-            </a:r>
+              <a:rPr lang="en-US" dirty="0" err="1" smtClean="0"/>
+              <a:t>Sporter</a:t>
+            </a:r>
+            <a:endParaRPr lang="en-US" dirty="0" smtClean="0"/>
           </a:p>
           <a:p>
             <a:pPr lvl="1"/>
             <a:r>
-              <a:rPr lang="nl-NL" dirty="0" smtClean="0"/>
-              <a:t>Planning bekijken/aanvragen</a:t>
+              <a:rPr lang="en-US" dirty="0" smtClean="0"/>
+              <a:t>Coach</a:t>
             </a:r>
           </a:p>
           <a:p>
             <a:pPr lvl="1"/>
             <a:r>
-              <a:rPr lang="nl-NL" dirty="0" smtClean="0"/>
-              <a:t>Oefening registreren</a:t>
-            </a:r>
+              <a:rPr lang="en-US" dirty="0" err="1" smtClean="0"/>
+              <a:t>Registreren</a:t>
+            </a:r>
+            <a:endParaRPr lang="nl-NL" dirty="0" smtClean="0"/>
+          </a:p>
+          <a:p>
+            <a:endParaRPr lang="nl-NL" dirty="0" smtClean="0"/>
           </a:p>
           <a:p>
             <a:pPr lvl="1"/>
@@ -6269,24 +6695,17 @@
           <a:p>
             <a:endParaRPr lang="nl-NL" dirty="0" smtClean="0"/>
           </a:p>
-          <a:p>
-            <a:pPr lvl="1"/>
-            <a:endParaRPr lang="nl-NL" dirty="0" smtClean="0"/>
-          </a:p>
-          <a:p>
-            <a:endParaRPr lang="nl-NL" dirty="0" smtClean="0"/>
-          </a:p>
         </p:txBody>
       </p:sp>
       <p:pic>
         <p:nvPicPr>
-          <p:cNvPr id="6145" name="Picture 1"/>
+          <p:cNvPr id="11266" name="Picture 2"/>
           <p:cNvPicPr>
             <a:picLocks noChangeAspect="1" noChangeArrowheads="1"/>
           </p:cNvPicPr>
           <p:nvPr/>
         </p:nvPicPr>
-        <p:blipFill>
+        <p:blipFill rotWithShape="1">
           <a:blip r:embed="rId2">
             <a:extLst>
               <a:ext uri="{28A0092B-C50C-407E-A947-70E740481C1C}">
@@ -6294,15 +6713,13 @@
               </a:ext>
             </a:extLst>
           </a:blip>
-          <a:srcRect/>
-          <a:stretch>
-            <a:fillRect/>
-          </a:stretch>
+          <a:srcRect r="2298"/>
+          <a:stretch/>
         </p:blipFill>
         <p:spPr bwMode="auto">
           <a:xfrm>
-            <a:off x="5436096" y="1443107"/>
-            <a:ext cx="3168352" cy="3097944"/>
+            <a:off x="4139952" y="1700808"/>
+            <a:ext cx="4010125" cy="2643861"/>
           </a:xfrm>
           <a:prstGeom prst="rect">
             <a:avLst/>
@@ -6344,7 +6761,7 @@
       </p:pic>
       <p:pic>
         <p:nvPicPr>
-          <p:cNvPr id="6" name="Picture 2"/>
+          <p:cNvPr id="12" name="Picture 2"/>
           <p:cNvPicPr>
             <a:picLocks noChangeAspect="1" noChangeArrowheads="1"/>
           </p:cNvPicPr>
@@ -6409,7 +6826,7 @@
     </p:spTree>
     <p:extLst>
       <p:ext uri="{BB962C8B-B14F-4D97-AF65-F5344CB8AC3E}">
-        <p14:creationId xmlns:p14="http://schemas.microsoft.com/office/powerpoint/2010/main" val="4133752792"/>
+        <p14:creationId xmlns:p14="http://schemas.microsoft.com/office/powerpoint/2010/main" val="3780345743"/>
       </p:ext>
     </p:extLst>
   </p:cSld>
@@ -6493,7 +6910,7 @@
         <p:spPr>
           <a:xfrm>
             <a:off x="457200" y="1600200"/>
-            <a:ext cx="4402832" cy="4525963"/>
+            <a:ext cx="4618856" cy="4525963"/>
           </a:xfrm>
         </p:spPr>
         <p:txBody>
@@ -6504,43 +6921,29 @@
           <a:p>
             <a:r>
               <a:rPr lang="nl-NL" dirty="0" smtClean="0"/>
-              <a:t>Coachopties toevoegen (</a:t>
-            </a:r>
-            <a:r>
-              <a:rPr lang="nl-NL" dirty="0" err="1" smtClean="0"/>
-              <a:t>Angular</a:t>
-            </a:r>
+              <a:t>Sporteropties toevoegen</a:t>
+            </a:r>
+          </a:p>
+          <a:p>
+            <a:pPr lvl="1"/>
             <a:r>
               <a:rPr lang="nl-NL" dirty="0" smtClean="0"/>
-              <a:t>)</a:t>
+              <a:t>Oefening inlezen</a:t>
             </a:r>
           </a:p>
           <a:p>
             <a:pPr lvl="1"/>
             <a:r>
               <a:rPr lang="nl-NL" dirty="0" smtClean="0"/>
-              <a:t>Oefening maken</a:t>
+              <a:t>Planning bekijken/aanvragen</a:t>
             </a:r>
           </a:p>
           <a:p>
             <a:pPr lvl="1"/>
             <a:r>
               <a:rPr lang="nl-NL" dirty="0" smtClean="0"/>
-              <a:t>Planning maken</a:t>
-            </a:r>
-          </a:p>
-          <a:p>
-            <a:pPr lvl="1"/>
-            <a:r>
-              <a:rPr lang="nl-NL" dirty="0" smtClean="0"/>
-              <a:t>Voortgangen bekijken</a:t>
-            </a:r>
-          </a:p>
-          <a:p>
-            <a:endParaRPr lang="nl-NL" dirty="0" smtClean="0"/>
-          </a:p>
-          <a:p>
-            <a:endParaRPr lang="nl-NL" dirty="0" smtClean="0"/>
+              <a:t>Oefening registreren</a:t>
+            </a:r>
           </a:p>
           <a:p>
             <a:pPr lvl="1"/>
@@ -6549,17 +6952,24 @@
           <a:p>
             <a:endParaRPr lang="nl-NL" dirty="0" smtClean="0"/>
           </a:p>
+          <a:p>
+            <a:pPr lvl="1"/>
+            <a:endParaRPr lang="nl-NL" dirty="0" smtClean="0"/>
+          </a:p>
+          <a:p>
+            <a:endParaRPr lang="nl-NL" dirty="0" smtClean="0"/>
+          </a:p>
         </p:txBody>
       </p:sp>
       <p:pic>
         <p:nvPicPr>
-          <p:cNvPr id="5122" name="Picture 2" descr="A coach is someone that sees beyond your limits and guides you ..."/>
+          <p:cNvPr id="6145" name="Picture 1"/>
           <p:cNvPicPr>
             <a:picLocks noChangeAspect="1" noChangeArrowheads="1"/>
           </p:cNvPicPr>
           <p:nvPr/>
         </p:nvPicPr>
-        <p:blipFill rotWithShape="1">
+        <p:blipFill>
           <a:blip r:embed="rId2">
             <a:extLst>
               <a:ext uri="{28A0092B-C50C-407E-A947-70E740481C1C}">
@@ -6567,25 +6977,50 @@
               </a:ext>
             </a:extLst>
           </a:blip>
-          <a:srcRect t="22228" b="28728"/>
-          <a:stretch/>
+          <a:srcRect/>
+          <a:stretch>
+            <a:fillRect/>
+          </a:stretch>
         </p:blipFill>
         <p:spPr bwMode="auto">
           <a:xfrm>
-            <a:off x="4932040" y="2132856"/>
-            <a:ext cx="3996584" cy="2529132"/>
+            <a:off x="5436096" y="1443107"/>
+            <a:ext cx="3168352" cy="3097944"/>
           </a:xfrm>
           <a:prstGeom prst="rect">
             <a:avLst/>
           </a:prstGeom>
           <a:noFill/>
+          <a:ln>
+            <a:noFill/>
+          </a:ln>
+          <a:effectLst/>
           <a:extLst>
             <a:ext uri="{909E8E84-426E-40DD-AFC4-6F175D3DCCD1}">
               <a14:hiddenFill xmlns:a14="http://schemas.microsoft.com/office/drawing/2010/main">
                 <a:solidFill>
-                  <a:srgbClr val="FFFFFF"/>
+                  <a:schemeClr val="accent1"/>
                 </a:solidFill>
               </a14:hiddenFill>
+            </a:ext>
+            <a:ext uri="{91240B29-F687-4F45-9708-019B960494DF}">
+              <a14:hiddenLine xmlns:a14="http://schemas.microsoft.com/office/drawing/2010/main" w="9525">
+                <a:solidFill>
+                  <a:schemeClr val="tx1"/>
+                </a:solidFill>
+                <a:miter lim="800000"/>
+                <a:headEnd/>
+                <a:tailEnd/>
+              </a14:hiddenLine>
+            </a:ext>
+            <a:ext uri="{AF507438-7753-43E0-B8FC-AC1667EBCBE1}">
+              <a14:hiddenEffects xmlns:a14="http://schemas.microsoft.com/office/drawing/2010/main">
+                <a:effectLst>
+                  <a:outerShdw dist="35921" dir="2700000" algn="ctr" rotWithShape="0">
+                    <a:schemeClr val="bg2"/>
+                  </a:outerShdw>
+                </a:effectLst>
+              </a14:hiddenEffects>
             </a:ext>
           </a:extLst>
         </p:spPr>
@@ -6711,16 +7146,18 @@
         </p:nvSpPr>
         <p:spPr/>
         <p:txBody>
-          <a:bodyPr/>
+          <a:bodyPr>
+            <a:normAutofit/>
+          </a:bodyPr>
           <a:lstStyle/>
           <a:p>
             <a:r>
               <a:rPr lang="nl-NL" dirty="0" smtClean="0">
                 <a:latin typeface="Britannic Bold" pitchFamily="34" charset="0"/>
               </a:rPr>
-              <a:t>Leerdoelen buiten de applicatie</a:t>
-            </a:r>
-            <a:endParaRPr lang="en-GB" dirty="0">
+              <a:t>User story analyse</a:t>
+            </a:r>
+            <a:endParaRPr lang="nl-NL" dirty="0">
               <a:latin typeface="Britannic Bold" pitchFamily="34" charset="0"/>
             </a:endParaRPr>
           </a:p>
@@ -6728,7 +7165,7 @@
       </p:sp>
       <p:sp>
         <p:nvSpPr>
-          <p:cNvPr id="3" name="Tijdelijke aanduiding voor inhoud 2"/>
+          <p:cNvPr id="4" name="Tijdelijke aanduiding voor inhoud 2"/>
           <p:cNvSpPr>
             <a:spLocks noGrp="1"/>
           </p:cNvSpPr>
@@ -6736,135 +7173,109 @@
             <p:ph idx="1"/>
           </p:nvPr>
         </p:nvSpPr>
-        <p:spPr/>
+        <p:spPr>
+          <a:xfrm>
+            <a:off x="457200" y="1600200"/>
+            <a:ext cx="6473132" cy="4525963"/>
+          </a:xfrm>
+        </p:spPr>
         <p:txBody>
           <a:bodyPr>
-            <a:normAutofit fontScale="92500" lnSpcReduction="20000"/>
+            <a:normAutofit/>
           </a:bodyPr>
           <a:lstStyle/>
           <a:p>
             <a:r>
               <a:rPr lang="nl-NL" dirty="0" smtClean="0"/>
-              <a:t>Swagger</a:t>
-            </a:r>
-            <a:endParaRPr lang="nl-NL" dirty="0"/>
+              <a:t>Coachopties toevoegen (</a:t>
+            </a:r>
+            <a:r>
+              <a:rPr lang="nl-NL" dirty="0" err="1" smtClean="0"/>
+              <a:t>Angular</a:t>
+            </a:r>
+            <a:r>
+              <a:rPr lang="nl-NL" dirty="0" smtClean="0"/>
+              <a:t>)</a:t>
+            </a:r>
+          </a:p>
+          <a:p>
+            <a:pPr lvl="1"/>
+            <a:r>
+              <a:rPr lang="nl-NL" dirty="0" smtClean="0"/>
+              <a:t>Oefening maken</a:t>
+            </a:r>
+          </a:p>
+          <a:p>
+            <a:pPr lvl="1"/>
+            <a:r>
+              <a:rPr lang="nl-NL" dirty="0" smtClean="0"/>
+              <a:t>Planning maken</a:t>
+            </a:r>
+          </a:p>
+          <a:p>
+            <a:pPr lvl="1"/>
+            <a:r>
+              <a:rPr lang="nl-NL" dirty="0" smtClean="0"/>
+              <a:t>Voortgangen bekijken</a:t>
+            </a:r>
           </a:p>
           <a:p>
             <a:endParaRPr lang="nl-NL" dirty="0" smtClean="0"/>
           </a:p>
           <a:p>
-            <a:r>
-              <a:rPr lang="nl-NL" dirty="0" err="1" smtClean="0"/>
-              <a:t>Deploy</a:t>
-            </a:r>
-            <a:endParaRPr lang="nl-NL" dirty="0"/>
-          </a:p>
-          <a:p>
             <a:endParaRPr lang="nl-NL" dirty="0" smtClean="0"/>
           </a:p>
           <a:p>
-            <a:r>
-              <a:rPr lang="nl-NL" dirty="0" err="1" smtClean="0"/>
-              <a:t>Junit</a:t>
-            </a:r>
-            <a:r>
-              <a:rPr lang="nl-NL" dirty="0" smtClean="0"/>
-              <a:t> </a:t>
-            </a:r>
-            <a:r>
-              <a:rPr lang="nl-NL" dirty="0" err="1" smtClean="0"/>
-              <a:t>testing</a:t>
-            </a:r>
-            <a:endParaRPr lang="nl-NL" dirty="0"/>
-          </a:p>
-          <a:p>
+            <a:pPr lvl="1"/>
             <a:endParaRPr lang="nl-NL" dirty="0" smtClean="0"/>
           </a:p>
           <a:p>
-            <a:r>
-              <a:rPr lang="nl-NL" dirty="0" smtClean="0"/>
-              <a:t>Mail versturen</a:t>
-            </a:r>
-          </a:p>
-          <a:p>
             <a:endParaRPr lang="nl-NL" dirty="0" smtClean="0"/>
-          </a:p>
-          <a:p>
-            <a:r>
-              <a:rPr lang="nl-NL" dirty="0" smtClean="0"/>
-              <a:t>Security</a:t>
-            </a:r>
-          </a:p>
-          <a:p>
-            <a:endParaRPr lang="nl-NL" dirty="0"/>
-          </a:p>
-          <a:p>
-            <a:endParaRPr lang="en-GB" dirty="0"/>
           </a:p>
         </p:txBody>
       </p:sp>
       <p:pic>
         <p:nvPicPr>
-          <p:cNvPr id="4097" name="Picture 1"/>
+          <p:cNvPr id="5122" name="Picture 2" descr="A coach is someone that sees beyond your limits and guides you ..."/>
           <p:cNvPicPr>
             <a:picLocks noChangeAspect="1" noChangeArrowheads="1"/>
           </p:cNvPicPr>
           <p:nvPr/>
         </p:nvPicPr>
-        <p:blipFill>
-          <a:blip r:embed="rId2" cstate="print">
+        <p:blipFill rotWithShape="1">
+          <a:blip r:embed="rId2">
             <a:extLst>
               <a:ext uri="{28A0092B-C50C-407E-A947-70E740481C1C}">
                 <a14:useLocalDpi xmlns:a14="http://schemas.microsoft.com/office/drawing/2010/main" val="0"/>
               </a:ext>
             </a:extLst>
           </a:blip>
-          <a:srcRect/>
-          <a:stretch>
-            <a:fillRect/>
-          </a:stretch>
+          <a:srcRect t="22228" b="28728"/>
+          <a:stretch/>
         </p:blipFill>
         <p:spPr bwMode="auto">
           <a:xfrm>
-            <a:off x="4383310" y="1700808"/>
-            <a:ext cx="3286146" cy="2571409"/>
+            <a:off x="4932040" y="2492896"/>
+            <a:ext cx="3996584" cy="2529132"/>
           </a:xfrm>
           <a:prstGeom prst="rect">
             <a:avLst/>
           </a:prstGeom>
           <a:noFill/>
-          <a:ln w="79375">
-            <a:solidFill>
-              <a:srgbClr val="00B0F0"/>
-            </a:solidFill>
-            <a:miter lim="800000"/>
-            <a:headEnd/>
-            <a:tailEnd/>
-          </a:ln>
-          <a:effectLst/>
           <a:extLst>
             <a:ext uri="{909E8E84-426E-40DD-AFC4-6F175D3DCCD1}">
               <a14:hiddenFill xmlns:a14="http://schemas.microsoft.com/office/drawing/2010/main">
                 <a:solidFill>
-                  <a:schemeClr val="accent1"/>
+                  <a:srgbClr val="FFFFFF"/>
                 </a:solidFill>
               </a14:hiddenFill>
             </a:ext>
-            <a:ext uri="{AF507438-7753-43E0-B8FC-AC1667EBCBE1}">
-              <a14:hiddenEffects xmlns:a14="http://schemas.microsoft.com/office/drawing/2010/main">
-                <a:effectLst>
-                  <a:outerShdw dist="35921" dir="2700000" algn="ctr" rotWithShape="0">
-                    <a:schemeClr val="bg2"/>
-                  </a:outerShdw>
-                </a:effectLst>
-              </a14:hiddenEffects>
-            </a:ext>
           </a:extLst>
         </p:spPr>
       </p:pic>
       <p:pic>
         <p:nvPicPr>
-          <p:cNvPr id="7" name="Picture 2"/>
+          <p:cNvPr id="6" name="Picture 2"/>
           <p:cNvPicPr>
             <a:picLocks noChangeAspect="1" noChangeArrowheads="1"/>
           </p:cNvPicPr>
@@ -6929,7 +7340,7 @@
     </p:spTree>
     <p:extLst>
       <p:ext uri="{BB962C8B-B14F-4D97-AF65-F5344CB8AC3E}">
-        <p14:creationId xmlns:p14="http://schemas.microsoft.com/office/powerpoint/2010/main" val="4255137884"/>
+        <p14:creationId xmlns:p14="http://schemas.microsoft.com/office/powerpoint/2010/main" val="4133752792"/>
       </p:ext>
     </p:extLst>
   </p:cSld>
@@ -6938,10 +7349,10 @@
   </p:clrMapOvr>
   <mc:AlternateContent xmlns:mc="http://schemas.openxmlformats.org/markup-compatibility/2006" xmlns:p14="http://schemas.microsoft.com/office/powerpoint/2010/main">
     <mc:Choice Requires="p14">
-      <p:transition spd="slow" p14:dur="2000" advClick="0"/>
+      <p:transition spd="slow" p14:dur="2000"/>
     </mc:Choice>
     <mc:Fallback xmlns="">
-      <p:transition spd="slow" advClick="0"/>
+      <p:transition spd="slow"/>
     </mc:Fallback>
   </mc:AlternateContent>
   <p:timing>
